--- a/PPTs/04 Building Components.pptx
+++ b/PPTs/04 Building Components.pptx
@@ -5,7 +5,7 @@
     <p:sldMasterId id="2147483672" r:id="rId1"/>
   </p:sldMasterIdLst>
   <p:notesMasterIdLst>
-    <p:notesMasterId r:id="rId32"/>
+    <p:notesMasterId r:id="rId40"/>
   </p:notesMasterIdLst>
   <p:sldIdLst>
     <p:sldId id="256" r:id="rId2"/>
@@ -37,7 +37,15 @@
     <p:sldId id="376" r:id="rId28"/>
     <p:sldId id="380" r:id="rId29"/>
     <p:sldId id="377" r:id="rId30"/>
-    <p:sldId id="351" r:id="rId31"/>
+    <p:sldId id="381" r:id="rId31"/>
+    <p:sldId id="382" r:id="rId32"/>
+    <p:sldId id="383" r:id="rId33"/>
+    <p:sldId id="384" r:id="rId34"/>
+    <p:sldId id="385" r:id="rId35"/>
+    <p:sldId id="386" r:id="rId36"/>
+    <p:sldId id="387" r:id="rId37"/>
+    <p:sldId id="388" r:id="rId38"/>
+    <p:sldId id="351" r:id="rId39"/>
   </p:sldIdLst>
   <p:sldSz cx="9144000" cy="6858000" type="screen4x3"/>
   <p:notesSz cx="6858000" cy="9144000"/>
@@ -5302,7 +5310,7 @@
             <a:fld id="{BC6FC07C-0485-40B9-BC68-01FB6F3C1F19}" type="datetimeFigureOut">
               <a:rPr lang="en-US" smtClean="0"/>
               <a:pPr/>
-              <a:t>10/3/2018</a:t>
+              <a:t>10/15/2018</a:t>
             </a:fld>
             <a:endParaRPr lang="en-US"/>
           </a:p>
@@ -11682,13 +11690,8 @@
             <a:pPr lvl="1"/>
             <a:r>
               <a:rPr lang="en-US" dirty="0"/>
-              <a:t>Without propagating the parent component will not be </a:t>
-            </a:r>
-            <a:r>
-              <a:rPr lang="en-US" dirty="0" err="1"/>
-              <a:t>rerendered</a:t>
-            </a:r>
-            <a:endParaRPr lang="en-US" dirty="0"/>
+              <a:t>Without propagating the parent component will not be re-rendered</a:t>
+            </a:r>
           </a:p>
           <a:p>
             <a:r>
@@ -11880,7 +11883,19 @@
           <a:p>
             <a:r>
               <a:rPr lang="en-US" dirty="0"/>
-              <a:t>The this keyword does not point to the component instance </a:t>
+              <a:t>The </a:t>
+            </a:r>
+            <a:r>
+              <a:rPr lang="en-US" dirty="0">
+                <a:solidFill>
+                  <a:srgbClr val="FF0000"/>
+                </a:solidFill>
+              </a:rPr>
+              <a:t>this</a:t>
+            </a:r>
+            <a:r>
+              <a:rPr lang="en-US" dirty="0"/>
+              <a:t> keyword does not point to the component instance </a:t>
             </a:r>
             <a:r>
               <a:rPr lang="en-US" dirty="0">
@@ -15033,7 +15048,7 @@
             <a:pPr algn="ctr"/>
             <a:r>
               <a:rPr lang="en-US" sz="1400" dirty="0"/>
-              <a:t>What happen each time a contact moves inside the list ?</a:t>
+              <a:t>What does happen when a contact moves inside the list ?</a:t>
             </a:r>
             <a:endParaRPr lang="he-IL" sz="1400" dirty="0"/>
           </a:p>
@@ -15272,7 +15287,7 @@
           <a:p>
             <a:r>
               <a:rPr lang="en-US" dirty="0"/>
-              <a:t>Each component might receives new props</a:t>
+              <a:t>Each component might receive new props</a:t>
             </a:r>
           </a:p>
           <a:p>
@@ -27685,6 +27700,7406 @@
           <p:cNvPr id="2" name="Title 1">
             <a:extLst>
               <a:ext uri="{FF2B5EF4-FFF2-40B4-BE49-F238E27FC236}">
+                <a16:creationId xmlns:a16="http://schemas.microsoft.com/office/drawing/2014/main" id="{68A87B3B-FE65-4007-98FB-F9403FEACD47}"/>
+              </a:ext>
+            </a:extLst>
+          </p:cNvPr>
+          <p:cNvSpPr>
+            <a:spLocks noGrp="1"/>
+          </p:cNvSpPr>
+          <p:nvPr>
+            <p:ph type="title"/>
+          </p:nvPr>
+        </p:nvSpPr>
+        <p:spPr/>
+        <p:txBody>
+          <a:bodyPr/>
+          <a:lstStyle/>
+          <a:p>
+            <a:r>
+              <a:rPr lang="en-US" dirty="0"/>
+              <a:t>Code Splitting</a:t>
+            </a:r>
+            <a:endParaRPr lang="he-IL" dirty="0"/>
+          </a:p>
+        </p:txBody>
+      </p:sp>
+      <p:sp>
+        <p:nvSpPr>
+          <p:cNvPr id="3" name="Footer Placeholder 2">
+            <a:extLst>
+              <a:ext uri="{FF2B5EF4-FFF2-40B4-BE49-F238E27FC236}">
+                <a16:creationId xmlns:a16="http://schemas.microsoft.com/office/drawing/2014/main" id="{25835C04-B1D3-4F8E-B5D7-98046DADD885}"/>
+              </a:ext>
+            </a:extLst>
+          </p:cNvPr>
+          <p:cNvSpPr>
+            <a:spLocks noGrp="1"/>
+          </p:cNvSpPr>
+          <p:nvPr>
+            <p:ph type="ftr" sz="quarter" idx="11"/>
+          </p:nvPr>
+        </p:nvSpPr>
+        <p:spPr/>
+        <p:txBody>
+          <a:bodyPr/>
+          <a:lstStyle/>
+          <a:p>
+            <a:r>
+              <a:rPr lang="en-US"/>
+              <a:t>© 2018 Ori Calvo</a:t>
+            </a:r>
+            <a:endParaRPr lang="en-US" dirty="0"/>
+          </a:p>
+        </p:txBody>
+      </p:sp>
+      <p:sp>
+        <p:nvSpPr>
+          <p:cNvPr id="4" name="Slide Number Placeholder 3">
+            <a:extLst>
+              <a:ext uri="{FF2B5EF4-FFF2-40B4-BE49-F238E27FC236}">
+                <a16:creationId xmlns:a16="http://schemas.microsoft.com/office/drawing/2014/main" id="{9DB75DF5-3BA3-4576-A937-342BF0D9EA0E}"/>
+              </a:ext>
+            </a:extLst>
+          </p:cNvPr>
+          <p:cNvSpPr>
+            <a:spLocks noGrp="1"/>
+          </p:cNvSpPr>
+          <p:nvPr>
+            <p:ph type="sldNum" sz="quarter" idx="12"/>
+          </p:nvPr>
+        </p:nvSpPr>
+        <p:spPr/>
+        <p:txBody>
+          <a:bodyPr>
+            <a:normAutofit fontScale="85000" lnSpcReduction="20000"/>
+          </a:bodyPr>
+          <a:lstStyle/>
+          <a:p>
+            <a:fld id="{87B78B44-2135-4DB2-B732-E7D5FFF77B6A}" type="slidenum">
+              <a:rPr lang="en-US" smtClean="0"/>
+              <a:pPr/>
+              <a:t>30</a:t>
+            </a:fld>
+            <a:endParaRPr lang="en-US"/>
+          </a:p>
+        </p:txBody>
+      </p:sp>
+      <p:sp>
+        <p:nvSpPr>
+          <p:cNvPr id="5" name="Content Placeholder 4">
+            <a:extLst>
+              <a:ext uri="{FF2B5EF4-FFF2-40B4-BE49-F238E27FC236}">
+                <a16:creationId xmlns:a16="http://schemas.microsoft.com/office/drawing/2014/main" id="{64811715-48E2-4AB1-8AE2-31367697B4A8}"/>
+              </a:ext>
+            </a:extLst>
+          </p:cNvPr>
+          <p:cNvSpPr>
+            <a:spLocks noGrp="1"/>
+          </p:cNvSpPr>
+          <p:nvPr>
+            <p:ph sz="quarter" idx="1"/>
+          </p:nvPr>
+        </p:nvSpPr>
+        <p:spPr/>
+        <p:txBody>
+          <a:bodyPr/>
+          <a:lstStyle/>
+          <a:p>
+            <a:r>
+              <a:rPr lang="en-US" dirty="0"/>
+              <a:t>A.K.A lazy loading</a:t>
+            </a:r>
+          </a:p>
+          <a:p>
+            <a:r>
+              <a:rPr lang="en-US" dirty="0"/>
+              <a:t>Webpack looks for the </a:t>
+            </a:r>
+            <a:r>
+              <a:rPr lang="en-US" dirty="0">
+                <a:solidFill>
+                  <a:srgbClr val="FF0000"/>
+                </a:solidFill>
+              </a:rPr>
+              <a:t>import</a:t>
+            </a:r>
+            <a:r>
+              <a:rPr lang="en-US" dirty="0"/>
+              <a:t> syntax</a:t>
+            </a:r>
+          </a:p>
+          <a:p>
+            <a:r>
+              <a:rPr lang="en-US" dirty="0"/>
+              <a:t>New bundle is created automatically during build time</a:t>
+            </a:r>
+          </a:p>
+          <a:p>
+            <a:r>
+              <a:rPr lang="en-US" dirty="0"/>
+              <a:t>Must not reference the lazy loaded code</a:t>
+            </a:r>
+          </a:p>
+          <a:p>
+            <a:pPr lvl="1"/>
+            <a:r>
+              <a:rPr lang="en-US" dirty="0"/>
+              <a:t>This is tricky and error prone </a:t>
+            </a:r>
+            <a:r>
+              <a:rPr lang="en-US" dirty="0">
+                <a:sym typeface="Wingdings" panose="05000000000000000000" pitchFamily="2" charset="2"/>
+              </a:rPr>
+              <a:t></a:t>
+            </a:r>
+            <a:endParaRPr lang="en-US" dirty="0"/>
+          </a:p>
+          <a:p>
+            <a:pPr lvl="1"/>
+            <a:r>
+              <a:rPr lang="en-US" dirty="0"/>
+              <a:t>You will not get errors if lazy loaded code is already part of the main bundle</a:t>
+            </a:r>
+            <a:endParaRPr lang="he-IL" dirty="0"/>
+          </a:p>
+        </p:txBody>
+      </p:sp>
+    </p:spTree>
+    <p:extLst>
+      <p:ext uri="{BB962C8B-B14F-4D97-AF65-F5344CB8AC3E}">
+        <p14:creationId xmlns:p14="http://schemas.microsoft.com/office/powerpoint/2010/main" val="2474562847"/>
+      </p:ext>
+    </p:extLst>
+  </p:cSld>
+  <p:clrMapOvr>
+    <a:masterClrMapping/>
+  </p:clrMapOvr>
+</p:sld>
+</file>
+
+<file path=ppt/slides/slide31.xml><?xml version="1.0" encoding="utf-8"?>
+<p:sld xmlns:a="http://schemas.openxmlformats.org/drawingml/2006/main" xmlns:r="http://schemas.openxmlformats.org/officeDocument/2006/relationships" xmlns:p="http://schemas.openxmlformats.org/presentationml/2006/main">
+  <p:cSld>
+    <p:spTree>
+      <p:nvGrpSpPr>
+        <p:cNvPr id="1" name=""/>
+        <p:cNvGrpSpPr/>
+        <p:nvPr/>
+      </p:nvGrpSpPr>
+      <p:grpSpPr>
+        <a:xfrm>
+          <a:off x="0" y="0"/>
+          <a:ext cx="0" cy="0"/>
+          <a:chOff x="0" y="0"/>
+          <a:chExt cx="0" cy="0"/>
+        </a:xfrm>
+      </p:grpSpPr>
+      <p:sp>
+        <p:nvSpPr>
+          <p:cNvPr id="2" name="Title 1">
+            <a:extLst>
+              <a:ext uri="{FF2B5EF4-FFF2-40B4-BE49-F238E27FC236}">
+                <a16:creationId xmlns:a16="http://schemas.microsoft.com/office/drawing/2014/main" id="{86F51B09-5F29-40C1-B9B0-C93005881E02}"/>
+              </a:ext>
+            </a:extLst>
+          </p:cNvPr>
+          <p:cNvSpPr>
+            <a:spLocks noGrp="1"/>
+          </p:cNvSpPr>
+          <p:nvPr>
+            <p:ph type="title"/>
+          </p:nvPr>
+        </p:nvSpPr>
+        <p:spPr/>
+        <p:txBody>
+          <a:bodyPr/>
+          <a:lstStyle/>
+          <a:p>
+            <a:r>
+              <a:rPr lang="en-US" dirty="0"/>
+              <a:t>Code Splitting</a:t>
+            </a:r>
+            <a:endParaRPr lang="he-IL" dirty="0"/>
+          </a:p>
+        </p:txBody>
+      </p:sp>
+      <p:sp>
+        <p:nvSpPr>
+          <p:cNvPr id="3" name="Footer Placeholder 2">
+            <a:extLst>
+              <a:ext uri="{FF2B5EF4-FFF2-40B4-BE49-F238E27FC236}">
+                <a16:creationId xmlns:a16="http://schemas.microsoft.com/office/drawing/2014/main" id="{94993934-22B0-4733-90B7-1B39ADAAF44C}"/>
+              </a:ext>
+            </a:extLst>
+          </p:cNvPr>
+          <p:cNvSpPr>
+            <a:spLocks noGrp="1"/>
+          </p:cNvSpPr>
+          <p:nvPr>
+            <p:ph type="ftr" sz="quarter" idx="11"/>
+          </p:nvPr>
+        </p:nvSpPr>
+        <p:spPr/>
+        <p:txBody>
+          <a:bodyPr/>
+          <a:lstStyle/>
+          <a:p>
+            <a:r>
+              <a:rPr lang="en-US"/>
+              <a:t>© 2018 Ori Calvo</a:t>
+            </a:r>
+            <a:endParaRPr lang="en-US" dirty="0"/>
+          </a:p>
+        </p:txBody>
+      </p:sp>
+      <p:sp>
+        <p:nvSpPr>
+          <p:cNvPr id="4" name="Slide Number Placeholder 3">
+            <a:extLst>
+              <a:ext uri="{FF2B5EF4-FFF2-40B4-BE49-F238E27FC236}">
+                <a16:creationId xmlns:a16="http://schemas.microsoft.com/office/drawing/2014/main" id="{A2628655-EA76-4826-B377-0D0795813C62}"/>
+              </a:ext>
+            </a:extLst>
+          </p:cNvPr>
+          <p:cNvSpPr>
+            <a:spLocks noGrp="1"/>
+          </p:cNvSpPr>
+          <p:nvPr>
+            <p:ph type="sldNum" sz="quarter" idx="12"/>
+          </p:nvPr>
+        </p:nvSpPr>
+        <p:spPr/>
+        <p:txBody>
+          <a:bodyPr>
+            <a:normAutofit fontScale="85000" lnSpcReduction="20000"/>
+          </a:bodyPr>
+          <a:lstStyle/>
+          <a:p>
+            <a:fld id="{87B78B44-2135-4DB2-B732-E7D5FFF77B6A}" type="slidenum">
+              <a:rPr lang="en-US" smtClean="0"/>
+              <a:pPr/>
+              <a:t>31</a:t>
+            </a:fld>
+            <a:endParaRPr lang="en-US"/>
+          </a:p>
+        </p:txBody>
+      </p:sp>
+      <p:sp>
+        <p:nvSpPr>
+          <p:cNvPr id="6" name="Rectangle 5">
+            <a:extLst>
+              <a:ext uri="{FF2B5EF4-FFF2-40B4-BE49-F238E27FC236}">
+                <a16:creationId xmlns:a16="http://schemas.microsoft.com/office/drawing/2014/main" id="{0AEF0570-9775-4C8A-B015-C6E9468D3B91}"/>
+              </a:ext>
+            </a:extLst>
+          </p:cNvPr>
+          <p:cNvSpPr/>
+          <p:nvPr/>
+        </p:nvSpPr>
+        <p:spPr>
+          <a:xfrm>
+            <a:off x="827584" y="1916832"/>
+            <a:ext cx="3493368" cy="4154984"/>
+          </a:xfrm>
+          <a:prstGeom prst="rect">
+            <a:avLst/>
+          </a:prstGeom>
+          <a:solidFill>
+            <a:schemeClr val="accent1">
+              <a:lumMod val="40000"/>
+              <a:lumOff val="60000"/>
+            </a:schemeClr>
+          </a:solidFill>
+        </p:spPr>
+        <p:txBody>
+          <a:bodyPr wrap="square">
+            <a:spAutoFit/>
+          </a:bodyPr>
+          <a:lstStyle/>
+          <a:p>
+            <a:r>
+              <a:rPr lang="en-US" sz="1200" b="1" dirty="0">
+                <a:solidFill>
+                  <a:srgbClr val="000080"/>
+                </a:solidFill>
+                <a:latin typeface="Calibri" panose="020F0502020204030204" pitchFamily="34" charset="0"/>
+                <a:ea typeface="Calibri" panose="020F0502020204030204" pitchFamily="34" charset="0"/>
+                <a:cs typeface="Arial" panose="020B0604020202020204" pitchFamily="34" charset="0"/>
+              </a:rPr>
+              <a:t>export class </a:t>
+            </a:r>
+            <a:r>
+              <a:rPr lang="en-US" sz="1200" dirty="0">
+                <a:solidFill>
+                  <a:srgbClr val="000000"/>
+                </a:solidFill>
+                <a:latin typeface="Calibri" panose="020F0502020204030204" pitchFamily="34" charset="0"/>
+                <a:ea typeface="Calibri" panose="020F0502020204030204" pitchFamily="34" charset="0"/>
+                <a:cs typeface="Arial" panose="020B0604020202020204" pitchFamily="34" charset="0"/>
+              </a:rPr>
+              <a:t>App </a:t>
+            </a:r>
+            <a:r>
+              <a:rPr lang="en-US" sz="1200" b="1" dirty="0">
+                <a:solidFill>
+                  <a:srgbClr val="000080"/>
+                </a:solidFill>
+                <a:latin typeface="Calibri" panose="020F0502020204030204" pitchFamily="34" charset="0"/>
+                <a:ea typeface="Calibri" panose="020F0502020204030204" pitchFamily="34" charset="0"/>
+                <a:cs typeface="Arial" panose="020B0604020202020204" pitchFamily="34" charset="0"/>
+              </a:rPr>
+              <a:t>extends </a:t>
+            </a:r>
+            <a:r>
+              <a:rPr lang="en-US" sz="1200" dirty="0" err="1">
+                <a:solidFill>
+                  <a:srgbClr val="000000"/>
+                </a:solidFill>
+                <a:latin typeface="Calibri" panose="020F0502020204030204" pitchFamily="34" charset="0"/>
+                <a:ea typeface="Calibri" panose="020F0502020204030204" pitchFamily="34" charset="0"/>
+                <a:cs typeface="Arial" panose="020B0604020202020204" pitchFamily="34" charset="0"/>
+              </a:rPr>
+              <a:t>React.Component</a:t>
+            </a:r>
+            <a:r>
+              <a:rPr lang="en-US" sz="1200" dirty="0">
+                <a:solidFill>
+                  <a:srgbClr val="000000"/>
+                </a:solidFill>
+                <a:latin typeface="Calibri" panose="020F0502020204030204" pitchFamily="34" charset="0"/>
+                <a:ea typeface="Calibri" panose="020F0502020204030204" pitchFamily="34" charset="0"/>
+                <a:cs typeface="Arial" panose="020B0604020202020204" pitchFamily="34" charset="0"/>
+              </a:rPr>
+              <a:t>&lt;{}, </a:t>
+            </a:r>
+            <a:r>
+              <a:rPr lang="en-US" sz="1200" dirty="0" err="1">
+                <a:solidFill>
+                  <a:srgbClr val="000000"/>
+                </a:solidFill>
+                <a:latin typeface="Calibri" panose="020F0502020204030204" pitchFamily="34" charset="0"/>
+                <a:ea typeface="Calibri" panose="020F0502020204030204" pitchFamily="34" charset="0"/>
+                <a:cs typeface="Arial" panose="020B0604020202020204" pitchFamily="34" charset="0"/>
+              </a:rPr>
+              <a:t>AppState</a:t>
+            </a:r>
+            <a:r>
+              <a:rPr lang="en-US" sz="1200" dirty="0">
+                <a:solidFill>
+                  <a:srgbClr val="000000"/>
+                </a:solidFill>
+                <a:latin typeface="Calibri" panose="020F0502020204030204" pitchFamily="34" charset="0"/>
+                <a:ea typeface="Calibri" panose="020F0502020204030204" pitchFamily="34" charset="0"/>
+                <a:cs typeface="Arial" panose="020B0604020202020204" pitchFamily="34" charset="0"/>
+              </a:rPr>
+              <a:t>&gt; {</a:t>
+            </a:r>
+            <a:br>
+              <a:rPr lang="en-US" sz="1200" dirty="0">
+                <a:solidFill>
+                  <a:srgbClr val="000000"/>
+                </a:solidFill>
+                <a:latin typeface="Calibri" panose="020F0502020204030204" pitchFamily="34" charset="0"/>
+                <a:ea typeface="Calibri" panose="020F0502020204030204" pitchFamily="34" charset="0"/>
+                <a:cs typeface="Arial" panose="020B0604020202020204" pitchFamily="34" charset="0"/>
+              </a:rPr>
+            </a:br>
+            <a:r>
+              <a:rPr lang="en-US" sz="1200" dirty="0">
+                <a:solidFill>
+                  <a:srgbClr val="000000"/>
+                </a:solidFill>
+                <a:latin typeface="Calibri" panose="020F0502020204030204" pitchFamily="34" charset="0"/>
+                <a:ea typeface="Calibri" panose="020F0502020204030204" pitchFamily="34" charset="0"/>
+                <a:cs typeface="Arial" panose="020B0604020202020204" pitchFamily="34" charset="0"/>
+              </a:rPr>
+              <a:t>    </a:t>
+            </a:r>
+            <a:r>
+              <a:rPr lang="en-US" sz="1200" b="1" dirty="0">
+                <a:solidFill>
+                  <a:srgbClr val="000080"/>
+                </a:solidFill>
+                <a:latin typeface="Calibri" panose="020F0502020204030204" pitchFamily="34" charset="0"/>
+                <a:ea typeface="Calibri" panose="020F0502020204030204" pitchFamily="34" charset="0"/>
+                <a:cs typeface="Arial" panose="020B0604020202020204" pitchFamily="34" charset="0"/>
+              </a:rPr>
+              <a:t>constructor</a:t>
+            </a:r>
+            <a:r>
+              <a:rPr lang="en-US" sz="1200" dirty="0">
+                <a:solidFill>
+                  <a:srgbClr val="000000"/>
+                </a:solidFill>
+                <a:latin typeface="Calibri" panose="020F0502020204030204" pitchFamily="34" charset="0"/>
+                <a:ea typeface="Calibri" panose="020F0502020204030204" pitchFamily="34" charset="0"/>
+                <a:cs typeface="Arial" panose="020B0604020202020204" pitchFamily="34" charset="0"/>
+              </a:rPr>
+              <a:t>(props) {</a:t>
+            </a:r>
+            <a:br>
+              <a:rPr lang="en-US" sz="1200" dirty="0">
+                <a:solidFill>
+                  <a:srgbClr val="000000"/>
+                </a:solidFill>
+                <a:latin typeface="Calibri" panose="020F0502020204030204" pitchFamily="34" charset="0"/>
+                <a:ea typeface="Calibri" panose="020F0502020204030204" pitchFamily="34" charset="0"/>
+                <a:cs typeface="Arial" panose="020B0604020202020204" pitchFamily="34" charset="0"/>
+              </a:rPr>
+            </a:br>
+            <a:r>
+              <a:rPr lang="en-US" sz="1200" dirty="0">
+                <a:solidFill>
+                  <a:srgbClr val="000000"/>
+                </a:solidFill>
+                <a:latin typeface="Calibri" panose="020F0502020204030204" pitchFamily="34" charset="0"/>
+                <a:ea typeface="Calibri" panose="020F0502020204030204" pitchFamily="34" charset="0"/>
+                <a:cs typeface="Arial" panose="020B0604020202020204" pitchFamily="34" charset="0"/>
+              </a:rPr>
+              <a:t>        </a:t>
+            </a:r>
+            <a:r>
+              <a:rPr lang="en-US" sz="1200" b="1" dirty="0">
+                <a:solidFill>
+                  <a:srgbClr val="000080"/>
+                </a:solidFill>
+                <a:latin typeface="Calibri" panose="020F0502020204030204" pitchFamily="34" charset="0"/>
+                <a:ea typeface="Calibri" panose="020F0502020204030204" pitchFamily="34" charset="0"/>
+                <a:cs typeface="Arial" panose="020B0604020202020204" pitchFamily="34" charset="0"/>
+              </a:rPr>
+              <a:t>super</a:t>
+            </a:r>
+            <a:r>
+              <a:rPr lang="en-US" sz="1200" dirty="0">
+                <a:solidFill>
+                  <a:srgbClr val="000000"/>
+                </a:solidFill>
+                <a:latin typeface="Calibri" panose="020F0502020204030204" pitchFamily="34" charset="0"/>
+                <a:ea typeface="Calibri" panose="020F0502020204030204" pitchFamily="34" charset="0"/>
+                <a:cs typeface="Arial" panose="020B0604020202020204" pitchFamily="34" charset="0"/>
+              </a:rPr>
+              <a:t>(props);</a:t>
+            </a:r>
+            <a:br>
+              <a:rPr lang="en-US" sz="1200" dirty="0">
+                <a:solidFill>
+                  <a:srgbClr val="000000"/>
+                </a:solidFill>
+                <a:latin typeface="Calibri" panose="020F0502020204030204" pitchFamily="34" charset="0"/>
+                <a:ea typeface="Calibri" panose="020F0502020204030204" pitchFamily="34" charset="0"/>
+                <a:cs typeface="Arial" panose="020B0604020202020204" pitchFamily="34" charset="0"/>
+              </a:rPr>
+            </a:br>
+            <a:br>
+              <a:rPr lang="en-US" sz="1200" dirty="0">
+                <a:solidFill>
+                  <a:srgbClr val="000000"/>
+                </a:solidFill>
+                <a:latin typeface="Calibri" panose="020F0502020204030204" pitchFamily="34" charset="0"/>
+                <a:ea typeface="Calibri" panose="020F0502020204030204" pitchFamily="34" charset="0"/>
+                <a:cs typeface="Arial" panose="020B0604020202020204" pitchFamily="34" charset="0"/>
+              </a:rPr>
+            </a:br>
+            <a:r>
+              <a:rPr lang="en-US" sz="1200" dirty="0">
+                <a:solidFill>
+                  <a:srgbClr val="000000"/>
+                </a:solidFill>
+                <a:latin typeface="Calibri" panose="020F0502020204030204" pitchFamily="34" charset="0"/>
+                <a:ea typeface="Calibri" panose="020F0502020204030204" pitchFamily="34" charset="0"/>
+                <a:cs typeface="Arial" panose="020B0604020202020204" pitchFamily="34" charset="0"/>
+              </a:rPr>
+              <a:t>        </a:t>
+            </a:r>
+            <a:r>
+              <a:rPr lang="en-US" sz="1200" b="1" dirty="0" err="1">
+                <a:solidFill>
+                  <a:srgbClr val="000080"/>
+                </a:solidFill>
+                <a:latin typeface="Calibri" panose="020F0502020204030204" pitchFamily="34" charset="0"/>
+                <a:ea typeface="Calibri" panose="020F0502020204030204" pitchFamily="34" charset="0"/>
+                <a:cs typeface="Arial" panose="020B0604020202020204" pitchFamily="34" charset="0"/>
+              </a:rPr>
+              <a:t>this</a:t>
+            </a:r>
+            <a:r>
+              <a:rPr lang="en-US" sz="1200" dirty="0" err="1">
+                <a:solidFill>
+                  <a:srgbClr val="000000"/>
+                </a:solidFill>
+                <a:latin typeface="Calibri" panose="020F0502020204030204" pitchFamily="34" charset="0"/>
+                <a:ea typeface="Calibri" panose="020F0502020204030204" pitchFamily="34" charset="0"/>
+                <a:cs typeface="Arial" panose="020B0604020202020204" pitchFamily="34" charset="0"/>
+              </a:rPr>
+              <a:t>.</a:t>
+            </a:r>
+            <a:r>
+              <a:rPr lang="en-US" sz="1200" b="1" dirty="0" err="1">
+                <a:solidFill>
+                  <a:srgbClr val="660E7A"/>
+                </a:solidFill>
+                <a:latin typeface="Calibri" panose="020F0502020204030204" pitchFamily="34" charset="0"/>
+                <a:ea typeface="Calibri" panose="020F0502020204030204" pitchFamily="34" charset="0"/>
+                <a:cs typeface="Arial" panose="020B0604020202020204" pitchFamily="34" charset="0"/>
+              </a:rPr>
+              <a:t>state</a:t>
+            </a:r>
+            <a:r>
+              <a:rPr lang="en-US" sz="1200" b="1" dirty="0">
+                <a:solidFill>
+                  <a:srgbClr val="660E7A"/>
+                </a:solidFill>
+                <a:latin typeface="Calibri" panose="020F0502020204030204" pitchFamily="34" charset="0"/>
+                <a:ea typeface="Calibri" panose="020F0502020204030204" pitchFamily="34" charset="0"/>
+                <a:cs typeface="Arial" panose="020B0604020202020204" pitchFamily="34" charset="0"/>
+              </a:rPr>
+              <a:t> </a:t>
+            </a:r>
+            <a:r>
+              <a:rPr lang="en-US" sz="1200" dirty="0">
+                <a:solidFill>
+                  <a:srgbClr val="000000"/>
+                </a:solidFill>
+                <a:latin typeface="Calibri" panose="020F0502020204030204" pitchFamily="34" charset="0"/>
+                <a:ea typeface="Calibri" panose="020F0502020204030204" pitchFamily="34" charset="0"/>
+                <a:cs typeface="Arial" panose="020B0604020202020204" pitchFamily="34" charset="0"/>
+              </a:rPr>
+              <a:t>= {</a:t>
+            </a:r>
+            <a:br>
+              <a:rPr lang="en-US" sz="1200" dirty="0">
+                <a:solidFill>
+                  <a:srgbClr val="000000"/>
+                </a:solidFill>
+                <a:latin typeface="Calibri" panose="020F0502020204030204" pitchFamily="34" charset="0"/>
+                <a:ea typeface="Calibri" panose="020F0502020204030204" pitchFamily="34" charset="0"/>
+                <a:cs typeface="Arial" panose="020B0604020202020204" pitchFamily="34" charset="0"/>
+              </a:rPr>
+            </a:br>
+            <a:r>
+              <a:rPr lang="en-US" sz="1200" dirty="0">
+                <a:solidFill>
+                  <a:srgbClr val="000000"/>
+                </a:solidFill>
+                <a:latin typeface="Calibri" panose="020F0502020204030204" pitchFamily="34" charset="0"/>
+                <a:ea typeface="Calibri" panose="020F0502020204030204" pitchFamily="34" charset="0"/>
+                <a:cs typeface="Arial" panose="020B0604020202020204" pitchFamily="34" charset="0"/>
+              </a:rPr>
+              <a:t>            </a:t>
+            </a:r>
+            <a:r>
+              <a:rPr lang="en-US" sz="1200" b="1" dirty="0">
+                <a:solidFill>
+                  <a:srgbClr val="660E7A"/>
+                </a:solidFill>
+                <a:latin typeface="Calibri" panose="020F0502020204030204" pitchFamily="34" charset="0"/>
+                <a:ea typeface="Calibri" panose="020F0502020204030204" pitchFamily="34" charset="0"/>
+                <a:cs typeface="Arial" panose="020B0604020202020204" pitchFamily="34" charset="0"/>
+              </a:rPr>
+              <a:t>Clock</a:t>
+            </a:r>
+            <a:r>
+              <a:rPr lang="en-US" sz="1200" dirty="0">
+                <a:solidFill>
+                  <a:srgbClr val="000000"/>
+                </a:solidFill>
+                <a:latin typeface="Calibri" panose="020F0502020204030204" pitchFamily="34" charset="0"/>
+                <a:ea typeface="Calibri" panose="020F0502020204030204" pitchFamily="34" charset="0"/>
+                <a:cs typeface="Arial" panose="020B0604020202020204" pitchFamily="34" charset="0"/>
+              </a:rPr>
+              <a:t>: </a:t>
+            </a:r>
+            <a:r>
+              <a:rPr lang="en-US" sz="1200" b="1" dirty="0">
+                <a:solidFill>
+                  <a:srgbClr val="000080"/>
+                </a:solidFill>
+                <a:latin typeface="Calibri" panose="020F0502020204030204" pitchFamily="34" charset="0"/>
+                <a:ea typeface="Calibri" panose="020F0502020204030204" pitchFamily="34" charset="0"/>
+                <a:cs typeface="Arial" panose="020B0604020202020204" pitchFamily="34" charset="0"/>
+              </a:rPr>
+              <a:t>null</a:t>
+            </a:r>
+            <a:r>
+              <a:rPr lang="en-US" sz="1200" dirty="0">
+                <a:solidFill>
+                  <a:srgbClr val="000000"/>
+                </a:solidFill>
+                <a:latin typeface="Calibri" panose="020F0502020204030204" pitchFamily="34" charset="0"/>
+                <a:ea typeface="Calibri" panose="020F0502020204030204" pitchFamily="34" charset="0"/>
+                <a:cs typeface="Arial" panose="020B0604020202020204" pitchFamily="34" charset="0"/>
+              </a:rPr>
+              <a:t>,</a:t>
+            </a:r>
+            <a:br>
+              <a:rPr lang="en-US" sz="1200" dirty="0">
+                <a:solidFill>
+                  <a:srgbClr val="000000"/>
+                </a:solidFill>
+                <a:latin typeface="Calibri" panose="020F0502020204030204" pitchFamily="34" charset="0"/>
+                <a:ea typeface="Calibri" panose="020F0502020204030204" pitchFamily="34" charset="0"/>
+                <a:cs typeface="Arial" panose="020B0604020202020204" pitchFamily="34" charset="0"/>
+              </a:rPr>
+            </a:br>
+            <a:r>
+              <a:rPr lang="en-US" sz="1200" dirty="0">
+                <a:solidFill>
+                  <a:srgbClr val="000000"/>
+                </a:solidFill>
+                <a:latin typeface="Calibri" panose="020F0502020204030204" pitchFamily="34" charset="0"/>
+                <a:ea typeface="Calibri" panose="020F0502020204030204" pitchFamily="34" charset="0"/>
+                <a:cs typeface="Arial" panose="020B0604020202020204" pitchFamily="34" charset="0"/>
+              </a:rPr>
+              <a:t>        }</a:t>
+            </a:r>
+            <a:br>
+              <a:rPr lang="en-US" sz="1200" dirty="0">
+                <a:solidFill>
+                  <a:srgbClr val="000000"/>
+                </a:solidFill>
+                <a:latin typeface="Calibri" panose="020F0502020204030204" pitchFamily="34" charset="0"/>
+                <a:ea typeface="Calibri" panose="020F0502020204030204" pitchFamily="34" charset="0"/>
+                <a:cs typeface="Arial" panose="020B0604020202020204" pitchFamily="34" charset="0"/>
+              </a:rPr>
+            </a:br>
+            <a:r>
+              <a:rPr lang="en-US" sz="1200" dirty="0">
+                <a:solidFill>
+                  <a:srgbClr val="000000"/>
+                </a:solidFill>
+                <a:latin typeface="Calibri" panose="020F0502020204030204" pitchFamily="34" charset="0"/>
+                <a:ea typeface="Calibri" panose="020F0502020204030204" pitchFamily="34" charset="0"/>
+                <a:cs typeface="Arial" panose="020B0604020202020204" pitchFamily="34" charset="0"/>
+              </a:rPr>
+              <a:t>    }</a:t>
+            </a:r>
+            <a:br>
+              <a:rPr lang="en-US" sz="1200" dirty="0">
+                <a:solidFill>
+                  <a:srgbClr val="000000"/>
+                </a:solidFill>
+                <a:latin typeface="Calibri" panose="020F0502020204030204" pitchFamily="34" charset="0"/>
+                <a:ea typeface="Calibri" panose="020F0502020204030204" pitchFamily="34" charset="0"/>
+                <a:cs typeface="Arial" panose="020B0604020202020204" pitchFamily="34" charset="0"/>
+              </a:rPr>
+            </a:br>
+            <a:br>
+              <a:rPr lang="en-US" sz="1200" dirty="0">
+                <a:solidFill>
+                  <a:srgbClr val="000000"/>
+                </a:solidFill>
+                <a:latin typeface="Calibri" panose="020F0502020204030204" pitchFamily="34" charset="0"/>
+                <a:ea typeface="Calibri" panose="020F0502020204030204" pitchFamily="34" charset="0"/>
+                <a:cs typeface="Arial" panose="020B0604020202020204" pitchFamily="34" charset="0"/>
+              </a:rPr>
+            </a:br>
+            <a:r>
+              <a:rPr lang="en-US" sz="1200" dirty="0">
+                <a:solidFill>
+                  <a:srgbClr val="000000"/>
+                </a:solidFill>
+                <a:latin typeface="Calibri" panose="020F0502020204030204" pitchFamily="34" charset="0"/>
+                <a:ea typeface="Calibri" panose="020F0502020204030204" pitchFamily="34" charset="0"/>
+                <a:cs typeface="Arial" panose="020B0604020202020204" pitchFamily="34" charset="0"/>
+              </a:rPr>
+              <a:t>    </a:t>
+            </a:r>
+            <a:r>
+              <a:rPr lang="en-US" sz="1200" dirty="0">
+                <a:solidFill>
+                  <a:srgbClr val="7A7A43"/>
+                </a:solidFill>
+                <a:latin typeface="Calibri" panose="020F0502020204030204" pitchFamily="34" charset="0"/>
+                <a:ea typeface="Calibri" panose="020F0502020204030204" pitchFamily="34" charset="0"/>
+                <a:cs typeface="Arial" panose="020B0604020202020204" pitchFamily="34" charset="0"/>
+              </a:rPr>
+              <a:t>render</a:t>
+            </a:r>
+            <a:r>
+              <a:rPr lang="en-US" sz="1200" dirty="0">
+                <a:solidFill>
+                  <a:srgbClr val="000000"/>
+                </a:solidFill>
+                <a:latin typeface="Calibri" panose="020F0502020204030204" pitchFamily="34" charset="0"/>
+                <a:ea typeface="Calibri" panose="020F0502020204030204" pitchFamily="34" charset="0"/>
+                <a:cs typeface="Arial" panose="020B0604020202020204" pitchFamily="34" charset="0"/>
+              </a:rPr>
+              <a:t>() {</a:t>
+            </a:r>
+            <a:br>
+              <a:rPr lang="en-US" sz="1200" dirty="0">
+                <a:solidFill>
+                  <a:srgbClr val="000000"/>
+                </a:solidFill>
+                <a:latin typeface="Calibri" panose="020F0502020204030204" pitchFamily="34" charset="0"/>
+                <a:ea typeface="Calibri" panose="020F0502020204030204" pitchFamily="34" charset="0"/>
+                <a:cs typeface="Arial" panose="020B0604020202020204" pitchFamily="34" charset="0"/>
+              </a:rPr>
+            </a:br>
+            <a:r>
+              <a:rPr lang="en-US" sz="1200" dirty="0">
+                <a:solidFill>
+                  <a:srgbClr val="000000"/>
+                </a:solidFill>
+                <a:latin typeface="Calibri" panose="020F0502020204030204" pitchFamily="34" charset="0"/>
+                <a:ea typeface="Calibri" panose="020F0502020204030204" pitchFamily="34" charset="0"/>
+                <a:cs typeface="Arial" panose="020B0604020202020204" pitchFamily="34" charset="0"/>
+              </a:rPr>
+              <a:t>        </a:t>
+            </a:r>
+            <a:r>
+              <a:rPr lang="en-US" sz="1200" b="1" dirty="0">
+                <a:solidFill>
+                  <a:srgbClr val="000080"/>
+                </a:solidFill>
+                <a:latin typeface="Calibri" panose="020F0502020204030204" pitchFamily="34" charset="0"/>
+                <a:ea typeface="Calibri" panose="020F0502020204030204" pitchFamily="34" charset="0"/>
+                <a:cs typeface="Arial" panose="020B0604020202020204" pitchFamily="34" charset="0"/>
+              </a:rPr>
+              <a:t>const </a:t>
+            </a:r>
+            <a:r>
+              <a:rPr lang="en-US" sz="1200" dirty="0">
+                <a:solidFill>
+                  <a:srgbClr val="000000"/>
+                </a:solidFill>
+                <a:latin typeface="Calibri" panose="020F0502020204030204" pitchFamily="34" charset="0"/>
+                <a:ea typeface="Calibri" panose="020F0502020204030204" pitchFamily="34" charset="0"/>
+                <a:cs typeface="Arial" panose="020B0604020202020204" pitchFamily="34" charset="0"/>
+              </a:rPr>
+              <a:t>{</a:t>
+            </a:r>
+            <a:r>
+              <a:rPr lang="en-US" sz="1200" b="1" dirty="0">
+                <a:solidFill>
+                  <a:srgbClr val="660E7A"/>
+                </a:solidFill>
+                <a:latin typeface="Calibri" panose="020F0502020204030204" pitchFamily="34" charset="0"/>
+                <a:ea typeface="Calibri" panose="020F0502020204030204" pitchFamily="34" charset="0"/>
+                <a:cs typeface="Arial" panose="020B0604020202020204" pitchFamily="34" charset="0"/>
+              </a:rPr>
+              <a:t>Clock</a:t>
+            </a:r>
+            <a:r>
+              <a:rPr lang="en-US" sz="1200" dirty="0">
+                <a:solidFill>
+                  <a:srgbClr val="000000"/>
+                </a:solidFill>
+                <a:latin typeface="Calibri" panose="020F0502020204030204" pitchFamily="34" charset="0"/>
+                <a:ea typeface="Calibri" panose="020F0502020204030204" pitchFamily="34" charset="0"/>
+                <a:cs typeface="Arial" panose="020B0604020202020204" pitchFamily="34" charset="0"/>
+              </a:rPr>
+              <a:t>} = </a:t>
+            </a:r>
+            <a:r>
+              <a:rPr lang="en-US" sz="1200" b="1" dirty="0" err="1">
+                <a:solidFill>
+                  <a:srgbClr val="000080"/>
+                </a:solidFill>
+                <a:latin typeface="Calibri" panose="020F0502020204030204" pitchFamily="34" charset="0"/>
+                <a:ea typeface="Calibri" panose="020F0502020204030204" pitchFamily="34" charset="0"/>
+                <a:cs typeface="Arial" panose="020B0604020202020204" pitchFamily="34" charset="0"/>
+              </a:rPr>
+              <a:t>this</a:t>
+            </a:r>
+            <a:r>
+              <a:rPr lang="en-US" sz="1200" dirty="0" err="1">
+                <a:solidFill>
+                  <a:srgbClr val="000000"/>
+                </a:solidFill>
+                <a:latin typeface="Calibri" panose="020F0502020204030204" pitchFamily="34" charset="0"/>
+                <a:ea typeface="Calibri" panose="020F0502020204030204" pitchFamily="34" charset="0"/>
+                <a:cs typeface="Arial" panose="020B0604020202020204" pitchFamily="34" charset="0"/>
+              </a:rPr>
+              <a:t>.</a:t>
+            </a:r>
+            <a:r>
+              <a:rPr lang="en-US" sz="1200" b="1" dirty="0" err="1">
+                <a:solidFill>
+                  <a:srgbClr val="660E7A"/>
+                </a:solidFill>
+                <a:latin typeface="Calibri" panose="020F0502020204030204" pitchFamily="34" charset="0"/>
+                <a:ea typeface="Calibri" panose="020F0502020204030204" pitchFamily="34" charset="0"/>
+                <a:cs typeface="Arial" panose="020B0604020202020204" pitchFamily="34" charset="0"/>
+              </a:rPr>
+              <a:t>state</a:t>
+            </a:r>
+            <a:r>
+              <a:rPr lang="en-US" sz="1200" dirty="0">
+                <a:solidFill>
+                  <a:srgbClr val="000000"/>
+                </a:solidFill>
+                <a:latin typeface="Calibri" panose="020F0502020204030204" pitchFamily="34" charset="0"/>
+                <a:ea typeface="Calibri" panose="020F0502020204030204" pitchFamily="34" charset="0"/>
+                <a:cs typeface="Arial" panose="020B0604020202020204" pitchFamily="34" charset="0"/>
+              </a:rPr>
+              <a:t>;</a:t>
+            </a:r>
+            <a:br>
+              <a:rPr lang="en-US" sz="1200" dirty="0">
+                <a:solidFill>
+                  <a:srgbClr val="000000"/>
+                </a:solidFill>
+                <a:latin typeface="Calibri" panose="020F0502020204030204" pitchFamily="34" charset="0"/>
+                <a:ea typeface="Calibri" panose="020F0502020204030204" pitchFamily="34" charset="0"/>
+                <a:cs typeface="Arial" panose="020B0604020202020204" pitchFamily="34" charset="0"/>
+              </a:rPr>
+            </a:br>
+            <a:br>
+              <a:rPr lang="en-US" sz="1200" dirty="0">
+                <a:solidFill>
+                  <a:srgbClr val="000000"/>
+                </a:solidFill>
+                <a:latin typeface="Calibri" panose="020F0502020204030204" pitchFamily="34" charset="0"/>
+                <a:ea typeface="Calibri" panose="020F0502020204030204" pitchFamily="34" charset="0"/>
+                <a:cs typeface="Arial" panose="020B0604020202020204" pitchFamily="34" charset="0"/>
+              </a:rPr>
+            </a:br>
+            <a:r>
+              <a:rPr lang="en-US" sz="1200" dirty="0">
+                <a:solidFill>
+                  <a:srgbClr val="000000"/>
+                </a:solidFill>
+                <a:latin typeface="Calibri" panose="020F0502020204030204" pitchFamily="34" charset="0"/>
+                <a:ea typeface="Calibri" panose="020F0502020204030204" pitchFamily="34" charset="0"/>
+                <a:cs typeface="Arial" panose="020B0604020202020204" pitchFamily="34" charset="0"/>
+              </a:rPr>
+              <a:t>        </a:t>
+            </a:r>
+            <a:r>
+              <a:rPr lang="en-US" sz="1200" b="1" dirty="0">
+                <a:solidFill>
+                  <a:srgbClr val="000080"/>
+                </a:solidFill>
+                <a:latin typeface="Calibri" panose="020F0502020204030204" pitchFamily="34" charset="0"/>
+                <a:ea typeface="Calibri" panose="020F0502020204030204" pitchFamily="34" charset="0"/>
+                <a:cs typeface="Arial" panose="020B0604020202020204" pitchFamily="34" charset="0"/>
+              </a:rPr>
+              <a:t>return </a:t>
+            </a:r>
+            <a:r>
+              <a:rPr lang="en-US" sz="1200" dirty="0">
+                <a:solidFill>
+                  <a:srgbClr val="000000"/>
+                </a:solidFill>
+                <a:latin typeface="Calibri" panose="020F0502020204030204" pitchFamily="34" charset="0"/>
+                <a:ea typeface="Calibri" panose="020F0502020204030204" pitchFamily="34" charset="0"/>
+                <a:cs typeface="Arial" panose="020B0604020202020204" pitchFamily="34" charset="0"/>
+              </a:rPr>
+              <a:t>&lt;</a:t>
+            </a:r>
+            <a:r>
+              <a:rPr lang="en-US" sz="1200" b="1" dirty="0">
+                <a:solidFill>
+                  <a:srgbClr val="000080"/>
+                </a:solidFill>
+                <a:latin typeface="Calibri" panose="020F0502020204030204" pitchFamily="34" charset="0"/>
+                <a:ea typeface="Calibri" panose="020F0502020204030204" pitchFamily="34" charset="0"/>
+                <a:cs typeface="Arial" panose="020B0604020202020204" pitchFamily="34" charset="0"/>
+              </a:rPr>
+              <a:t>div </a:t>
+            </a:r>
+            <a:r>
+              <a:rPr lang="en-US" sz="1200" b="1" dirty="0" err="1">
+                <a:solidFill>
+                  <a:srgbClr val="0000FF"/>
+                </a:solidFill>
+                <a:latin typeface="Calibri" panose="020F0502020204030204" pitchFamily="34" charset="0"/>
+                <a:ea typeface="Calibri" panose="020F0502020204030204" pitchFamily="34" charset="0"/>
+                <a:cs typeface="Arial" panose="020B0604020202020204" pitchFamily="34" charset="0"/>
+              </a:rPr>
+              <a:t>className</a:t>
+            </a:r>
+            <a:r>
+              <a:rPr lang="en-US" sz="1200" b="1" dirty="0">
+                <a:solidFill>
+                  <a:srgbClr val="008000"/>
+                </a:solidFill>
+                <a:latin typeface="Calibri" panose="020F0502020204030204" pitchFamily="34" charset="0"/>
+                <a:ea typeface="Calibri" panose="020F0502020204030204" pitchFamily="34" charset="0"/>
+                <a:cs typeface="Arial" panose="020B0604020202020204" pitchFamily="34" charset="0"/>
+              </a:rPr>
+              <a:t>="App"</a:t>
+            </a:r>
+            <a:r>
+              <a:rPr lang="en-US" sz="1200" dirty="0">
+                <a:solidFill>
+                  <a:srgbClr val="000000"/>
+                </a:solidFill>
+                <a:latin typeface="Calibri" panose="020F0502020204030204" pitchFamily="34" charset="0"/>
+                <a:ea typeface="Calibri" panose="020F0502020204030204" pitchFamily="34" charset="0"/>
+                <a:cs typeface="Arial" panose="020B0604020202020204" pitchFamily="34" charset="0"/>
+              </a:rPr>
+              <a:t>&gt;</a:t>
+            </a:r>
+            <a:br>
+              <a:rPr lang="en-US" sz="1200" dirty="0">
+                <a:solidFill>
+                  <a:srgbClr val="000000"/>
+                </a:solidFill>
+                <a:latin typeface="Calibri" panose="020F0502020204030204" pitchFamily="34" charset="0"/>
+                <a:ea typeface="Calibri" panose="020F0502020204030204" pitchFamily="34" charset="0"/>
+                <a:cs typeface="Arial" panose="020B0604020202020204" pitchFamily="34" charset="0"/>
+              </a:rPr>
+            </a:br>
+            <a:r>
+              <a:rPr lang="en-US" sz="1200" dirty="0">
+                <a:solidFill>
+                  <a:srgbClr val="000000"/>
+                </a:solidFill>
+                <a:latin typeface="Calibri" panose="020F0502020204030204" pitchFamily="34" charset="0"/>
+                <a:ea typeface="Calibri" panose="020F0502020204030204" pitchFamily="34" charset="0"/>
+                <a:cs typeface="Arial" panose="020B0604020202020204" pitchFamily="34" charset="0"/>
+              </a:rPr>
+              <a:t>            &lt;</a:t>
+            </a:r>
+            <a:r>
+              <a:rPr lang="en-US" sz="1200" b="1" dirty="0">
+                <a:solidFill>
+                  <a:srgbClr val="000080"/>
+                </a:solidFill>
+                <a:latin typeface="Calibri" panose="020F0502020204030204" pitchFamily="34" charset="0"/>
+                <a:ea typeface="Calibri" panose="020F0502020204030204" pitchFamily="34" charset="0"/>
+                <a:cs typeface="Arial" panose="020B0604020202020204" pitchFamily="34" charset="0"/>
+              </a:rPr>
+              <a:t>h1</a:t>
+            </a:r>
+            <a:r>
+              <a:rPr lang="en-US" sz="1200" dirty="0">
+                <a:solidFill>
+                  <a:srgbClr val="000000"/>
+                </a:solidFill>
+                <a:latin typeface="Calibri" panose="020F0502020204030204" pitchFamily="34" charset="0"/>
+                <a:ea typeface="Calibri" panose="020F0502020204030204" pitchFamily="34" charset="0"/>
+                <a:cs typeface="Arial" panose="020B0604020202020204" pitchFamily="34" charset="0"/>
+              </a:rPr>
+              <a:t>&gt;Hello React&lt;/</a:t>
+            </a:r>
+            <a:r>
+              <a:rPr lang="en-US" sz="1200" b="1" dirty="0">
+                <a:solidFill>
+                  <a:srgbClr val="000080"/>
+                </a:solidFill>
+                <a:latin typeface="Calibri" panose="020F0502020204030204" pitchFamily="34" charset="0"/>
+                <a:ea typeface="Calibri" panose="020F0502020204030204" pitchFamily="34" charset="0"/>
+                <a:cs typeface="Arial" panose="020B0604020202020204" pitchFamily="34" charset="0"/>
+              </a:rPr>
+              <a:t>h1</a:t>
+            </a:r>
+            <a:r>
+              <a:rPr lang="en-US" sz="1200" dirty="0">
+                <a:solidFill>
+                  <a:srgbClr val="000000"/>
+                </a:solidFill>
+                <a:latin typeface="Calibri" panose="020F0502020204030204" pitchFamily="34" charset="0"/>
+                <a:ea typeface="Calibri" panose="020F0502020204030204" pitchFamily="34" charset="0"/>
+                <a:cs typeface="Arial" panose="020B0604020202020204" pitchFamily="34" charset="0"/>
+              </a:rPr>
+              <a:t>&gt;</a:t>
+            </a:r>
+            <a:br>
+              <a:rPr lang="en-US" sz="1200" dirty="0">
+                <a:solidFill>
+                  <a:srgbClr val="000000"/>
+                </a:solidFill>
+                <a:latin typeface="Calibri" panose="020F0502020204030204" pitchFamily="34" charset="0"/>
+                <a:ea typeface="Calibri" panose="020F0502020204030204" pitchFamily="34" charset="0"/>
+                <a:cs typeface="Arial" panose="020B0604020202020204" pitchFamily="34" charset="0"/>
+              </a:rPr>
+            </a:br>
+            <a:br>
+              <a:rPr lang="en-US" sz="1200" dirty="0">
+                <a:solidFill>
+                  <a:srgbClr val="000000"/>
+                </a:solidFill>
+                <a:latin typeface="Calibri" panose="020F0502020204030204" pitchFamily="34" charset="0"/>
+                <a:ea typeface="Calibri" panose="020F0502020204030204" pitchFamily="34" charset="0"/>
+                <a:cs typeface="Arial" panose="020B0604020202020204" pitchFamily="34" charset="0"/>
+              </a:rPr>
+            </a:br>
+            <a:r>
+              <a:rPr lang="en-US" sz="1200" dirty="0">
+                <a:solidFill>
+                  <a:srgbClr val="000000"/>
+                </a:solidFill>
+                <a:latin typeface="Calibri" panose="020F0502020204030204" pitchFamily="34" charset="0"/>
+                <a:ea typeface="Calibri" panose="020F0502020204030204" pitchFamily="34" charset="0"/>
+                <a:cs typeface="Arial" panose="020B0604020202020204" pitchFamily="34" charset="0"/>
+              </a:rPr>
+              <a:t>            &lt;</a:t>
+            </a:r>
+            <a:r>
+              <a:rPr lang="en-US" sz="1200" b="1" dirty="0">
+                <a:solidFill>
+                  <a:srgbClr val="000080"/>
+                </a:solidFill>
+                <a:latin typeface="Calibri" panose="020F0502020204030204" pitchFamily="34" charset="0"/>
+                <a:ea typeface="Calibri" panose="020F0502020204030204" pitchFamily="34" charset="0"/>
+                <a:cs typeface="Arial" panose="020B0604020202020204" pitchFamily="34" charset="0"/>
+              </a:rPr>
+              <a:t>button </a:t>
+            </a:r>
+            <a:r>
+              <a:rPr lang="en-US" sz="1200" b="1" dirty="0" err="1">
+                <a:solidFill>
+                  <a:srgbClr val="0000FF"/>
+                </a:solidFill>
+                <a:latin typeface="Calibri" panose="020F0502020204030204" pitchFamily="34" charset="0"/>
+                <a:ea typeface="Calibri" panose="020F0502020204030204" pitchFamily="34" charset="0"/>
+                <a:cs typeface="Arial" panose="020B0604020202020204" pitchFamily="34" charset="0"/>
+              </a:rPr>
+              <a:t>onClick</a:t>
+            </a:r>
+            <a:r>
+              <a:rPr lang="en-US" sz="1200" b="1" dirty="0">
+                <a:solidFill>
+                  <a:srgbClr val="008000"/>
+                </a:solidFill>
+                <a:latin typeface="Calibri" panose="020F0502020204030204" pitchFamily="34" charset="0"/>
+                <a:ea typeface="Calibri" panose="020F0502020204030204" pitchFamily="34" charset="0"/>
+                <a:cs typeface="Arial" panose="020B0604020202020204" pitchFamily="34" charset="0"/>
+              </a:rPr>
+              <a:t>=</a:t>
+            </a:r>
+            <a:r>
+              <a:rPr lang="en-US" sz="1200" dirty="0">
+                <a:solidFill>
+                  <a:srgbClr val="000000"/>
+                </a:solidFill>
+                <a:latin typeface="Calibri" panose="020F0502020204030204" pitchFamily="34" charset="0"/>
+                <a:ea typeface="Calibri" panose="020F0502020204030204" pitchFamily="34" charset="0"/>
+                <a:cs typeface="Arial" panose="020B0604020202020204" pitchFamily="34" charset="0"/>
+              </a:rPr>
+              <a:t>{</a:t>
+            </a:r>
+            <a:r>
+              <a:rPr lang="en-US" sz="1200" b="1" dirty="0" err="1">
+                <a:solidFill>
+                  <a:srgbClr val="000080"/>
+                </a:solidFill>
+                <a:latin typeface="Calibri" panose="020F0502020204030204" pitchFamily="34" charset="0"/>
+                <a:ea typeface="Calibri" panose="020F0502020204030204" pitchFamily="34" charset="0"/>
+                <a:cs typeface="Arial" panose="020B0604020202020204" pitchFamily="34" charset="0"/>
+              </a:rPr>
+              <a:t>this</a:t>
+            </a:r>
+            <a:r>
+              <a:rPr lang="en-US" sz="1200" dirty="0" err="1">
+                <a:solidFill>
+                  <a:srgbClr val="000000"/>
+                </a:solidFill>
+                <a:latin typeface="Calibri" panose="020F0502020204030204" pitchFamily="34" charset="0"/>
+                <a:ea typeface="Calibri" panose="020F0502020204030204" pitchFamily="34" charset="0"/>
+                <a:cs typeface="Arial" panose="020B0604020202020204" pitchFamily="34" charset="0"/>
+              </a:rPr>
+              <a:t>.</a:t>
+            </a:r>
+            <a:r>
+              <a:rPr lang="en-US" sz="1200" i="1" dirty="0" err="1">
+                <a:solidFill>
+                  <a:srgbClr val="000000"/>
+                </a:solidFill>
+                <a:latin typeface="Calibri" panose="020F0502020204030204" pitchFamily="34" charset="0"/>
+                <a:ea typeface="Calibri" panose="020F0502020204030204" pitchFamily="34" charset="0"/>
+                <a:cs typeface="Arial" panose="020B0604020202020204" pitchFamily="34" charset="0"/>
+              </a:rPr>
+              <a:t>load</a:t>
+            </a:r>
+            <a:r>
+              <a:rPr lang="en-US" sz="1200" dirty="0">
+                <a:solidFill>
+                  <a:srgbClr val="000000"/>
+                </a:solidFill>
+                <a:latin typeface="Calibri" panose="020F0502020204030204" pitchFamily="34" charset="0"/>
+                <a:ea typeface="Calibri" panose="020F0502020204030204" pitchFamily="34" charset="0"/>
+                <a:cs typeface="Arial" panose="020B0604020202020204" pitchFamily="34" charset="0"/>
+              </a:rPr>
+              <a:t>}&gt;Load&lt;/</a:t>
+            </a:r>
+            <a:r>
+              <a:rPr lang="en-US" sz="1200" b="1" dirty="0">
+                <a:solidFill>
+                  <a:srgbClr val="000080"/>
+                </a:solidFill>
+                <a:latin typeface="Calibri" panose="020F0502020204030204" pitchFamily="34" charset="0"/>
+                <a:ea typeface="Calibri" panose="020F0502020204030204" pitchFamily="34" charset="0"/>
+                <a:cs typeface="Arial" panose="020B0604020202020204" pitchFamily="34" charset="0"/>
+              </a:rPr>
+              <a:t>button</a:t>
+            </a:r>
+            <a:r>
+              <a:rPr lang="en-US" sz="1200" dirty="0">
+                <a:solidFill>
+                  <a:srgbClr val="000000"/>
+                </a:solidFill>
+                <a:latin typeface="Calibri" panose="020F0502020204030204" pitchFamily="34" charset="0"/>
+                <a:ea typeface="Calibri" panose="020F0502020204030204" pitchFamily="34" charset="0"/>
+                <a:cs typeface="Arial" panose="020B0604020202020204" pitchFamily="34" charset="0"/>
+              </a:rPr>
+              <a:t>&gt;</a:t>
+            </a:r>
+            <a:br>
+              <a:rPr lang="en-US" sz="1200" dirty="0">
+                <a:solidFill>
+                  <a:srgbClr val="000000"/>
+                </a:solidFill>
+                <a:latin typeface="Calibri" panose="020F0502020204030204" pitchFamily="34" charset="0"/>
+                <a:ea typeface="Calibri" panose="020F0502020204030204" pitchFamily="34" charset="0"/>
+                <a:cs typeface="Arial" panose="020B0604020202020204" pitchFamily="34" charset="0"/>
+              </a:rPr>
+            </a:br>
+            <a:br>
+              <a:rPr lang="en-US" sz="1200" dirty="0">
+                <a:solidFill>
+                  <a:srgbClr val="000000"/>
+                </a:solidFill>
+                <a:latin typeface="Calibri" panose="020F0502020204030204" pitchFamily="34" charset="0"/>
+                <a:ea typeface="Calibri" panose="020F0502020204030204" pitchFamily="34" charset="0"/>
+                <a:cs typeface="Arial" panose="020B0604020202020204" pitchFamily="34" charset="0"/>
+              </a:rPr>
+            </a:br>
+            <a:r>
+              <a:rPr lang="en-US" sz="1200" dirty="0">
+                <a:solidFill>
+                  <a:srgbClr val="000000"/>
+                </a:solidFill>
+                <a:latin typeface="Calibri" panose="020F0502020204030204" pitchFamily="34" charset="0"/>
+                <a:ea typeface="Calibri" panose="020F0502020204030204" pitchFamily="34" charset="0"/>
+                <a:cs typeface="Arial" panose="020B0604020202020204" pitchFamily="34" charset="0"/>
+              </a:rPr>
+              <a:t>            {</a:t>
+            </a:r>
+            <a:r>
+              <a:rPr lang="en-US" sz="1200" b="1" dirty="0">
+                <a:solidFill>
+                  <a:srgbClr val="660E7A"/>
+                </a:solidFill>
+                <a:latin typeface="Calibri" panose="020F0502020204030204" pitchFamily="34" charset="0"/>
+                <a:ea typeface="Calibri" panose="020F0502020204030204" pitchFamily="34" charset="0"/>
+                <a:cs typeface="Arial" panose="020B0604020202020204" pitchFamily="34" charset="0"/>
+              </a:rPr>
+              <a:t>Clock </a:t>
+            </a:r>
+            <a:r>
+              <a:rPr lang="en-US" sz="1200" dirty="0">
+                <a:solidFill>
+                  <a:srgbClr val="000000"/>
+                </a:solidFill>
+                <a:latin typeface="Calibri" panose="020F0502020204030204" pitchFamily="34" charset="0"/>
+                <a:ea typeface="Calibri" panose="020F0502020204030204" pitchFamily="34" charset="0"/>
+                <a:cs typeface="Arial" panose="020B0604020202020204" pitchFamily="34" charset="0"/>
+              </a:rPr>
+              <a:t>? &lt;</a:t>
+            </a:r>
+            <a:r>
+              <a:rPr lang="en-US" sz="1200" b="1" dirty="0">
+                <a:solidFill>
+                  <a:srgbClr val="000080"/>
+                </a:solidFill>
+                <a:latin typeface="Calibri" panose="020F0502020204030204" pitchFamily="34" charset="0"/>
+                <a:ea typeface="Calibri" panose="020F0502020204030204" pitchFamily="34" charset="0"/>
+                <a:cs typeface="Arial" panose="020B0604020202020204" pitchFamily="34" charset="0"/>
+              </a:rPr>
+              <a:t>Clock </a:t>
+            </a:r>
+            <a:r>
+              <a:rPr lang="en-US" sz="1200" dirty="0">
+                <a:solidFill>
+                  <a:srgbClr val="000000"/>
+                </a:solidFill>
+                <a:latin typeface="Calibri" panose="020F0502020204030204" pitchFamily="34" charset="0"/>
+                <a:ea typeface="Calibri" panose="020F0502020204030204" pitchFamily="34" charset="0"/>
+                <a:cs typeface="Arial" panose="020B0604020202020204" pitchFamily="34" charset="0"/>
+              </a:rPr>
+              <a:t>/&gt; : </a:t>
+            </a:r>
+            <a:r>
+              <a:rPr lang="en-US" sz="1200" b="1" dirty="0">
+                <a:solidFill>
+                  <a:srgbClr val="000080"/>
+                </a:solidFill>
+                <a:latin typeface="Calibri" panose="020F0502020204030204" pitchFamily="34" charset="0"/>
+                <a:ea typeface="Calibri" panose="020F0502020204030204" pitchFamily="34" charset="0"/>
+                <a:cs typeface="Arial" panose="020B0604020202020204" pitchFamily="34" charset="0"/>
+              </a:rPr>
+              <a:t>null</a:t>
+            </a:r>
+            <a:r>
+              <a:rPr lang="en-US" sz="1200" dirty="0">
+                <a:solidFill>
+                  <a:srgbClr val="000000"/>
+                </a:solidFill>
+                <a:latin typeface="Calibri" panose="020F0502020204030204" pitchFamily="34" charset="0"/>
+                <a:ea typeface="Calibri" panose="020F0502020204030204" pitchFamily="34" charset="0"/>
+                <a:cs typeface="Arial" panose="020B0604020202020204" pitchFamily="34" charset="0"/>
+              </a:rPr>
+              <a:t>}</a:t>
+            </a:r>
+            <a:br>
+              <a:rPr lang="en-US" sz="1200" dirty="0">
+                <a:solidFill>
+                  <a:srgbClr val="000000"/>
+                </a:solidFill>
+                <a:latin typeface="Calibri" panose="020F0502020204030204" pitchFamily="34" charset="0"/>
+                <a:ea typeface="Calibri" panose="020F0502020204030204" pitchFamily="34" charset="0"/>
+                <a:cs typeface="Arial" panose="020B0604020202020204" pitchFamily="34" charset="0"/>
+              </a:rPr>
+            </a:br>
+            <a:r>
+              <a:rPr lang="en-US" sz="1200" dirty="0">
+                <a:solidFill>
+                  <a:srgbClr val="000000"/>
+                </a:solidFill>
+                <a:latin typeface="Calibri" panose="020F0502020204030204" pitchFamily="34" charset="0"/>
+                <a:ea typeface="Calibri" panose="020F0502020204030204" pitchFamily="34" charset="0"/>
+                <a:cs typeface="Arial" panose="020B0604020202020204" pitchFamily="34" charset="0"/>
+              </a:rPr>
+              <a:t>        &lt;/</a:t>
+            </a:r>
+            <a:r>
+              <a:rPr lang="en-US" sz="1200" b="1" dirty="0">
+                <a:solidFill>
+                  <a:srgbClr val="000080"/>
+                </a:solidFill>
+                <a:latin typeface="Calibri" panose="020F0502020204030204" pitchFamily="34" charset="0"/>
+                <a:ea typeface="Calibri" panose="020F0502020204030204" pitchFamily="34" charset="0"/>
+                <a:cs typeface="Arial" panose="020B0604020202020204" pitchFamily="34" charset="0"/>
+              </a:rPr>
+              <a:t>div</a:t>
+            </a:r>
+            <a:r>
+              <a:rPr lang="en-US" sz="1200" dirty="0">
+                <a:solidFill>
+                  <a:srgbClr val="000000"/>
+                </a:solidFill>
+                <a:latin typeface="Calibri" panose="020F0502020204030204" pitchFamily="34" charset="0"/>
+                <a:ea typeface="Calibri" panose="020F0502020204030204" pitchFamily="34" charset="0"/>
+                <a:cs typeface="Arial" panose="020B0604020202020204" pitchFamily="34" charset="0"/>
+              </a:rPr>
+              <a:t>&gt;</a:t>
+            </a:r>
+            <a:br>
+              <a:rPr lang="en-US" sz="1200" dirty="0">
+                <a:solidFill>
+                  <a:srgbClr val="000000"/>
+                </a:solidFill>
+                <a:latin typeface="Calibri" panose="020F0502020204030204" pitchFamily="34" charset="0"/>
+                <a:ea typeface="Calibri" panose="020F0502020204030204" pitchFamily="34" charset="0"/>
+                <a:cs typeface="Arial" panose="020B0604020202020204" pitchFamily="34" charset="0"/>
+              </a:rPr>
+            </a:br>
+            <a:r>
+              <a:rPr lang="en-US" sz="1200" dirty="0">
+                <a:solidFill>
+                  <a:srgbClr val="000000"/>
+                </a:solidFill>
+                <a:latin typeface="Calibri" panose="020F0502020204030204" pitchFamily="34" charset="0"/>
+                <a:ea typeface="Calibri" panose="020F0502020204030204" pitchFamily="34" charset="0"/>
+                <a:cs typeface="Arial" panose="020B0604020202020204" pitchFamily="34" charset="0"/>
+              </a:rPr>
+              <a:t>    }</a:t>
+            </a:r>
+            <a:br>
+              <a:rPr lang="en-US" sz="1200" dirty="0">
+                <a:solidFill>
+                  <a:srgbClr val="000000"/>
+                </a:solidFill>
+                <a:latin typeface="Calibri" panose="020F0502020204030204" pitchFamily="34" charset="0"/>
+                <a:ea typeface="Calibri" panose="020F0502020204030204" pitchFamily="34" charset="0"/>
+                <a:cs typeface="Arial" panose="020B0604020202020204" pitchFamily="34" charset="0"/>
+              </a:rPr>
+            </a:br>
+            <a:r>
+              <a:rPr lang="en-US" sz="1200" dirty="0">
+                <a:solidFill>
+                  <a:srgbClr val="000000"/>
+                </a:solidFill>
+                <a:latin typeface="Calibri" panose="020F0502020204030204" pitchFamily="34" charset="0"/>
+                <a:ea typeface="Calibri" panose="020F0502020204030204" pitchFamily="34" charset="0"/>
+                <a:cs typeface="Arial" panose="020B0604020202020204" pitchFamily="34" charset="0"/>
+              </a:rPr>
+              <a:t>}</a:t>
+            </a:r>
+            <a:endParaRPr lang="he-IL" sz="1200" dirty="0"/>
+          </a:p>
+        </p:txBody>
+      </p:sp>
+      <p:sp>
+        <p:nvSpPr>
+          <p:cNvPr id="7" name="Rectangle 6">
+            <a:extLst>
+              <a:ext uri="{FF2B5EF4-FFF2-40B4-BE49-F238E27FC236}">
+                <a16:creationId xmlns:a16="http://schemas.microsoft.com/office/drawing/2014/main" id="{A356CE77-4A6E-4DA5-AAB6-3572B92D7368}"/>
+              </a:ext>
+            </a:extLst>
+          </p:cNvPr>
+          <p:cNvSpPr/>
+          <p:nvPr/>
+        </p:nvSpPr>
+        <p:spPr>
+          <a:xfrm>
+            <a:off x="4823048" y="2840162"/>
+            <a:ext cx="3493368" cy="2308324"/>
+          </a:xfrm>
+          <a:prstGeom prst="rect">
+            <a:avLst/>
+          </a:prstGeom>
+          <a:solidFill>
+            <a:schemeClr val="accent1">
+              <a:lumMod val="40000"/>
+              <a:lumOff val="60000"/>
+            </a:schemeClr>
+          </a:solidFill>
+        </p:spPr>
+        <p:txBody>
+          <a:bodyPr wrap="square">
+            <a:spAutoFit/>
+          </a:bodyPr>
+          <a:lstStyle/>
+          <a:p>
+            <a:r>
+              <a:rPr lang="en-US" sz="1200" dirty="0">
+                <a:solidFill>
+                  <a:srgbClr val="000000"/>
+                </a:solidFill>
+                <a:latin typeface="Calibri" panose="020F0502020204030204" pitchFamily="34" charset="0"/>
+                <a:ea typeface="Calibri" panose="020F0502020204030204" pitchFamily="34" charset="0"/>
+                <a:cs typeface="Arial" panose="020B0604020202020204" pitchFamily="34" charset="0"/>
+              </a:rPr>
+              <a:t> </a:t>
+            </a:r>
+            <a:r>
+              <a:rPr lang="en-US" sz="1200" i="1" dirty="0">
+                <a:solidFill>
+                  <a:srgbClr val="000000"/>
+                </a:solidFill>
+                <a:latin typeface="Calibri" panose="020F0502020204030204" pitchFamily="34" charset="0"/>
+                <a:ea typeface="Calibri" panose="020F0502020204030204" pitchFamily="34" charset="0"/>
+                <a:cs typeface="Arial" panose="020B0604020202020204" pitchFamily="34" charset="0"/>
+              </a:rPr>
+              <a:t>load </a:t>
+            </a:r>
+            <a:r>
+              <a:rPr lang="en-US" sz="1200" dirty="0">
+                <a:solidFill>
+                  <a:srgbClr val="000000"/>
+                </a:solidFill>
+                <a:latin typeface="Calibri" panose="020F0502020204030204" pitchFamily="34" charset="0"/>
+                <a:ea typeface="Calibri" panose="020F0502020204030204" pitchFamily="34" charset="0"/>
+                <a:cs typeface="Arial" panose="020B0604020202020204" pitchFamily="34" charset="0"/>
+              </a:rPr>
+              <a:t>= </a:t>
+            </a:r>
+            <a:r>
+              <a:rPr lang="en-US" sz="1200" b="1" dirty="0">
+                <a:solidFill>
+                  <a:srgbClr val="000080"/>
+                </a:solidFill>
+                <a:latin typeface="Calibri" panose="020F0502020204030204" pitchFamily="34" charset="0"/>
+                <a:ea typeface="Calibri" panose="020F0502020204030204" pitchFamily="34" charset="0"/>
+                <a:cs typeface="Arial" panose="020B0604020202020204" pitchFamily="34" charset="0"/>
+              </a:rPr>
+              <a:t>async </a:t>
+            </a:r>
+            <a:r>
+              <a:rPr lang="en-US" sz="1200" dirty="0">
+                <a:solidFill>
+                  <a:srgbClr val="000000"/>
+                </a:solidFill>
+                <a:latin typeface="Calibri" panose="020F0502020204030204" pitchFamily="34" charset="0"/>
+                <a:ea typeface="Calibri" panose="020F0502020204030204" pitchFamily="34" charset="0"/>
+                <a:cs typeface="Arial" panose="020B0604020202020204" pitchFamily="34" charset="0"/>
+              </a:rPr>
+              <a:t>() =&gt; {</a:t>
+            </a:r>
+            <a:br>
+              <a:rPr lang="en-US" sz="1200" dirty="0">
+                <a:solidFill>
+                  <a:srgbClr val="000000"/>
+                </a:solidFill>
+                <a:latin typeface="Calibri" panose="020F0502020204030204" pitchFamily="34" charset="0"/>
+                <a:ea typeface="Calibri" panose="020F0502020204030204" pitchFamily="34" charset="0"/>
+                <a:cs typeface="Arial" panose="020B0604020202020204" pitchFamily="34" charset="0"/>
+              </a:rPr>
+            </a:br>
+            <a:r>
+              <a:rPr lang="en-US" sz="1200" dirty="0">
+                <a:solidFill>
+                  <a:srgbClr val="000000"/>
+                </a:solidFill>
+                <a:latin typeface="Calibri" panose="020F0502020204030204" pitchFamily="34" charset="0"/>
+                <a:ea typeface="Calibri" panose="020F0502020204030204" pitchFamily="34" charset="0"/>
+                <a:cs typeface="Arial" panose="020B0604020202020204" pitchFamily="34" charset="0"/>
+              </a:rPr>
+              <a:t>        </a:t>
+            </a:r>
+            <a:r>
+              <a:rPr lang="en-US" sz="1200" b="1" dirty="0">
+                <a:solidFill>
+                  <a:srgbClr val="000080"/>
+                </a:solidFill>
+                <a:latin typeface="Calibri" panose="020F0502020204030204" pitchFamily="34" charset="0"/>
+                <a:ea typeface="Calibri" panose="020F0502020204030204" pitchFamily="34" charset="0"/>
+                <a:cs typeface="Arial" panose="020B0604020202020204" pitchFamily="34" charset="0"/>
+              </a:rPr>
+              <a:t>let </a:t>
+            </a:r>
+            <a:r>
+              <a:rPr lang="en-US" sz="1200" dirty="0">
+                <a:solidFill>
+                  <a:srgbClr val="000000"/>
+                </a:solidFill>
+                <a:latin typeface="Calibri" panose="020F0502020204030204" pitchFamily="34" charset="0"/>
+                <a:ea typeface="Calibri" panose="020F0502020204030204" pitchFamily="34" charset="0"/>
+                <a:cs typeface="Arial" panose="020B0604020202020204" pitchFamily="34" charset="0"/>
+              </a:rPr>
+              <a:t>{</a:t>
+            </a:r>
+            <a:r>
+              <a:rPr lang="en-US" sz="1200" b="1" dirty="0">
+                <a:solidFill>
+                  <a:srgbClr val="660E7A"/>
+                </a:solidFill>
+                <a:latin typeface="Calibri" panose="020F0502020204030204" pitchFamily="34" charset="0"/>
+                <a:ea typeface="Calibri" panose="020F0502020204030204" pitchFamily="34" charset="0"/>
+                <a:cs typeface="Arial" panose="020B0604020202020204" pitchFamily="34" charset="0"/>
+              </a:rPr>
+              <a:t>Clock</a:t>
+            </a:r>
+            <a:r>
+              <a:rPr lang="en-US" sz="1200" dirty="0">
+                <a:solidFill>
+                  <a:srgbClr val="000000"/>
+                </a:solidFill>
+                <a:latin typeface="Calibri" panose="020F0502020204030204" pitchFamily="34" charset="0"/>
+                <a:ea typeface="Calibri" panose="020F0502020204030204" pitchFamily="34" charset="0"/>
+                <a:cs typeface="Arial" panose="020B0604020202020204" pitchFamily="34" charset="0"/>
+              </a:rPr>
+              <a:t>} = </a:t>
+            </a:r>
+            <a:r>
+              <a:rPr lang="en-US" sz="1200" b="1" dirty="0" err="1">
+                <a:solidFill>
+                  <a:srgbClr val="000080"/>
+                </a:solidFill>
+                <a:latin typeface="Calibri" panose="020F0502020204030204" pitchFamily="34" charset="0"/>
+                <a:ea typeface="Calibri" panose="020F0502020204030204" pitchFamily="34" charset="0"/>
+                <a:cs typeface="Arial" panose="020B0604020202020204" pitchFamily="34" charset="0"/>
+              </a:rPr>
+              <a:t>this</a:t>
+            </a:r>
+            <a:r>
+              <a:rPr lang="en-US" sz="1200" dirty="0" err="1">
+                <a:solidFill>
+                  <a:srgbClr val="000000"/>
+                </a:solidFill>
+                <a:latin typeface="Calibri" panose="020F0502020204030204" pitchFamily="34" charset="0"/>
+                <a:ea typeface="Calibri" panose="020F0502020204030204" pitchFamily="34" charset="0"/>
+                <a:cs typeface="Arial" panose="020B0604020202020204" pitchFamily="34" charset="0"/>
+              </a:rPr>
+              <a:t>.</a:t>
+            </a:r>
+            <a:r>
+              <a:rPr lang="en-US" sz="1200" b="1" dirty="0" err="1">
+                <a:solidFill>
+                  <a:srgbClr val="660E7A"/>
+                </a:solidFill>
+                <a:latin typeface="Calibri" panose="020F0502020204030204" pitchFamily="34" charset="0"/>
+                <a:ea typeface="Calibri" panose="020F0502020204030204" pitchFamily="34" charset="0"/>
+                <a:cs typeface="Arial" panose="020B0604020202020204" pitchFamily="34" charset="0"/>
+              </a:rPr>
+              <a:t>state</a:t>
+            </a:r>
+            <a:r>
+              <a:rPr lang="en-US" sz="1200" dirty="0">
+                <a:solidFill>
+                  <a:srgbClr val="000000"/>
+                </a:solidFill>
+                <a:latin typeface="Calibri" panose="020F0502020204030204" pitchFamily="34" charset="0"/>
+                <a:ea typeface="Calibri" panose="020F0502020204030204" pitchFamily="34" charset="0"/>
+                <a:cs typeface="Arial" panose="020B0604020202020204" pitchFamily="34" charset="0"/>
+              </a:rPr>
+              <a:t>;</a:t>
+            </a:r>
+            <a:br>
+              <a:rPr lang="en-US" sz="1200" dirty="0">
+                <a:solidFill>
+                  <a:srgbClr val="000000"/>
+                </a:solidFill>
+                <a:latin typeface="Calibri" panose="020F0502020204030204" pitchFamily="34" charset="0"/>
+                <a:ea typeface="Calibri" panose="020F0502020204030204" pitchFamily="34" charset="0"/>
+                <a:cs typeface="Arial" panose="020B0604020202020204" pitchFamily="34" charset="0"/>
+              </a:rPr>
+            </a:br>
+            <a:r>
+              <a:rPr lang="en-US" sz="1200" dirty="0">
+                <a:solidFill>
+                  <a:srgbClr val="000000"/>
+                </a:solidFill>
+                <a:latin typeface="Calibri" panose="020F0502020204030204" pitchFamily="34" charset="0"/>
+                <a:ea typeface="Calibri" panose="020F0502020204030204" pitchFamily="34" charset="0"/>
+                <a:cs typeface="Arial" panose="020B0604020202020204" pitchFamily="34" charset="0"/>
+              </a:rPr>
+              <a:t>        </a:t>
+            </a:r>
+            <a:r>
+              <a:rPr lang="en-US" sz="1200" b="1" dirty="0">
+                <a:solidFill>
+                  <a:srgbClr val="000080"/>
+                </a:solidFill>
+                <a:latin typeface="Calibri" panose="020F0502020204030204" pitchFamily="34" charset="0"/>
+                <a:ea typeface="Calibri" panose="020F0502020204030204" pitchFamily="34" charset="0"/>
+                <a:cs typeface="Arial" panose="020B0604020202020204" pitchFamily="34" charset="0"/>
+              </a:rPr>
+              <a:t>if</a:t>
+            </a:r>
+            <a:r>
+              <a:rPr lang="en-US" sz="1200" dirty="0">
+                <a:solidFill>
+                  <a:srgbClr val="000000"/>
+                </a:solidFill>
+                <a:latin typeface="Calibri" panose="020F0502020204030204" pitchFamily="34" charset="0"/>
+                <a:ea typeface="Calibri" panose="020F0502020204030204" pitchFamily="34" charset="0"/>
+                <a:cs typeface="Arial" panose="020B0604020202020204" pitchFamily="34" charset="0"/>
+              </a:rPr>
+              <a:t>(!</a:t>
+            </a:r>
+            <a:r>
+              <a:rPr lang="en-US" sz="1200" b="1" dirty="0">
+                <a:solidFill>
+                  <a:srgbClr val="660E7A"/>
+                </a:solidFill>
+                <a:latin typeface="Calibri" panose="020F0502020204030204" pitchFamily="34" charset="0"/>
+                <a:ea typeface="Calibri" panose="020F0502020204030204" pitchFamily="34" charset="0"/>
+                <a:cs typeface="Arial" panose="020B0604020202020204" pitchFamily="34" charset="0"/>
+              </a:rPr>
+              <a:t>Clock</a:t>
+            </a:r>
+            <a:r>
+              <a:rPr lang="en-US" sz="1200" dirty="0">
+                <a:solidFill>
+                  <a:srgbClr val="000000"/>
+                </a:solidFill>
+                <a:latin typeface="Calibri" panose="020F0502020204030204" pitchFamily="34" charset="0"/>
+                <a:ea typeface="Calibri" panose="020F0502020204030204" pitchFamily="34" charset="0"/>
+                <a:cs typeface="Arial" panose="020B0604020202020204" pitchFamily="34" charset="0"/>
+              </a:rPr>
+              <a:t>){</a:t>
+            </a:r>
+            <a:br>
+              <a:rPr lang="en-US" sz="1200" dirty="0">
+                <a:solidFill>
+                  <a:srgbClr val="000000"/>
+                </a:solidFill>
+                <a:latin typeface="Calibri" panose="020F0502020204030204" pitchFamily="34" charset="0"/>
+                <a:ea typeface="Calibri" panose="020F0502020204030204" pitchFamily="34" charset="0"/>
+                <a:cs typeface="Arial" panose="020B0604020202020204" pitchFamily="34" charset="0"/>
+              </a:rPr>
+            </a:br>
+            <a:r>
+              <a:rPr lang="en-US" sz="1200" dirty="0">
+                <a:solidFill>
+                  <a:srgbClr val="000000"/>
+                </a:solidFill>
+                <a:latin typeface="Calibri" panose="020F0502020204030204" pitchFamily="34" charset="0"/>
+                <a:ea typeface="Calibri" panose="020F0502020204030204" pitchFamily="34" charset="0"/>
+                <a:cs typeface="Arial" panose="020B0604020202020204" pitchFamily="34" charset="0"/>
+              </a:rPr>
+              <a:t>            </a:t>
+            </a:r>
+            <a:r>
+              <a:rPr lang="en-US" sz="1200" b="1" dirty="0">
+                <a:solidFill>
+                  <a:srgbClr val="000080"/>
+                </a:solidFill>
+                <a:latin typeface="Calibri" panose="020F0502020204030204" pitchFamily="34" charset="0"/>
+                <a:ea typeface="Calibri" panose="020F0502020204030204" pitchFamily="34" charset="0"/>
+                <a:cs typeface="Arial" panose="020B0604020202020204" pitchFamily="34" charset="0"/>
+              </a:rPr>
+              <a:t>const </a:t>
+            </a:r>
+            <a:r>
+              <a:rPr lang="en-US" sz="1200" dirty="0" err="1">
+                <a:solidFill>
+                  <a:srgbClr val="458383"/>
+                </a:solidFill>
+                <a:latin typeface="Calibri" panose="020F0502020204030204" pitchFamily="34" charset="0"/>
+                <a:ea typeface="Calibri" panose="020F0502020204030204" pitchFamily="34" charset="0"/>
+                <a:cs typeface="Arial" panose="020B0604020202020204" pitchFamily="34" charset="0"/>
+              </a:rPr>
+              <a:t>clockModule</a:t>
+            </a:r>
+            <a:r>
+              <a:rPr lang="en-US" sz="1200" dirty="0">
+                <a:solidFill>
+                  <a:srgbClr val="458383"/>
+                </a:solidFill>
+                <a:latin typeface="Calibri" panose="020F0502020204030204" pitchFamily="34" charset="0"/>
+                <a:ea typeface="Calibri" panose="020F0502020204030204" pitchFamily="34" charset="0"/>
+                <a:cs typeface="Arial" panose="020B0604020202020204" pitchFamily="34" charset="0"/>
+              </a:rPr>
+              <a:t> </a:t>
+            </a:r>
+            <a:r>
+              <a:rPr lang="en-US" sz="1200" dirty="0">
+                <a:solidFill>
+                  <a:srgbClr val="000000"/>
+                </a:solidFill>
+                <a:latin typeface="Calibri" panose="020F0502020204030204" pitchFamily="34" charset="0"/>
+                <a:ea typeface="Calibri" panose="020F0502020204030204" pitchFamily="34" charset="0"/>
+                <a:cs typeface="Arial" panose="020B0604020202020204" pitchFamily="34" charset="0"/>
+              </a:rPr>
+              <a:t>= </a:t>
+            </a:r>
+            <a:r>
+              <a:rPr lang="en-US" sz="1200" b="1" dirty="0">
+                <a:solidFill>
+                  <a:srgbClr val="000080"/>
+                </a:solidFill>
+                <a:latin typeface="Calibri" panose="020F0502020204030204" pitchFamily="34" charset="0"/>
+                <a:ea typeface="Calibri" panose="020F0502020204030204" pitchFamily="34" charset="0"/>
+                <a:cs typeface="Arial" panose="020B0604020202020204" pitchFamily="34" charset="0"/>
+              </a:rPr>
+              <a:t>await import</a:t>
+            </a:r>
+            <a:r>
+              <a:rPr lang="en-US" sz="1200" dirty="0">
+                <a:solidFill>
+                  <a:srgbClr val="000000"/>
+                </a:solidFill>
+                <a:latin typeface="Calibri" panose="020F0502020204030204" pitchFamily="34" charset="0"/>
+                <a:ea typeface="Calibri" panose="020F0502020204030204" pitchFamily="34" charset="0"/>
+                <a:cs typeface="Arial" panose="020B0604020202020204" pitchFamily="34" charset="0"/>
+              </a:rPr>
+              <a:t>(</a:t>
+            </a:r>
+            <a:r>
+              <a:rPr lang="en-US" sz="1200" b="1" dirty="0">
+                <a:solidFill>
+                  <a:srgbClr val="008000"/>
+                </a:solidFill>
+                <a:latin typeface="Calibri" panose="020F0502020204030204" pitchFamily="34" charset="0"/>
+                <a:ea typeface="Calibri" panose="020F0502020204030204" pitchFamily="34" charset="0"/>
+                <a:cs typeface="Arial" panose="020B0604020202020204" pitchFamily="34" charset="0"/>
+              </a:rPr>
+              <a:t>"./Clock"</a:t>
+            </a:r>
+            <a:r>
+              <a:rPr lang="en-US" sz="1200" dirty="0">
+                <a:solidFill>
+                  <a:srgbClr val="000000"/>
+                </a:solidFill>
+                <a:latin typeface="Calibri" panose="020F0502020204030204" pitchFamily="34" charset="0"/>
+                <a:ea typeface="Calibri" panose="020F0502020204030204" pitchFamily="34" charset="0"/>
+                <a:cs typeface="Arial" panose="020B0604020202020204" pitchFamily="34" charset="0"/>
+              </a:rPr>
+              <a:t>);</a:t>
+            </a:r>
+            <a:br>
+              <a:rPr lang="en-US" sz="1200" dirty="0">
+                <a:solidFill>
+                  <a:srgbClr val="000000"/>
+                </a:solidFill>
+                <a:latin typeface="Calibri" panose="020F0502020204030204" pitchFamily="34" charset="0"/>
+                <a:ea typeface="Calibri" panose="020F0502020204030204" pitchFamily="34" charset="0"/>
+                <a:cs typeface="Arial" panose="020B0604020202020204" pitchFamily="34" charset="0"/>
+              </a:rPr>
+            </a:br>
+            <a:r>
+              <a:rPr lang="en-US" sz="1200" dirty="0">
+                <a:solidFill>
+                  <a:srgbClr val="000000"/>
+                </a:solidFill>
+                <a:latin typeface="Calibri" panose="020F0502020204030204" pitchFamily="34" charset="0"/>
+                <a:ea typeface="Calibri" panose="020F0502020204030204" pitchFamily="34" charset="0"/>
+                <a:cs typeface="Arial" panose="020B0604020202020204" pitchFamily="34" charset="0"/>
+              </a:rPr>
+              <a:t>            </a:t>
+            </a:r>
+            <a:r>
+              <a:rPr lang="en-US" sz="1200" b="1" dirty="0">
+                <a:solidFill>
+                  <a:srgbClr val="660E7A"/>
+                </a:solidFill>
+                <a:latin typeface="Calibri" panose="020F0502020204030204" pitchFamily="34" charset="0"/>
+                <a:ea typeface="Calibri" panose="020F0502020204030204" pitchFamily="34" charset="0"/>
+                <a:cs typeface="Arial" panose="020B0604020202020204" pitchFamily="34" charset="0"/>
+              </a:rPr>
+              <a:t>Clock </a:t>
+            </a:r>
+            <a:r>
+              <a:rPr lang="en-US" sz="1200" dirty="0">
+                <a:solidFill>
+                  <a:srgbClr val="000000"/>
+                </a:solidFill>
+                <a:latin typeface="Calibri" panose="020F0502020204030204" pitchFamily="34" charset="0"/>
+                <a:ea typeface="Calibri" panose="020F0502020204030204" pitchFamily="34" charset="0"/>
+                <a:cs typeface="Arial" panose="020B0604020202020204" pitchFamily="34" charset="0"/>
+              </a:rPr>
+              <a:t>= </a:t>
+            </a:r>
+            <a:r>
+              <a:rPr lang="en-US" sz="1200" dirty="0" err="1">
+                <a:solidFill>
+                  <a:srgbClr val="458383"/>
+                </a:solidFill>
+                <a:latin typeface="Calibri" panose="020F0502020204030204" pitchFamily="34" charset="0"/>
+                <a:ea typeface="Calibri" panose="020F0502020204030204" pitchFamily="34" charset="0"/>
+                <a:cs typeface="Arial" panose="020B0604020202020204" pitchFamily="34" charset="0"/>
+              </a:rPr>
+              <a:t>clockModule</a:t>
+            </a:r>
+            <a:r>
+              <a:rPr lang="en-US" sz="1200" dirty="0" err="1">
+                <a:solidFill>
+                  <a:srgbClr val="000000"/>
+                </a:solidFill>
+                <a:latin typeface="Calibri" panose="020F0502020204030204" pitchFamily="34" charset="0"/>
+                <a:ea typeface="Calibri" panose="020F0502020204030204" pitchFamily="34" charset="0"/>
+                <a:cs typeface="Arial" panose="020B0604020202020204" pitchFamily="34" charset="0"/>
+              </a:rPr>
+              <a:t>.Clock</a:t>
+            </a:r>
+            <a:r>
+              <a:rPr lang="en-US" sz="1200" dirty="0">
+                <a:solidFill>
+                  <a:srgbClr val="000000"/>
+                </a:solidFill>
+                <a:latin typeface="Calibri" panose="020F0502020204030204" pitchFamily="34" charset="0"/>
+                <a:ea typeface="Calibri" panose="020F0502020204030204" pitchFamily="34" charset="0"/>
+                <a:cs typeface="Arial" panose="020B0604020202020204" pitchFamily="34" charset="0"/>
+              </a:rPr>
+              <a:t>;</a:t>
+            </a:r>
+            <a:br>
+              <a:rPr lang="en-US" sz="1200" dirty="0">
+                <a:solidFill>
+                  <a:srgbClr val="000000"/>
+                </a:solidFill>
+                <a:latin typeface="Calibri" panose="020F0502020204030204" pitchFamily="34" charset="0"/>
+                <a:ea typeface="Calibri" panose="020F0502020204030204" pitchFamily="34" charset="0"/>
+                <a:cs typeface="Arial" panose="020B0604020202020204" pitchFamily="34" charset="0"/>
+              </a:rPr>
+            </a:br>
+            <a:br>
+              <a:rPr lang="en-US" sz="1200" dirty="0">
+                <a:solidFill>
+                  <a:srgbClr val="000000"/>
+                </a:solidFill>
+                <a:latin typeface="Calibri" panose="020F0502020204030204" pitchFamily="34" charset="0"/>
+                <a:ea typeface="Calibri" panose="020F0502020204030204" pitchFamily="34" charset="0"/>
+                <a:cs typeface="Arial" panose="020B0604020202020204" pitchFamily="34" charset="0"/>
+              </a:rPr>
+            </a:br>
+            <a:r>
+              <a:rPr lang="en-US" sz="1200" dirty="0">
+                <a:solidFill>
+                  <a:srgbClr val="000000"/>
+                </a:solidFill>
+                <a:latin typeface="Calibri" panose="020F0502020204030204" pitchFamily="34" charset="0"/>
+                <a:ea typeface="Calibri" panose="020F0502020204030204" pitchFamily="34" charset="0"/>
+                <a:cs typeface="Arial" panose="020B0604020202020204" pitchFamily="34" charset="0"/>
+              </a:rPr>
+              <a:t>            </a:t>
+            </a:r>
+            <a:r>
+              <a:rPr lang="en-US" sz="1200" b="1" dirty="0" err="1">
+                <a:solidFill>
+                  <a:srgbClr val="000080"/>
+                </a:solidFill>
+                <a:latin typeface="Calibri" panose="020F0502020204030204" pitchFamily="34" charset="0"/>
+                <a:ea typeface="Calibri" panose="020F0502020204030204" pitchFamily="34" charset="0"/>
+                <a:cs typeface="Arial" panose="020B0604020202020204" pitchFamily="34" charset="0"/>
+              </a:rPr>
+              <a:t>this</a:t>
+            </a:r>
+            <a:r>
+              <a:rPr lang="en-US" sz="1200" dirty="0" err="1">
+                <a:solidFill>
+                  <a:srgbClr val="000000"/>
+                </a:solidFill>
+                <a:latin typeface="Calibri" panose="020F0502020204030204" pitchFamily="34" charset="0"/>
+                <a:ea typeface="Calibri" panose="020F0502020204030204" pitchFamily="34" charset="0"/>
+                <a:cs typeface="Arial" panose="020B0604020202020204" pitchFamily="34" charset="0"/>
+              </a:rPr>
+              <a:t>.</a:t>
+            </a:r>
+            <a:r>
+              <a:rPr lang="en-US" sz="1200" dirty="0" err="1">
+                <a:solidFill>
+                  <a:srgbClr val="7A7A43"/>
+                </a:solidFill>
+                <a:latin typeface="Calibri" panose="020F0502020204030204" pitchFamily="34" charset="0"/>
+                <a:ea typeface="Calibri" panose="020F0502020204030204" pitchFamily="34" charset="0"/>
+                <a:cs typeface="Arial" panose="020B0604020202020204" pitchFamily="34" charset="0"/>
+              </a:rPr>
+              <a:t>setState</a:t>
+            </a:r>
+            <a:r>
+              <a:rPr lang="en-US" sz="1200" dirty="0">
+                <a:solidFill>
+                  <a:srgbClr val="000000"/>
+                </a:solidFill>
+                <a:latin typeface="Calibri" panose="020F0502020204030204" pitchFamily="34" charset="0"/>
+                <a:ea typeface="Calibri" panose="020F0502020204030204" pitchFamily="34" charset="0"/>
+                <a:cs typeface="Arial" panose="020B0604020202020204" pitchFamily="34" charset="0"/>
+              </a:rPr>
+              <a:t>(state =&gt; ({</a:t>
+            </a:r>
+            <a:br>
+              <a:rPr lang="en-US" sz="1200" dirty="0">
+                <a:solidFill>
+                  <a:srgbClr val="000000"/>
+                </a:solidFill>
+                <a:latin typeface="Calibri" panose="020F0502020204030204" pitchFamily="34" charset="0"/>
+                <a:ea typeface="Calibri" panose="020F0502020204030204" pitchFamily="34" charset="0"/>
+                <a:cs typeface="Arial" panose="020B0604020202020204" pitchFamily="34" charset="0"/>
+              </a:rPr>
+            </a:br>
+            <a:r>
+              <a:rPr lang="en-US" sz="1200" dirty="0">
+                <a:solidFill>
+                  <a:srgbClr val="000000"/>
+                </a:solidFill>
+                <a:latin typeface="Calibri" panose="020F0502020204030204" pitchFamily="34" charset="0"/>
+                <a:ea typeface="Calibri" panose="020F0502020204030204" pitchFamily="34" charset="0"/>
+                <a:cs typeface="Arial" panose="020B0604020202020204" pitchFamily="34" charset="0"/>
+              </a:rPr>
+              <a:t>                </a:t>
+            </a:r>
+            <a:r>
+              <a:rPr lang="en-US" sz="1200" b="1" dirty="0">
+                <a:solidFill>
+                  <a:srgbClr val="660E7A"/>
+                </a:solidFill>
+                <a:latin typeface="Calibri" panose="020F0502020204030204" pitchFamily="34" charset="0"/>
+                <a:ea typeface="Calibri" panose="020F0502020204030204" pitchFamily="34" charset="0"/>
+                <a:cs typeface="Arial" panose="020B0604020202020204" pitchFamily="34" charset="0"/>
+              </a:rPr>
+              <a:t>Clock</a:t>
+            </a:r>
+            <a:r>
+              <a:rPr lang="en-US" sz="1200" dirty="0">
+                <a:solidFill>
+                  <a:srgbClr val="000000"/>
+                </a:solidFill>
+                <a:latin typeface="Calibri" panose="020F0502020204030204" pitchFamily="34" charset="0"/>
+                <a:ea typeface="Calibri" panose="020F0502020204030204" pitchFamily="34" charset="0"/>
+                <a:cs typeface="Arial" panose="020B0604020202020204" pitchFamily="34" charset="0"/>
+              </a:rPr>
+              <a:t>,</a:t>
+            </a:r>
+            <a:br>
+              <a:rPr lang="en-US" sz="1200" dirty="0">
+                <a:solidFill>
+                  <a:srgbClr val="000000"/>
+                </a:solidFill>
+                <a:latin typeface="Calibri" panose="020F0502020204030204" pitchFamily="34" charset="0"/>
+                <a:ea typeface="Calibri" panose="020F0502020204030204" pitchFamily="34" charset="0"/>
+                <a:cs typeface="Arial" panose="020B0604020202020204" pitchFamily="34" charset="0"/>
+              </a:rPr>
+            </a:br>
+            <a:r>
+              <a:rPr lang="en-US" sz="1200" dirty="0">
+                <a:solidFill>
+                  <a:srgbClr val="000000"/>
+                </a:solidFill>
+                <a:latin typeface="Calibri" panose="020F0502020204030204" pitchFamily="34" charset="0"/>
+                <a:ea typeface="Calibri" panose="020F0502020204030204" pitchFamily="34" charset="0"/>
+                <a:cs typeface="Arial" panose="020B0604020202020204" pitchFamily="34" charset="0"/>
+              </a:rPr>
+              <a:t>            }));</a:t>
+            </a:r>
+            <a:br>
+              <a:rPr lang="en-US" sz="1200" dirty="0">
+                <a:solidFill>
+                  <a:srgbClr val="000000"/>
+                </a:solidFill>
+                <a:latin typeface="Calibri" panose="020F0502020204030204" pitchFamily="34" charset="0"/>
+                <a:ea typeface="Calibri" panose="020F0502020204030204" pitchFamily="34" charset="0"/>
+                <a:cs typeface="Arial" panose="020B0604020202020204" pitchFamily="34" charset="0"/>
+              </a:rPr>
+            </a:br>
+            <a:r>
+              <a:rPr lang="en-US" sz="1200" dirty="0">
+                <a:solidFill>
+                  <a:srgbClr val="000000"/>
+                </a:solidFill>
+                <a:latin typeface="Calibri" panose="020F0502020204030204" pitchFamily="34" charset="0"/>
+                <a:ea typeface="Calibri" panose="020F0502020204030204" pitchFamily="34" charset="0"/>
+                <a:cs typeface="Arial" panose="020B0604020202020204" pitchFamily="34" charset="0"/>
+              </a:rPr>
+              <a:t>        }</a:t>
+            </a:r>
+            <a:br>
+              <a:rPr lang="en-US" sz="1200" dirty="0">
+                <a:solidFill>
+                  <a:srgbClr val="000000"/>
+                </a:solidFill>
+                <a:latin typeface="Calibri" panose="020F0502020204030204" pitchFamily="34" charset="0"/>
+                <a:ea typeface="Calibri" panose="020F0502020204030204" pitchFamily="34" charset="0"/>
+                <a:cs typeface="Arial" panose="020B0604020202020204" pitchFamily="34" charset="0"/>
+              </a:rPr>
+            </a:br>
+            <a:r>
+              <a:rPr lang="en-US" sz="1200" dirty="0">
+                <a:solidFill>
+                  <a:srgbClr val="000000"/>
+                </a:solidFill>
+                <a:latin typeface="Calibri" panose="020F0502020204030204" pitchFamily="34" charset="0"/>
+                <a:ea typeface="Calibri" panose="020F0502020204030204" pitchFamily="34" charset="0"/>
+                <a:cs typeface="Arial" panose="020B0604020202020204" pitchFamily="34" charset="0"/>
+              </a:rPr>
+              <a:t>    }</a:t>
+            </a:r>
+            <a:br>
+              <a:rPr lang="en-US" sz="1200" dirty="0">
+                <a:solidFill>
+                  <a:srgbClr val="000000"/>
+                </a:solidFill>
+                <a:latin typeface="Calibri" panose="020F0502020204030204" pitchFamily="34" charset="0"/>
+                <a:ea typeface="Calibri" panose="020F0502020204030204" pitchFamily="34" charset="0"/>
+                <a:cs typeface="Arial" panose="020B0604020202020204" pitchFamily="34" charset="0"/>
+              </a:rPr>
+            </a:br>
+            <a:endParaRPr lang="he-IL" sz="1200" dirty="0"/>
+          </a:p>
+        </p:txBody>
+      </p:sp>
+      <p:sp>
+        <p:nvSpPr>
+          <p:cNvPr id="8" name="Rectangle: Rounded Corners 7">
+            <a:extLst>
+              <a:ext uri="{FF2B5EF4-FFF2-40B4-BE49-F238E27FC236}">
+                <a16:creationId xmlns:a16="http://schemas.microsoft.com/office/drawing/2014/main" id="{41198D4E-FD5E-466E-B231-239D170937A9}"/>
+              </a:ext>
+            </a:extLst>
+          </p:cNvPr>
+          <p:cNvSpPr/>
+          <p:nvPr/>
+        </p:nvSpPr>
+        <p:spPr>
+          <a:xfrm>
+            <a:off x="6885212" y="979748"/>
+            <a:ext cx="1313728" cy="936104"/>
+          </a:xfrm>
+          <a:prstGeom prst="roundRect">
+            <a:avLst/>
+          </a:prstGeom>
+        </p:spPr>
+        <p:style>
+          <a:lnRef idx="2">
+            <a:schemeClr val="accent2">
+              <a:shade val="50000"/>
+            </a:schemeClr>
+          </a:lnRef>
+          <a:fillRef idx="1">
+            <a:schemeClr val="accent2"/>
+          </a:fillRef>
+          <a:effectRef idx="0">
+            <a:schemeClr val="accent2"/>
+          </a:effectRef>
+          <a:fontRef idx="minor">
+            <a:schemeClr val="lt1"/>
+          </a:fontRef>
+        </p:style>
+        <p:txBody>
+          <a:bodyPr rtlCol="1" anchor="ctr"/>
+          <a:lstStyle/>
+          <a:p>
+            <a:pPr algn="ctr"/>
+            <a:r>
+              <a:rPr lang="en-US" sz="1400" dirty="0"/>
+              <a:t>Magic starts here …</a:t>
+            </a:r>
+            <a:endParaRPr lang="he-IL" sz="1400" dirty="0"/>
+          </a:p>
+        </p:txBody>
+      </p:sp>
+      <p:cxnSp>
+        <p:nvCxnSpPr>
+          <p:cNvPr id="9" name="Straight Arrow Connector 8">
+            <a:extLst>
+              <a:ext uri="{FF2B5EF4-FFF2-40B4-BE49-F238E27FC236}">
+                <a16:creationId xmlns:a16="http://schemas.microsoft.com/office/drawing/2014/main" id="{7F286713-6ABA-493E-B5CA-D05DC40BC226}"/>
+              </a:ext>
+            </a:extLst>
+          </p:cNvPr>
+          <p:cNvCxnSpPr>
+            <a:cxnSpLocks/>
+          </p:cNvCxnSpPr>
+          <p:nvPr/>
+        </p:nvCxnSpPr>
+        <p:spPr>
+          <a:xfrm flipH="1">
+            <a:off x="7164288" y="1916832"/>
+            <a:ext cx="377788" cy="1512168"/>
+          </a:xfrm>
+          <a:prstGeom prst="straightConnector1">
+            <a:avLst/>
+          </a:prstGeom>
+          <a:ln w="19050">
+            <a:tailEnd type="triangle"/>
+          </a:ln>
+        </p:spPr>
+        <p:style>
+          <a:lnRef idx="1">
+            <a:schemeClr val="accent2"/>
+          </a:lnRef>
+          <a:fillRef idx="0">
+            <a:schemeClr val="accent2"/>
+          </a:fillRef>
+          <a:effectRef idx="0">
+            <a:schemeClr val="accent2"/>
+          </a:effectRef>
+          <a:fontRef idx="minor">
+            <a:schemeClr val="tx1"/>
+          </a:fontRef>
+        </p:style>
+      </p:cxnSp>
+    </p:spTree>
+    <p:extLst>
+      <p:ext uri="{BB962C8B-B14F-4D97-AF65-F5344CB8AC3E}">
+        <p14:creationId xmlns:p14="http://schemas.microsoft.com/office/powerpoint/2010/main" val="375351590"/>
+      </p:ext>
+    </p:extLst>
+  </p:cSld>
+  <p:clrMapOvr>
+    <a:masterClrMapping/>
+  </p:clrMapOvr>
+</p:sld>
+</file>
+
+<file path=ppt/slides/slide32.xml><?xml version="1.0" encoding="utf-8"?>
+<p:sld xmlns:a="http://schemas.openxmlformats.org/drawingml/2006/main" xmlns:r="http://schemas.openxmlformats.org/officeDocument/2006/relationships" xmlns:p="http://schemas.openxmlformats.org/presentationml/2006/main">
+  <p:cSld>
+    <p:spTree>
+      <p:nvGrpSpPr>
+        <p:cNvPr id="1" name=""/>
+        <p:cNvGrpSpPr/>
+        <p:nvPr/>
+      </p:nvGrpSpPr>
+      <p:grpSpPr>
+        <a:xfrm>
+          <a:off x="0" y="0"/>
+          <a:ext cx="0" cy="0"/>
+          <a:chOff x="0" y="0"/>
+          <a:chExt cx="0" cy="0"/>
+        </a:xfrm>
+      </p:grpSpPr>
+      <p:sp>
+        <p:nvSpPr>
+          <p:cNvPr id="2" name="Title 1">
+            <a:extLst>
+              <a:ext uri="{FF2B5EF4-FFF2-40B4-BE49-F238E27FC236}">
+                <a16:creationId xmlns:a16="http://schemas.microsoft.com/office/drawing/2014/main" id="{C24AC818-B434-4CF0-88D7-39543E5561AC}"/>
+              </a:ext>
+            </a:extLst>
+          </p:cNvPr>
+          <p:cNvSpPr>
+            <a:spLocks noGrp="1"/>
+          </p:cNvSpPr>
+          <p:nvPr>
+            <p:ph type="title"/>
+          </p:nvPr>
+        </p:nvSpPr>
+        <p:spPr/>
+        <p:txBody>
+          <a:bodyPr/>
+          <a:lstStyle/>
+          <a:p>
+            <a:r>
+              <a:rPr lang="en-US" dirty="0"/>
+              <a:t>Context</a:t>
+            </a:r>
+            <a:endParaRPr lang="he-IL" dirty="0"/>
+          </a:p>
+        </p:txBody>
+      </p:sp>
+      <p:sp>
+        <p:nvSpPr>
+          <p:cNvPr id="3" name="Footer Placeholder 2">
+            <a:extLst>
+              <a:ext uri="{FF2B5EF4-FFF2-40B4-BE49-F238E27FC236}">
+                <a16:creationId xmlns:a16="http://schemas.microsoft.com/office/drawing/2014/main" id="{70643913-2F56-4E1D-80F0-4D130F0F8B25}"/>
+              </a:ext>
+            </a:extLst>
+          </p:cNvPr>
+          <p:cNvSpPr>
+            <a:spLocks noGrp="1"/>
+          </p:cNvSpPr>
+          <p:nvPr>
+            <p:ph type="ftr" sz="quarter" idx="11"/>
+          </p:nvPr>
+        </p:nvSpPr>
+        <p:spPr/>
+        <p:txBody>
+          <a:bodyPr/>
+          <a:lstStyle/>
+          <a:p>
+            <a:r>
+              <a:rPr lang="en-US"/>
+              <a:t>© 2018 Ori Calvo</a:t>
+            </a:r>
+            <a:endParaRPr lang="en-US" dirty="0"/>
+          </a:p>
+        </p:txBody>
+      </p:sp>
+      <p:sp>
+        <p:nvSpPr>
+          <p:cNvPr id="4" name="Slide Number Placeholder 3">
+            <a:extLst>
+              <a:ext uri="{FF2B5EF4-FFF2-40B4-BE49-F238E27FC236}">
+                <a16:creationId xmlns:a16="http://schemas.microsoft.com/office/drawing/2014/main" id="{F2BCC501-4430-4320-8FF3-CA6FECC5BF6F}"/>
+              </a:ext>
+            </a:extLst>
+          </p:cNvPr>
+          <p:cNvSpPr>
+            <a:spLocks noGrp="1"/>
+          </p:cNvSpPr>
+          <p:nvPr>
+            <p:ph type="sldNum" sz="quarter" idx="12"/>
+          </p:nvPr>
+        </p:nvSpPr>
+        <p:spPr/>
+        <p:txBody>
+          <a:bodyPr>
+            <a:normAutofit fontScale="85000" lnSpcReduction="20000"/>
+          </a:bodyPr>
+          <a:lstStyle/>
+          <a:p>
+            <a:fld id="{87B78B44-2135-4DB2-B732-E7D5FFF77B6A}" type="slidenum">
+              <a:rPr lang="en-US" smtClean="0"/>
+              <a:pPr/>
+              <a:t>32</a:t>
+            </a:fld>
+            <a:endParaRPr lang="en-US"/>
+          </a:p>
+        </p:txBody>
+      </p:sp>
+      <p:sp>
+        <p:nvSpPr>
+          <p:cNvPr id="5" name="Content Placeholder 4">
+            <a:extLst>
+              <a:ext uri="{FF2B5EF4-FFF2-40B4-BE49-F238E27FC236}">
+                <a16:creationId xmlns:a16="http://schemas.microsoft.com/office/drawing/2014/main" id="{7037F6B0-3868-4507-83DC-40103CED7268}"/>
+              </a:ext>
+            </a:extLst>
+          </p:cNvPr>
+          <p:cNvSpPr>
+            <a:spLocks noGrp="1"/>
+          </p:cNvSpPr>
+          <p:nvPr>
+            <p:ph sz="quarter" idx="1"/>
+          </p:nvPr>
+        </p:nvSpPr>
+        <p:spPr/>
+        <p:txBody>
+          <a:bodyPr/>
+          <a:lstStyle/>
+          <a:p>
+            <a:r>
+              <a:rPr lang="en-US" dirty="0"/>
+              <a:t>Pass data through the component tree</a:t>
+            </a:r>
+          </a:p>
+          <a:p>
+            <a:r>
+              <a:rPr lang="en-US" dirty="0"/>
+              <a:t>Middle components are not aware</a:t>
+            </a:r>
+          </a:p>
+          <a:p>
+            <a:r>
+              <a:rPr lang="en-US" dirty="0"/>
+              <a:t>Start with defining the context</a:t>
+            </a:r>
+          </a:p>
+          <a:p>
+            <a:endParaRPr lang="en-US" dirty="0"/>
+          </a:p>
+          <a:p>
+            <a:r>
+              <a:rPr lang="en-US" dirty="0"/>
+              <a:t>Add a provider</a:t>
+            </a:r>
+            <a:endParaRPr lang="he-IL" dirty="0"/>
+          </a:p>
+        </p:txBody>
+      </p:sp>
+      <p:sp>
+        <p:nvSpPr>
+          <p:cNvPr id="6" name="Rectangle 5">
+            <a:extLst>
+              <a:ext uri="{FF2B5EF4-FFF2-40B4-BE49-F238E27FC236}">
+                <a16:creationId xmlns:a16="http://schemas.microsoft.com/office/drawing/2014/main" id="{1457AD79-7236-41FF-9D38-E504A0B3225F}"/>
+              </a:ext>
+            </a:extLst>
+          </p:cNvPr>
+          <p:cNvSpPr/>
+          <p:nvPr/>
+        </p:nvSpPr>
+        <p:spPr>
+          <a:xfrm>
+            <a:off x="2286207" y="3356992"/>
+            <a:ext cx="4806281" cy="338554"/>
+          </a:xfrm>
+          <a:prstGeom prst="rect">
+            <a:avLst/>
+          </a:prstGeom>
+          <a:solidFill>
+            <a:schemeClr val="accent1">
+              <a:lumMod val="40000"/>
+              <a:lumOff val="60000"/>
+            </a:schemeClr>
+          </a:solidFill>
+        </p:spPr>
+        <p:txBody>
+          <a:bodyPr wrap="square">
+            <a:spAutoFit/>
+          </a:bodyPr>
+          <a:lstStyle/>
+          <a:p>
+            <a:r>
+              <a:rPr lang="en-US" sz="1600" b="1" dirty="0">
+                <a:solidFill>
+                  <a:srgbClr val="000080"/>
+                </a:solidFill>
+                <a:latin typeface="Calibri" panose="020F0502020204030204" pitchFamily="34" charset="0"/>
+                <a:ea typeface="Calibri" panose="020F0502020204030204" pitchFamily="34" charset="0"/>
+                <a:cs typeface="Arial" panose="020B0604020202020204" pitchFamily="34" charset="0"/>
+              </a:rPr>
+              <a:t>export const </a:t>
+            </a:r>
+            <a:r>
+              <a:rPr lang="en-US" sz="1600" dirty="0" err="1">
+                <a:solidFill>
+                  <a:srgbClr val="458383"/>
+                </a:solidFill>
+                <a:latin typeface="Calibri" panose="020F0502020204030204" pitchFamily="34" charset="0"/>
+                <a:ea typeface="Calibri" panose="020F0502020204030204" pitchFamily="34" charset="0"/>
+                <a:cs typeface="Arial" panose="020B0604020202020204" pitchFamily="34" charset="0"/>
+              </a:rPr>
+              <a:t>UserContext</a:t>
+            </a:r>
+            <a:r>
+              <a:rPr lang="en-US" sz="1600" dirty="0">
+                <a:solidFill>
+                  <a:srgbClr val="458383"/>
+                </a:solidFill>
+                <a:latin typeface="Calibri" panose="020F0502020204030204" pitchFamily="34" charset="0"/>
+                <a:ea typeface="Calibri" panose="020F0502020204030204" pitchFamily="34" charset="0"/>
+                <a:cs typeface="Arial" panose="020B0604020202020204" pitchFamily="34" charset="0"/>
+              </a:rPr>
+              <a:t> </a:t>
+            </a:r>
+            <a:r>
+              <a:rPr lang="en-US" sz="1600" dirty="0">
+                <a:solidFill>
+                  <a:srgbClr val="000000"/>
+                </a:solidFill>
+                <a:latin typeface="Calibri" panose="020F0502020204030204" pitchFamily="34" charset="0"/>
+                <a:ea typeface="Calibri" panose="020F0502020204030204" pitchFamily="34" charset="0"/>
+                <a:cs typeface="Arial" panose="020B0604020202020204" pitchFamily="34" charset="0"/>
+              </a:rPr>
+              <a:t>= </a:t>
+            </a:r>
+            <a:r>
+              <a:rPr lang="en-US" sz="1600" dirty="0" err="1">
+                <a:solidFill>
+                  <a:srgbClr val="000000"/>
+                </a:solidFill>
+                <a:latin typeface="Calibri" panose="020F0502020204030204" pitchFamily="34" charset="0"/>
+                <a:ea typeface="Calibri" panose="020F0502020204030204" pitchFamily="34" charset="0"/>
+                <a:cs typeface="Arial" panose="020B0604020202020204" pitchFamily="34" charset="0"/>
+              </a:rPr>
+              <a:t>React.</a:t>
+            </a:r>
+            <a:r>
+              <a:rPr lang="en-US" sz="1600" i="1" dirty="0" err="1">
+                <a:solidFill>
+                  <a:srgbClr val="000000"/>
+                </a:solidFill>
+                <a:latin typeface="Calibri" panose="020F0502020204030204" pitchFamily="34" charset="0"/>
+                <a:ea typeface="Calibri" panose="020F0502020204030204" pitchFamily="34" charset="0"/>
+                <a:cs typeface="Arial" panose="020B0604020202020204" pitchFamily="34" charset="0"/>
+              </a:rPr>
+              <a:t>createContext</a:t>
+            </a:r>
+            <a:r>
+              <a:rPr lang="en-US" sz="1600" dirty="0">
+                <a:solidFill>
+                  <a:srgbClr val="000000"/>
+                </a:solidFill>
+                <a:latin typeface="Calibri" panose="020F0502020204030204" pitchFamily="34" charset="0"/>
+                <a:ea typeface="Calibri" panose="020F0502020204030204" pitchFamily="34" charset="0"/>
+                <a:cs typeface="Arial" panose="020B0604020202020204" pitchFamily="34" charset="0"/>
+              </a:rPr>
+              <a:t>(</a:t>
+            </a:r>
+            <a:r>
+              <a:rPr lang="en-US" sz="1600" b="1" dirty="0">
+                <a:solidFill>
+                  <a:srgbClr val="000080"/>
+                </a:solidFill>
+                <a:latin typeface="Calibri" panose="020F0502020204030204" pitchFamily="34" charset="0"/>
+                <a:ea typeface="Calibri" panose="020F0502020204030204" pitchFamily="34" charset="0"/>
+                <a:cs typeface="Arial" panose="020B0604020202020204" pitchFamily="34" charset="0"/>
+              </a:rPr>
+              <a:t>null</a:t>
+            </a:r>
+            <a:r>
+              <a:rPr lang="en-US" sz="1600" dirty="0">
+                <a:solidFill>
+                  <a:srgbClr val="000000"/>
+                </a:solidFill>
+                <a:latin typeface="Calibri" panose="020F0502020204030204" pitchFamily="34" charset="0"/>
+                <a:ea typeface="Calibri" panose="020F0502020204030204" pitchFamily="34" charset="0"/>
+                <a:cs typeface="Arial" panose="020B0604020202020204" pitchFamily="34" charset="0"/>
+              </a:rPr>
+              <a:t>);</a:t>
+            </a:r>
+            <a:endParaRPr lang="he-IL" sz="1600" dirty="0"/>
+          </a:p>
+        </p:txBody>
+      </p:sp>
+      <p:sp>
+        <p:nvSpPr>
+          <p:cNvPr id="7" name="Rectangle 6">
+            <a:extLst>
+              <a:ext uri="{FF2B5EF4-FFF2-40B4-BE49-F238E27FC236}">
+                <a16:creationId xmlns:a16="http://schemas.microsoft.com/office/drawing/2014/main" id="{611A3CFE-2427-4A2A-82EC-2FD0FA4A934A}"/>
+              </a:ext>
+            </a:extLst>
+          </p:cNvPr>
+          <p:cNvSpPr/>
+          <p:nvPr/>
+        </p:nvSpPr>
+        <p:spPr>
+          <a:xfrm>
+            <a:off x="2403347" y="4285807"/>
+            <a:ext cx="4572000" cy="2308324"/>
+          </a:xfrm>
+          <a:prstGeom prst="rect">
+            <a:avLst/>
+          </a:prstGeom>
+          <a:solidFill>
+            <a:schemeClr val="accent1">
+              <a:lumMod val="40000"/>
+              <a:lumOff val="60000"/>
+            </a:schemeClr>
+          </a:solidFill>
+        </p:spPr>
+        <p:txBody>
+          <a:bodyPr>
+            <a:spAutoFit/>
+          </a:bodyPr>
+          <a:lstStyle/>
+          <a:p>
+            <a:r>
+              <a:rPr lang="en-US" sz="1600" dirty="0">
+                <a:solidFill>
+                  <a:srgbClr val="000000"/>
+                </a:solidFill>
+                <a:latin typeface="Calibri" panose="020F0502020204030204" pitchFamily="34" charset="0"/>
+                <a:ea typeface="Calibri" panose="020F0502020204030204" pitchFamily="34" charset="0"/>
+                <a:cs typeface="Arial" panose="020B0604020202020204" pitchFamily="34" charset="0"/>
+              </a:rPr>
+              <a:t>&lt;</a:t>
+            </a:r>
+            <a:r>
+              <a:rPr lang="en-US" sz="1600" b="1" dirty="0" err="1">
+                <a:solidFill>
+                  <a:srgbClr val="000080"/>
+                </a:solidFill>
+                <a:latin typeface="Calibri" panose="020F0502020204030204" pitchFamily="34" charset="0"/>
+                <a:ea typeface="Calibri" panose="020F0502020204030204" pitchFamily="34" charset="0"/>
+                <a:cs typeface="Arial" panose="020B0604020202020204" pitchFamily="34" charset="0"/>
+              </a:rPr>
+              <a:t>UserContext.Provider</a:t>
+            </a:r>
+            <a:r>
+              <a:rPr lang="en-US" sz="1600" b="1" dirty="0">
+                <a:solidFill>
+                  <a:srgbClr val="000080"/>
+                </a:solidFill>
+                <a:latin typeface="Calibri" panose="020F0502020204030204" pitchFamily="34" charset="0"/>
+                <a:ea typeface="Calibri" panose="020F0502020204030204" pitchFamily="34" charset="0"/>
+                <a:cs typeface="Arial" panose="020B0604020202020204" pitchFamily="34" charset="0"/>
+              </a:rPr>
+              <a:t> </a:t>
+            </a:r>
+            <a:r>
+              <a:rPr lang="en-US" sz="1600" b="1" dirty="0">
+                <a:solidFill>
+                  <a:srgbClr val="0000FF"/>
+                </a:solidFill>
+                <a:latin typeface="Calibri" panose="020F0502020204030204" pitchFamily="34" charset="0"/>
+                <a:ea typeface="Calibri" panose="020F0502020204030204" pitchFamily="34" charset="0"/>
+                <a:cs typeface="Arial" panose="020B0604020202020204" pitchFamily="34" charset="0"/>
+              </a:rPr>
+              <a:t>value</a:t>
+            </a:r>
+            <a:r>
+              <a:rPr lang="en-US" sz="1600" b="1" dirty="0">
+                <a:solidFill>
+                  <a:srgbClr val="008000"/>
+                </a:solidFill>
+                <a:latin typeface="Calibri" panose="020F0502020204030204" pitchFamily="34" charset="0"/>
+                <a:ea typeface="Calibri" panose="020F0502020204030204" pitchFamily="34" charset="0"/>
+                <a:cs typeface="Arial" panose="020B0604020202020204" pitchFamily="34" charset="0"/>
+              </a:rPr>
+              <a:t>=</a:t>
+            </a:r>
+            <a:r>
+              <a:rPr lang="en-US" sz="1600" dirty="0">
+                <a:solidFill>
+                  <a:srgbClr val="000000"/>
+                </a:solidFill>
+                <a:latin typeface="Calibri" panose="020F0502020204030204" pitchFamily="34" charset="0"/>
+                <a:ea typeface="Calibri" panose="020F0502020204030204" pitchFamily="34" charset="0"/>
+                <a:cs typeface="Arial" panose="020B0604020202020204" pitchFamily="34" charset="0"/>
+              </a:rPr>
+              <a:t>{</a:t>
+            </a:r>
+            <a:r>
+              <a:rPr lang="en-US" sz="1600" b="1" dirty="0">
+                <a:solidFill>
+                  <a:srgbClr val="660E7A"/>
+                </a:solidFill>
+                <a:latin typeface="Calibri" panose="020F0502020204030204" pitchFamily="34" charset="0"/>
+                <a:ea typeface="Calibri" panose="020F0502020204030204" pitchFamily="34" charset="0"/>
+                <a:cs typeface="Arial" panose="020B0604020202020204" pitchFamily="34" charset="0"/>
+              </a:rPr>
+              <a:t>user</a:t>
+            </a:r>
+            <a:r>
+              <a:rPr lang="en-US" sz="1600" dirty="0">
+                <a:solidFill>
+                  <a:srgbClr val="000000"/>
+                </a:solidFill>
+                <a:latin typeface="Calibri" panose="020F0502020204030204" pitchFamily="34" charset="0"/>
+                <a:ea typeface="Calibri" panose="020F0502020204030204" pitchFamily="34" charset="0"/>
+                <a:cs typeface="Arial" panose="020B0604020202020204" pitchFamily="34" charset="0"/>
+              </a:rPr>
+              <a:t>}&gt;</a:t>
+            </a:r>
+            <a:br>
+              <a:rPr lang="en-US" sz="1600" dirty="0">
+                <a:solidFill>
+                  <a:srgbClr val="000000"/>
+                </a:solidFill>
+                <a:latin typeface="Calibri" panose="020F0502020204030204" pitchFamily="34" charset="0"/>
+                <a:ea typeface="Calibri" panose="020F0502020204030204" pitchFamily="34" charset="0"/>
+                <a:cs typeface="Arial" panose="020B0604020202020204" pitchFamily="34" charset="0"/>
+              </a:rPr>
+            </a:br>
+            <a:r>
+              <a:rPr lang="en-US" sz="1600" dirty="0">
+                <a:solidFill>
+                  <a:srgbClr val="000000"/>
+                </a:solidFill>
+                <a:latin typeface="Calibri" panose="020F0502020204030204" pitchFamily="34" charset="0"/>
+                <a:ea typeface="Calibri" panose="020F0502020204030204" pitchFamily="34" charset="0"/>
+                <a:cs typeface="Arial" panose="020B0604020202020204" pitchFamily="34" charset="0"/>
+              </a:rPr>
+              <a:t>    &lt;</a:t>
+            </a:r>
+            <a:r>
+              <a:rPr lang="en-US" sz="1600" b="1" dirty="0">
+                <a:solidFill>
+                  <a:srgbClr val="000080"/>
+                </a:solidFill>
+                <a:latin typeface="Calibri" panose="020F0502020204030204" pitchFamily="34" charset="0"/>
+                <a:ea typeface="Calibri" panose="020F0502020204030204" pitchFamily="34" charset="0"/>
+                <a:cs typeface="Arial" panose="020B0604020202020204" pitchFamily="34" charset="0"/>
+              </a:rPr>
+              <a:t>div </a:t>
+            </a:r>
+            <a:r>
+              <a:rPr lang="en-US" sz="1600" b="1" dirty="0" err="1">
+                <a:solidFill>
+                  <a:srgbClr val="0000FF"/>
+                </a:solidFill>
+                <a:latin typeface="Calibri" panose="020F0502020204030204" pitchFamily="34" charset="0"/>
+                <a:ea typeface="Calibri" panose="020F0502020204030204" pitchFamily="34" charset="0"/>
+                <a:cs typeface="Arial" panose="020B0604020202020204" pitchFamily="34" charset="0"/>
+              </a:rPr>
+              <a:t>className</a:t>
+            </a:r>
+            <a:r>
+              <a:rPr lang="en-US" sz="1600" b="1" dirty="0">
+                <a:solidFill>
+                  <a:srgbClr val="008000"/>
+                </a:solidFill>
+                <a:latin typeface="Calibri" panose="020F0502020204030204" pitchFamily="34" charset="0"/>
+                <a:ea typeface="Calibri" panose="020F0502020204030204" pitchFamily="34" charset="0"/>
+                <a:cs typeface="Arial" panose="020B0604020202020204" pitchFamily="34" charset="0"/>
+              </a:rPr>
+              <a:t>="App"</a:t>
+            </a:r>
+            <a:r>
+              <a:rPr lang="en-US" sz="1600" dirty="0">
+                <a:solidFill>
+                  <a:srgbClr val="000000"/>
+                </a:solidFill>
+                <a:latin typeface="Calibri" panose="020F0502020204030204" pitchFamily="34" charset="0"/>
+                <a:ea typeface="Calibri" panose="020F0502020204030204" pitchFamily="34" charset="0"/>
+                <a:cs typeface="Arial" panose="020B0604020202020204" pitchFamily="34" charset="0"/>
+              </a:rPr>
+              <a:t>&gt;</a:t>
+            </a:r>
+            <a:br>
+              <a:rPr lang="en-US" sz="1600" dirty="0">
+                <a:solidFill>
+                  <a:srgbClr val="000000"/>
+                </a:solidFill>
+                <a:latin typeface="Calibri" panose="020F0502020204030204" pitchFamily="34" charset="0"/>
+                <a:ea typeface="Calibri" panose="020F0502020204030204" pitchFamily="34" charset="0"/>
+                <a:cs typeface="Arial" panose="020B0604020202020204" pitchFamily="34" charset="0"/>
+              </a:rPr>
+            </a:br>
+            <a:r>
+              <a:rPr lang="en-US" sz="1600" dirty="0">
+                <a:solidFill>
+                  <a:srgbClr val="000000"/>
+                </a:solidFill>
+                <a:latin typeface="Calibri" panose="020F0502020204030204" pitchFamily="34" charset="0"/>
+                <a:ea typeface="Calibri" panose="020F0502020204030204" pitchFamily="34" charset="0"/>
+                <a:cs typeface="Arial" panose="020B0604020202020204" pitchFamily="34" charset="0"/>
+              </a:rPr>
+              <a:t>        &lt;</a:t>
+            </a:r>
+            <a:r>
+              <a:rPr lang="en-US" sz="1600" b="1" dirty="0">
+                <a:solidFill>
+                  <a:srgbClr val="000080"/>
+                </a:solidFill>
+                <a:latin typeface="Calibri" panose="020F0502020204030204" pitchFamily="34" charset="0"/>
+                <a:ea typeface="Calibri" panose="020F0502020204030204" pitchFamily="34" charset="0"/>
+                <a:cs typeface="Arial" panose="020B0604020202020204" pitchFamily="34" charset="0"/>
+              </a:rPr>
+              <a:t>h1</a:t>
+            </a:r>
+            <a:r>
+              <a:rPr lang="en-US" sz="1600" dirty="0">
+                <a:solidFill>
+                  <a:srgbClr val="000000"/>
+                </a:solidFill>
+                <a:latin typeface="Calibri" panose="020F0502020204030204" pitchFamily="34" charset="0"/>
+                <a:ea typeface="Calibri" panose="020F0502020204030204" pitchFamily="34" charset="0"/>
+                <a:cs typeface="Arial" panose="020B0604020202020204" pitchFamily="34" charset="0"/>
+              </a:rPr>
+              <a:t>&gt;React App&lt;/</a:t>
+            </a:r>
+            <a:r>
+              <a:rPr lang="en-US" sz="1600" b="1" dirty="0">
+                <a:solidFill>
+                  <a:srgbClr val="000080"/>
+                </a:solidFill>
+                <a:latin typeface="Calibri" panose="020F0502020204030204" pitchFamily="34" charset="0"/>
+                <a:ea typeface="Calibri" panose="020F0502020204030204" pitchFamily="34" charset="0"/>
+                <a:cs typeface="Arial" panose="020B0604020202020204" pitchFamily="34" charset="0"/>
+              </a:rPr>
+              <a:t>h1</a:t>
+            </a:r>
+            <a:r>
+              <a:rPr lang="en-US" sz="1600" dirty="0">
+                <a:solidFill>
+                  <a:srgbClr val="000000"/>
+                </a:solidFill>
+                <a:latin typeface="Calibri" panose="020F0502020204030204" pitchFamily="34" charset="0"/>
+                <a:ea typeface="Calibri" panose="020F0502020204030204" pitchFamily="34" charset="0"/>
+                <a:cs typeface="Arial" panose="020B0604020202020204" pitchFamily="34" charset="0"/>
+              </a:rPr>
+              <a:t>&gt;</a:t>
+            </a:r>
+            <a:br>
+              <a:rPr lang="en-US" sz="1600" dirty="0">
+                <a:solidFill>
+                  <a:srgbClr val="000000"/>
+                </a:solidFill>
+                <a:latin typeface="Calibri" panose="020F0502020204030204" pitchFamily="34" charset="0"/>
+                <a:ea typeface="Calibri" panose="020F0502020204030204" pitchFamily="34" charset="0"/>
+                <a:cs typeface="Arial" panose="020B0604020202020204" pitchFamily="34" charset="0"/>
+              </a:rPr>
+            </a:br>
+            <a:br>
+              <a:rPr lang="en-US" sz="1600" dirty="0">
+                <a:solidFill>
+                  <a:srgbClr val="000000"/>
+                </a:solidFill>
+                <a:latin typeface="Calibri" panose="020F0502020204030204" pitchFamily="34" charset="0"/>
+                <a:ea typeface="Calibri" panose="020F0502020204030204" pitchFamily="34" charset="0"/>
+                <a:cs typeface="Arial" panose="020B0604020202020204" pitchFamily="34" charset="0"/>
+              </a:rPr>
+            </a:br>
+            <a:r>
+              <a:rPr lang="en-US" sz="1600" dirty="0">
+                <a:solidFill>
+                  <a:srgbClr val="000000"/>
+                </a:solidFill>
+                <a:latin typeface="Calibri" panose="020F0502020204030204" pitchFamily="34" charset="0"/>
+                <a:ea typeface="Calibri" panose="020F0502020204030204" pitchFamily="34" charset="0"/>
+                <a:cs typeface="Arial" panose="020B0604020202020204" pitchFamily="34" charset="0"/>
+              </a:rPr>
+              <a:t>        &lt;</a:t>
+            </a:r>
+            <a:r>
+              <a:rPr lang="en-US" sz="1600" b="1" dirty="0">
+                <a:solidFill>
+                  <a:srgbClr val="000080"/>
+                </a:solidFill>
+                <a:latin typeface="Calibri" panose="020F0502020204030204" pitchFamily="34" charset="0"/>
+                <a:ea typeface="Calibri" panose="020F0502020204030204" pitchFamily="34" charset="0"/>
+                <a:cs typeface="Arial" panose="020B0604020202020204" pitchFamily="34" charset="0"/>
+              </a:rPr>
+              <a:t>button </a:t>
+            </a:r>
+            <a:r>
+              <a:rPr lang="en-US" sz="1600" b="1" dirty="0" err="1">
+                <a:solidFill>
+                  <a:srgbClr val="0000FF"/>
+                </a:solidFill>
+                <a:latin typeface="Calibri" panose="020F0502020204030204" pitchFamily="34" charset="0"/>
+                <a:ea typeface="Calibri" panose="020F0502020204030204" pitchFamily="34" charset="0"/>
+                <a:cs typeface="Arial" panose="020B0604020202020204" pitchFamily="34" charset="0"/>
+              </a:rPr>
+              <a:t>onClick</a:t>
+            </a:r>
+            <a:r>
+              <a:rPr lang="en-US" sz="1600" b="1" dirty="0">
+                <a:solidFill>
+                  <a:srgbClr val="008000"/>
+                </a:solidFill>
+                <a:latin typeface="Calibri" panose="020F0502020204030204" pitchFamily="34" charset="0"/>
+                <a:ea typeface="Calibri" panose="020F0502020204030204" pitchFamily="34" charset="0"/>
+                <a:cs typeface="Arial" panose="020B0604020202020204" pitchFamily="34" charset="0"/>
+              </a:rPr>
+              <a:t>=</a:t>
+            </a:r>
+            <a:r>
+              <a:rPr lang="en-US" sz="1600" dirty="0">
+                <a:solidFill>
+                  <a:srgbClr val="000000"/>
+                </a:solidFill>
+                <a:latin typeface="Calibri" panose="020F0502020204030204" pitchFamily="34" charset="0"/>
+                <a:ea typeface="Calibri" panose="020F0502020204030204" pitchFamily="34" charset="0"/>
+                <a:cs typeface="Arial" panose="020B0604020202020204" pitchFamily="34" charset="0"/>
+              </a:rPr>
+              <a:t>{</a:t>
+            </a:r>
+            <a:r>
+              <a:rPr lang="en-US" sz="1600" b="1" dirty="0" err="1">
+                <a:solidFill>
+                  <a:srgbClr val="000080"/>
+                </a:solidFill>
+                <a:latin typeface="Calibri" panose="020F0502020204030204" pitchFamily="34" charset="0"/>
+                <a:ea typeface="Calibri" panose="020F0502020204030204" pitchFamily="34" charset="0"/>
+                <a:cs typeface="Arial" panose="020B0604020202020204" pitchFamily="34" charset="0"/>
+              </a:rPr>
+              <a:t>this</a:t>
+            </a:r>
+            <a:r>
+              <a:rPr lang="en-US" sz="1600" dirty="0" err="1">
+                <a:solidFill>
+                  <a:srgbClr val="000000"/>
+                </a:solidFill>
+                <a:latin typeface="Calibri" panose="020F0502020204030204" pitchFamily="34" charset="0"/>
+                <a:ea typeface="Calibri" panose="020F0502020204030204" pitchFamily="34" charset="0"/>
+                <a:cs typeface="Arial" panose="020B0604020202020204" pitchFamily="34" charset="0"/>
+              </a:rPr>
+              <a:t>.</a:t>
+            </a:r>
+            <a:r>
+              <a:rPr lang="en-US" sz="1600" i="1" dirty="0" err="1">
+                <a:solidFill>
+                  <a:srgbClr val="000000"/>
+                </a:solidFill>
+                <a:latin typeface="Calibri" panose="020F0502020204030204" pitchFamily="34" charset="0"/>
+                <a:ea typeface="Calibri" panose="020F0502020204030204" pitchFamily="34" charset="0"/>
+                <a:cs typeface="Arial" panose="020B0604020202020204" pitchFamily="34" charset="0"/>
+              </a:rPr>
+              <a:t>logout</a:t>
+            </a:r>
+            <a:r>
+              <a:rPr lang="en-US" sz="1600" dirty="0">
+                <a:solidFill>
+                  <a:srgbClr val="000000"/>
+                </a:solidFill>
+                <a:latin typeface="Calibri" panose="020F0502020204030204" pitchFamily="34" charset="0"/>
+                <a:ea typeface="Calibri" panose="020F0502020204030204" pitchFamily="34" charset="0"/>
+                <a:cs typeface="Arial" panose="020B0604020202020204" pitchFamily="34" charset="0"/>
+              </a:rPr>
+              <a:t>}&gt;Logout&lt;/</a:t>
+            </a:r>
+            <a:r>
+              <a:rPr lang="en-US" sz="1600" b="1" dirty="0">
+                <a:solidFill>
+                  <a:srgbClr val="000080"/>
+                </a:solidFill>
+                <a:latin typeface="Calibri" panose="020F0502020204030204" pitchFamily="34" charset="0"/>
+                <a:ea typeface="Calibri" panose="020F0502020204030204" pitchFamily="34" charset="0"/>
+                <a:cs typeface="Arial" panose="020B0604020202020204" pitchFamily="34" charset="0"/>
+              </a:rPr>
+              <a:t>button</a:t>
+            </a:r>
+            <a:r>
+              <a:rPr lang="en-US" sz="1600" dirty="0">
+                <a:solidFill>
+                  <a:srgbClr val="000000"/>
+                </a:solidFill>
+                <a:latin typeface="Calibri" panose="020F0502020204030204" pitchFamily="34" charset="0"/>
+                <a:ea typeface="Calibri" panose="020F0502020204030204" pitchFamily="34" charset="0"/>
+                <a:cs typeface="Arial" panose="020B0604020202020204" pitchFamily="34" charset="0"/>
+              </a:rPr>
+              <a:t>&gt;</a:t>
+            </a:r>
+            <a:br>
+              <a:rPr lang="en-US" sz="1600" dirty="0">
+                <a:solidFill>
+                  <a:srgbClr val="000000"/>
+                </a:solidFill>
+                <a:latin typeface="Calibri" panose="020F0502020204030204" pitchFamily="34" charset="0"/>
+                <a:ea typeface="Calibri" panose="020F0502020204030204" pitchFamily="34" charset="0"/>
+                <a:cs typeface="Arial" panose="020B0604020202020204" pitchFamily="34" charset="0"/>
+              </a:rPr>
+            </a:br>
+            <a:br>
+              <a:rPr lang="en-US" sz="1600" dirty="0">
+                <a:solidFill>
+                  <a:srgbClr val="000000"/>
+                </a:solidFill>
+                <a:latin typeface="Calibri" panose="020F0502020204030204" pitchFamily="34" charset="0"/>
+                <a:ea typeface="Calibri" panose="020F0502020204030204" pitchFamily="34" charset="0"/>
+                <a:cs typeface="Arial" panose="020B0604020202020204" pitchFamily="34" charset="0"/>
+              </a:rPr>
+            </a:br>
+            <a:r>
+              <a:rPr lang="en-US" sz="1600" dirty="0">
+                <a:solidFill>
+                  <a:srgbClr val="000000"/>
+                </a:solidFill>
+                <a:latin typeface="Calibri" panose="020F0502020204030204" pitchFamily="34" charset="0"/>
+                <a:ea typeface="Calibri" panose="020F0502020204030204" pitchFamily="34" charset="0"/>
+                <a:cs typeface="Arial" panose="020B0604020202020204" pitchFamily="34" charset="0"/>
+              </a:rPr>
+              <a:t>        &lt;</a:t>
+            </a:r>
+            <a:r>
+              <a:rPr lang="en-US" sz="1600" b="1" dirty="0">
+                <a:solidFill>
+                  <a:srgbClr val="000080"/>
+                </a:solidFill>
+                <a:latin typeface="Calibri" panose="020F0502020204030204" pitchFamily="34" charset="0"/>
+                <a:ea typeface="Calibri" panose="020F0502020204030204" pitchFamily="34" charset="0"/>
+                <a:cs typeface="Arial" panose="020B0604020202020204" pitchFamily="34" charset="0"/>
+              </a:rPr>
+              <a:t>Home</a:t>
+            </a:r>
+            <a:r>
+              <a:rPr lang="en-US" sz="1600" dirty="0">
+                <a:solidFill>
+                  <a:srgbClr val="000000"/>
+                </a:solidFill>
+                <a:latin typeface="Calibri" panose="020F0502020204030204" pitchFamily="34" charset="0"/>
+                <a:ea typeface="Calibri" panose="020F0502020204030204" pitchFamily="34" charset="0"/>
+                <a:cs typeface="Arial" panose="020B0604020202020204" pitchFamily="34" charset="0"/>
+              </a:rPr>
+              <a:t>/&gt;</a:t>
+            </a:r>
+            <a:br>
+              <a:rPr lang="en-US" sz="1600" dirty="0">
+                <a:solidFill>
+                  <a:srgbClr val="000000"/>
+                </a:solidFill>
+                <a:latin typeface="Calibri" panose="020F0502020204030204" pitchFamily="34" charset="0"/>
+                <a:ea typeface="Calibri" panose="020F0502020204030204" pitchFamily="34" charset="0"/>
+                <a:cs typeface="Arial" panose="020B0604020202020204" pitchFamily="34" charset="0"/>
+              </a:rPr>
+            </a:br>
+            <a:r>
+              <a:rPr lang="en-US" sz="1600" dirty="0">
+                <a:solidFill>
+                  <a:srgbClr val="000000"/>
+                </a:solidFill>
+                <a:latin typeface="Calibri" panose="020F0502020204030204" pitchFamily="34" charset="0"/>
+                <a:ea typeface="Calibri" panose="020F0502020204030204" pitchFamily="34" charset="0"/>
+                <a:cs typeface="Arial" panose="020B0604020202020204" pitchFamily="34" charset="0"/>
+              </a:rPr>
+              <a:t>    &lt;/</a:t>
+            </a:r>
+            <a:r>
+              <a:rPr lang="en-US" sz="1600" b="1" dirty="0">
+                <a:solidFill>
+                  <a:srgbClr val="000080"/>
+                </a:solidFill>
+                <a:latin typeface="Calibri" panose="020F0502020204030204" pitchFamily="34" charset="0"/>
+                <a:ea typeface="Calibri" panose="020F0502020204030204" pitchFamily="34" charset="0"/>
+                <a:cs typeface="Arial" panose="020B0604020202020204" pitchFamily="34" charset="0"/>
+              </a:rPr>
+              <a:t>div</a:t>
+            </a:r>
+            <a:r>
+              <a:rPr lang="en-US" sz="1600" dirty="0">
+                <a:solidFill>
+                  <a:srgbClr val="000000"/>
+                </a:solidFill>
+                <a:latin typeface="Calibri" panose="020F0502020204030204" pitchFamily="34" charset="0"/>
+                <a:ea typeface="Calibri" panose="020F0502020204030204" pitchFamily="34" charset="0"/>
+                <a:cs typeface="Arial" panose="020B0604020202020204" pitchFamily="34" charset="0"/>
+              </a:rPr>
+              <a:t>&gt;</a:t>
+            </a:r>
+            <a:br>
+              <a:rPr lang="en-US" sz="1600" dirty="0">
+                <a:solidFill>
+                  <a:srgbClr val="000000"/>
+                </a:solidFill>
+                <a:latin typeface="Calibri" panose="020F0502020204030204" pitchFamily="34" charset="0"/>
+                <a:ea typeface="Calibri" panose="020F0502020204030204" pitchFamily="34" charset="0"/>
+                <a:cs typeface="Arial" panose="020B0604020202020204" pitchFamily="34" charset="0"/>
+              </a:rPr>
+            </a:br>
+            <a:r>
+              <a:rPr lang="en-US" sz="1600" dirty="0">
+                <a:solidFill>
+                  <a:srgbClr val="000000"/>
+                </a:solidFill>
+                <a:latin typeface="Calibri" panose="020F0502020204030204" pitchFamily="34" charset="0"/>
+                <a:ea typeface="Calibri" panose="020F0502020204030204" pitchFamily="34" charset="0"/>
+                <a:cs typeface="Arial" panose="020B0604020202020204" pitchFamily="34" charset="0"/>
+              </a:rPr>
+              <a:t>&lt;/</a:t>
+            </a:r>
+            <a:r>
+              <a:rPr lang="en-US" sz="1600" b="1" dirty="0" err="1">
+                <a:solidFill>
+                  <a:srgbClr val="000080"/>
+                </a:solidFill>
+                <a:latin typeface="Calibri" panose="020F0502020204030204" pitchFamily="34" charset="0"/>
+                <a:ea typeface="Calibri" panose="020F0502020204030204" pitchFamily="34" charset="0"/>
+                <a:cs typeface="Arial" panose="020B0604020202020204" pitchFamily="34" charset="0"/>
+              </a:rPr>
+              <a:t>UserContext.Provider</a:t>
+            </a:r>
+            <a:r>
+              <a:rPr lang="en-US" sz="1600" dirty="0">
+                <a:solidFill>
+                  <a:srgbClr val="000000"/>
+                </a:solidFill>
+                <a:latin typeface="Calibri" panose="020F0502020204030204" pitchFamily="34" charset="0"/>
+                <a:ea typeface="Calibri" panose="020F0502020204030204" pitchFamily="34" charset="0"/>
+                <a:cs typeface="Arial" panose="020B0604020202020204" pitchFamily="34" charset="0"/>
+              </a:rPr>
+              <a:t>&gt;</a:t>
+            </a:r>
+            <a:endParaRPr lang="he-IL" sz="1600" dirty="0"/>
+          </a:p>
+        </p:txBody>
+      </p:sp>
+      <p:sp>
+        <p:nvSpPr>
+          <p:cNvPr id="8" name="Rectangle: Rounded Corners 7">
+            <a:extLst>
+              <a:ext uri="{FF2B5EF4-FFF2-40B4-BE49-F238E27FC236}">
+                <a16:creationId xmlns:a16="http://schemas.microsoft.com/office/drawing/2014/main" id="{97118065-E3B3-4C4D-8695-2FCACDB8DEB6}"/>
+              </a:ext>
+            </a:extLst>
+          </p:cNvPr>
+          <p:cNvSpPr/>
+          <p:nvPr/>
+        </p:nvSpPr>
+        <p:spPr>
+          <a:xfrm>
+            <a:off x="7613115" y="3933056"/>
+            <a:ext cx="1313728" cy="936104"/>
+          </a:xfrm>
+          <a:prstGeom prst="roundRect">
+            <a:avLst/>
+          </a:prstGeom>
+        </p:spPr>
+        <p:style>
+          <a:lnRef idx="2">
+            <a:schemeClr val="accent2">
+              <a:shade val="50000"/>
+            </a:schemeClr>
+          </a:lnRef>
+          <a:fillRef idx="1">
+            <a:schemeClr val="accent2"/>
+          </a:fillRef>
+          <a:effectRef idx="0">
+            <a:schemeClr val="accent2"/>
+          </a:effectRef>
+          <a:fontRef idx="minor">
+            <a:schemeClr val="lt1"/>
+          </a:fontRef>
+        </p:style>
+        <p:txBody>
+          <a:bodyPr rtlCol="1" anchor="ctr"/>
+          <a:lstStyle/>
+          <a:p>
+            <a:pPr algn="ctr"/>
+            <a:r>
+              <a:rPr lang="en-US" sz="1400" dirty="0"/>
+              <a:t>Dynamically set context value</a:t>
+            </a:r>
+            <a:endParaRPr lang="he-IL" sz="1400" dirty="0"/>
+          </a:p>
+        </p:txBody>
+      </p:sp>
+      <p:cxnSp>
+        <p:nvCxnSpPr>
+          <p:cNvPr id="9" name="Straight Arrow Connector 8">
+            <a:extLst>
+              <a:ext uri="{FF2B5EF4-FFF2-40B4-BE49-F238E27FC236}">
+                <a16:creationId xmlns:a16="http://schemas.microsoft.com/office/drawing/2014/main" id="{4D792A4B-5760-47DC-9776-8849618B0D91}"/>
+              </a:ext>
+            </a:extLst>
+          </p:cNvPr>
+          <p:cNvCxnSpPr>
+            <a:cxnSpLocks/>
+            <a:stCxn id="8" idx="1"/>
+          </p:cNvCxnSpPr>
+          <p:nvPr/>
+        </p:nvCxnSpPr>
+        <p:spPr>
+          <a:xfrm flipH="1">
+            <a:off x="5652120" y="4401108"/>
+            <a:ext cx="1960995" cy="36004"/>
+          </a:xfrm>
+          <a:prstGeom prst="straightConnector1">
+            <a:avLst/>
+          </a:prstGeom>
+          <a:ln w="19050">
+            <a:tailEnd type="triangle"/>
+          </a:ln>
+        </p:spPr>
+        <p:style>
+          <a:lnRef idx="1">
+            <a:schemeClr val="accent2"/>
+          </a:lnRef>
+          <a:fillRef idx="0">
+            <a:schemeClr val="accent2"/>
+          </a:fillRef>
+          <a:effectRef idx="0">
+            <a:schemeClr val="accent2"/>
+          </a:effectRef>
+          <a:fontRef idx="minor">
+            <a:schemeClr val="tx1"/>
+          </a:fontRef>
+        </p:style>
+      </p:cxnSp>
+    </p:spTree>
+    <p:extLst>
+      <p:ext uri="{BB962C8B-B14F-4D97-AF65-F5344CB8AC3E}">
+        <p14:creationId xmlns:p14="http://schemas.microsoft.com/office/powerpoint/2010/main" val="3151382277"/>
+      </p:ext>
+    </p:extLst>
+  </p:cSld>
+  <p:clrMapOvr>
+    <a:masterClrMapping/>
+  </p:clrMapOvr>
+</p:sld>
+</file>
+
+<file path=ppt/slides/slide33.xml><?xml version="1.0" encoding="utf-8"?>
+<p:sld xmlns:a="http://schemas.openxmlformats.org/drawingml/2006/main" xmlns:r="http://schemas.openxmlformats.org/officeDocument/2006/relationships" xmlns:p="http://schemas.openxmlformats.org/presentationml/2006/main">
+  <p:cSld>
+    <p:spTree>
+      <p:nvGrpSpPr>
+        <p:cNvPr id="1" name=""/>
+        <p:cNvGrpSpPr/>
+        <p:nvPr/>
+      </p:nvGrpSpPr>
+      <p:grpSpPr>
+        <a:xfrm>
+          <a:off x="0" y="0"/>
+          <a:ext cx="0" cy="0"/>
+          <a:chOff x="0" y="0"/>
+          <a:chExt cx="0" cy="0"/>
+        </a:xfrm>
+      </p:grpSpPr>
+      <p:sp>
+        <p:nvSpPr>
+          <p:cNvPr id="2" name="Title 1">
+            <a:extLst>
+              <a:ext uri="{FF2B5EF4-FFF2-40B4-BE49-F238E27FC236}">
+                <a16:creationId xmlns:a16="http://schemas.microsoft.com/office/drawing/2014/main" id="{6419EF91-E026-4968-B29A-461C56BB5B05}"/>
+              </a:ext>
+            </a:extLst>
+          </p:cNvPr>
+          <p:cNvSpPr>
+            <a:spLocks noGrp="1"/>
+          </p:cNvSpPr>
+          <p:nvPr>
+            <p:ph type="title"/>
+          </p:nvPr>
+        </p:nvSpPr>
+        <p:spPr/>
+        <p:txBody>
+          <a:bodyPr/>
+          <a:lstStyle/>
+          <a:p>
+            <a:r>
+              <a:rPr lang="en-US" dirty="0"/>
+              <a:t>Context</a:t>
+            </a:r>
+            <a:endParaRPr lang="he-IL" dirty="0"/>
+          </a:p>
+        </p:txBody>
+      </p:sp>
+      <p:sp>
+        <p:nvSpPr>
+          <p:cNvPr id="3" name="Footer Placeholder 2">
+            <a:extLst>
+              <a:ext uri="{FF2B5EF4-FFF2-40B4-BE49-F238E27FC236}">
+                <a16:creationId xmlns:a16="http://schemas.microsoft.com/office/drawing/2014/main" id="{49EE7890-D7A0-4F4E-B873-EBFFCCE7E79D}"/>
+              </a:ext>
+            </a:extLst>
+          </p:cNvPr>
+          <p:cNvSpPr>
+            <a:spLocks noGrp="1"/>
+          </p:cNvSpPr>
+          <p:nvPr>
+            <p:ph type="ftr" sz="quarter" idx="11"/>
+          </p:nvPr>
+        </p:nvSpPr>
+        <p:spPr/>
+        <p:txBody>
+          <a:bodyPr/>
+          <a:lstStyle/>
+          <a:p>
+            <a:r>
+              <a:rPr lang="en-US"/>
+              <a:t>© 2018 Ori Calvo</a:t>
+            </a:r>
+            <a:endParaRPr lang="en-US" dirty="0"/>
+          </a:p>
+        </p:txBody>
+      </p:sp>
+      <p:sp>
+        <p:nvSpPr>
+          <p:cNvPr id="4" name="Slide Number Placeholder 3">
+            <a:extLst>
+              <a:ext uri="{FF2B5EF4-FFF2-40B4-BE49-F238E27FC236}">
+                <a16:creationId xmlns:a16="http://schemas.microsoft.com/office/drawing/2014/main" id="{20F3D056-FB8E-4BAF-9993-0B373931DACB}"/>
+              </a:ext>
+            </a:extLst>
+          </p:cNvPr>
+          <p:cNvSpPr>
+            <a:spLocks noGrp="1"/>
+          </p:cNvSpPr>
+          <p:nvPr>
+            <p:ph type="sldNum" sz="quarter" idx="12"/>
+          </p:nvPr>
+        </p:nvSpPr>
+        <p:spPr/>
+        <p:txBody>
+          <a:bodyPr>
+            <a:normAutofit fontScale="85000" lnSpcReduction="20000"/>
+          </a:bodyPr>
+          <a:lstStyle/>
+          <a:p>
+            <a:fld id="{87B78B44-2135-4DB2-B732-E7D5FFF77B6A}" type="slidenum">
+              <a:rPr lang="en-US" smtClean="0"/>
+              <a:pPr/>
+              <a:t>33</a:t>
+            </a:fld>
+            <a:endParaRPr lang="en-US"/>
+          </a:p>
+        </p:txBody>
+      </p:sp>
+      <p:sp>
+        <p:nvSpPr>
+          <p:cNvPr id="5" name="Content Placeholder 4">
+            <a:extLst>
+              <a:ext uri="{FF2B5EF4-FFF2-40B4-BE49-F238E27FC236}">
+                <a16:creationId xmlns:a16="http://schemas.microsoft.com/office/drawing/2014/main" id="{519AF383-F7D5-4AE1-B3CF-38F3CF5451D2}"/>
+              </a:ext>
+            </a:extLst>
+          </p:cNvPr>
+          <p:cNvSpPr>
+            <a:spLocks noGrp="1"/>
+          </p:cNvSpPr>
+          <p:nvPr>
+            <p:ph sz="quarter" idx="1"/>
+          </p:nvPr>
+        </p:nvSpPr>
+        <p:spPr/>
+        <p:txBody>
+          <a:bodyPr/>
+          <a:lstStyle/>
+          <a:p>
+            <a:r>
+              <a:rPr lang="en-US" dirty="0"/>
+              <a:t>Consume it every where</a:t>
+            </a:r>
+            <a:endParaRPr lang="he-IL" dirty="0"/>
+          </a:p>
+        </p:txBody>
+      </p:sp>
+      <p:sp>
+        <p:nvSpPr>
+          <p:cNvPr id="6" name="Rectangle 5">
+            <a:extLst>
+              <a:ext uri="{FF2B5EF4-FFF2-40B4-BE49-F238E27FC236}">
+                <a16:creationId xmlns:a16="http://schemas.microsoft.com/office/drawing/2014/main" id="{5DD83CD4-DCD4-4E73-9A41-C0BAD27D2FB6}"/>
+              </a:ext>
+            </a:extLst>
+          </p:cNvPr>
+          <p:cNvSpPr/>
+          <p:nvPr/>
+        </p:nvSpPr>
+        <p:spPr>
+          <a:xfrm>
+            <a:off x="1700808" y="2276872"/>
+            <a:ext cx="5742384" cy="4031873"/>
+          </a:xfrm>
+          <a:prstGeom prst="rect">
+            <a:avLst/>
+          </a:prstGeom>
+          <a:solidFill>
+            <a:schemeClr val="accent1">
+              <a:lumMod val="40000"/>
+              <a:lumOff val="60000"/>
+            </a:schemeClr>
+          </a:solidFill>
+        </p:spPr>
+        <p:txBody>
+          <a:bodyPr wrap="square">
+            <a:spAutoFit/>
+          </a:bodyPr>
+          <a:lstStyle/>
+          <a:p>
+            <a:r>
+              <a:rPr lang="en-US" sz="1600" b="1" dirty="0">
+                <a:solidFill>
+                  <a:srgbClr val="000080"/>
+                </a:solidFill>
+                <a:latin typeface="Calibri" panose="020F0502020204030204" pitchFamily="34" charset="0"/>
+                <a:ea typeface="Calibri" panose="020F0502020204030204" pitchFamily="34" charset="0"/>
+                <a:cs typeface="Arial" panose="020B0604020202020204" pitchFamily="34" charset="0"/>
+              </a:rPr>
+              <a:t>export class </a:t>
+            </a:r>
+            <a:r>
+              <a:rPr lang="en-US" sz="1600" dirty="0" err="1">
+                <a:solidFill>
+                  <a:srgbClr val="000000"/>
+                </a:solidFill>
+                <a:latin typeface="Calibri" panose="020F0502020204030204" pitchFamily="34" charset="0"/>
+                <a:ea typeface="Calibri" panose="020F0502020204030204" pitchFamily="34" charset="0"/>
+                <a:cs typeface="Arial" panose="020B0604020202020204" pitchFamily="34" charset="0"/>
+              </a:rPr>
+              <a:t>UserStatus</a:t>
+            </a:r>
+            <a:r>
+              <a:rPr lang="en-US" sz="1600" dirty="0">
+                <a:solidFill>
+                  <a:srgbClr val="000000"/>
+                </a:solidFill>
+                <a:latin typeface="Calibri" panose="020F0502020204030204" pitchFamily="34" charset="0"/>
+                <a:ea typeface="Calibri" panose="020F0502020204030204" pitchFamily="34" charset="0"/>
+                <a:cs typeface="Arial" panose="020B0604020202020204" pitchFamily="34" charset="0"/>
+              </a:rPr>
+              <a:t> </a:t>
+            </a:r>
+            <a:r>
+              <a:rPr lang="en-US" sz="1600" b="1" dirty="0">
+                <a:solidFill>
+                  <a:srgbClr val="000080"/>
+                </a:solidFill>
+                <a:latin typeface="Calibri" panose="020F0502020204030204" pitchFamily="34" charset="0"/>
+                <a:ea typeface="Calibri" panose="020F0502020204030204" pitchFamily="34" charset="0"/>
+                <a:cs typeface="Arial" panose="020B0604020202020204" pitchFamily="34" charset="0"/>
+              </a:rPr>
+              <a:t>extends </a:t>
+            </a:r>
+            <a:r>
+              <a:rPr lang="en-US" sz="1600" dirty="0" err="1">
+                <a:solidFill>
+                  <a:srgbClr val="000000"/>
+                </a:solidFill>
+                <a:latin typeface="Calibri" panose="020F0502020204030204" pitchFamily="34" charset="0"/>
+                <a:ea typeface="Calibri" panose="020F0502020204030204" pitchFamily="34" charset="0"/>
+                <a:cs typeface="Arial" panose="020B0604020202020204" pitchFamily="34" charset="0"/>
+              </a:rPr>
+              <a:t>React.Component</a:t>
+            </a:r>
+            <a:r>
+              <a:rPr lang="en-US" sz="1600" dirty="0">
+                <a:solidFill>
+                  <a:srgbClr val="000000"/>
+                </a:solidFill>
+                <a:latin typeface="Calibri" panose="020F0502020204030204" pitchFamily="34" charset="0"/>
+                <a:ea typeface="Calibri" panose="020F0502020204030204" pitchFamily="34" charset="0"/>
+                <a:cs typeface="Arial" panose="020B0604020202020204" pitchFamily="34" charset="0"/>
+              </a:rPr>
+              <a:t> {</a:t>
+            </a:r>
+            <a:br>
+              <a:rPr lang="en-US" sz="1600" dirty="0">
+                <a:solidFill>
+                  <a:srgbClr val="000000"/>
+                </a:solidFill>
+                <a:latin typeface="Calibri" panose="020F0502020204030204" pitchFamily="34" charset="0"/>
+                <a:ea typeface="Calibri" panose="020F0502020204030204" pitchFamily="34" charset="0"/>
+                <a:cs typeface="Arial" panose="020B0604020202020204" pitchFamily="34" charset="0"/>
+              </a:rPr>
+            </a:br>
+            <a:r>
+              <a:rPr lang="en-US" sz="1600" dirty="0">
+                <a:solidFill>
+                  <a:srgbClr val="000000"/>
+                </a:solidFill>
+                <a:latin typeface="Calibri" panose="020F0502020204030204" pitchFamily="34" charset="0"/>
+                <a:ea typeface="Calibri" panose="020F0502020204030204" pitchFamily="34" charset="0"/>
+                <a:cs typeface="Arial" panose="020B0604020202020204" pitchFamily="34" charset="0"/>
+              </a:rPr>
+              <a:t>    </a:t>
+            </a:r>
+            <a:r>
+              <a:rPr lang="en-US" sz="1600" b="1" dirty="0">
+                <a:solidFill>
+                  <a:srgbClr val="000080"/>
+                </a:solidFill>
+                <a:latin typeface="Calibri" panose="020F0502020204030204" pitchFamily="34" charset="0"/>
+                <a:ea typeface="Calibri" panose="020F0502020204030204" pitchFamily="34" charset="0"/>
+                <a:cs typeface="Arial" panose="020B0604020202020204" pitchFamily="34" charset="0"/>
+              </a:rPr>
+              <a:t>constructor</a:t>
+            </a:r>
+            <a:r>
+              <a:rPr lang="en-US" sz="1600" dirty="0">
+                <a:solidFill>
+                  <a:srgbClr val="000000"/>
+                </a:solidFill>
+                <a:latin typeface="Calibri" panose="020F0502020204030204" pitchFamily="34" charset="0"/>
+                <a:ea typeface="Calibri" panose="020F0502020204030204" pitchFamily="34" charset="0"/>
+                <a:cs typeface="Arial" panose="020B0604020202020204" pitchFamily="34" charset="0"/>
+              </a:rPr>
+              <a:t>(props) {</a:t>
+            </a:r>
+            <a:br>
+              <a:rPr lang="en-US" sz="1600" dirty="0">
+                <a:solidFill>
+                  <a:srgbClr val="000000"/>
+                </a:solidFill>
+                <a:latin typeface="Calibri" panose="020F0502020204030204" pitchFamily="34" charset="0"/>
+                <a:ea typeface="Calibri" panose="020F0502020204030204" pitchFamily="34" charset="0"/>
+                <a:cs typeface="Arial" panose="020B0604020202020204" pitchFamily="34" charset="0"/>
+              </a:rPr>
+            </a:br>
+            <a:r>
+              <a:rPr lang="en-US" sz="1600" dirty="0">
+                <a:solidFill>
+                  <a:srgbClr val="000000"/>
+                </a:solidFill>
+                <a:latin typeface="Calibri" panose="020F0502020204030204" pitchFamily="34" charset="0"/>
+                <a:ea typeface="Calibri" panose="020F0502020204030204" pitchFamily="34" charset="0"/>
+                <a:cs typeface="Arial" panose="020B0604020202020204" pitchFamily="34" charset="0"/>
+              </a:rPr>
+              <a:t>        </a:t>
+            </a:r>
+            <a:r>
+              <a:rPr lang="en-US" sz="1600" b="1" dirty="0">
+                <a:solidFill>
+                  <a:srgbClr val="000080"/>
+                </a:solidFill>
+                <a:latin typeface="Calibri" panose="020F0502020204030204" pitchFamily="34" charset="0"/>
+                <a:ea typeface="Calibri" panose="020F0502020204030204" pitchFamily="34" charset="0"/>
+                <a:cs typeface="Arial" panose="020B0604020202020204" pitchFamily="34" charset="0"/>
+              </a:rPr>
+              <a:t>super</a:t>
+            </a:r>
+            <a:r>
+              <a:rPr lang="en-US" sz="1600" dirty="0">
+                <a:solidFill>
+                  <a:srgbClr val="000000"/>
+                </a:solidFill>
+                <a:latin typeface="Calibri" panose="020F0502020204030204" pitchFamily="34" charset="0"/>
+                <a:ea typeface="Calibri" panose="020F0502020204030204" pitchFamily="34" charset="0"/>
+                <a:cs typeface="Arial" panose="020B0604020202020204" pitchFamily="34" charset="0"/>
+              </a:rPr>
+              <a:t>(props);</a:t>
+            </a:r>
+            <a:br>
+              <a:rPr lang="en-US" sz="1600" dirty="0">
+                <a:solidFill>
+                  <a:srgbClr val="000000"/>
+                </a:solidFill>
+                <a:latin typeface="Calibri" panose="020F0502020204030204" pitchFamily="34" charset="0"/>
+                <a:ea typeface="Calibri" panose="020F0502020204030204" pitchFamily="34" charset="0"/>
+                <a:cs typeface="Arial" panose="020B0604020202020204" pitchFamily="34" charset="0"/>
+              </a:rPr>
+            </a:br>
+            <a:r>
+              <a:rPr lang="en-US" sz="1600" dirty="0">
+                <a:solidFill>
+                  <a:srgbClr val="000000"/>
+                </a:solidFill>
+                <a:latin typeface="Calibri" panose="020F0502020204030204" pitchFamily="34" charset="0"/>
+                <a:ea typeface="Calibri" panose="020F0502020204030204" pitchFamily="34" charset="0"/>
+                <a:cs typeface="Arial" panose="020B0604020202020204" pitchFamily="34" charset="0"/>
+              </a:rPr>
+              <a:t>    }</a:t>
+            </a:r>
+            <a:br>
+              <a:rPr lang="en-US" sz="1600" dirty="0">
+                <a:solidFill>
+                  <a:srgbClr val="000000"/>
+                </a:solidFill>
+                <a:latin typeface="Calibri" panose="020F0502020204030204" pitchFamily="34" charset="0"/>
+                <a:ea typeface="Calibri" panose="020F0502020204030204" pitchFamily="34" charset="0"/>
+                <a:cs typeface="Arial" panose="020B0604020202020204" pitchFamily="34" charset="0"/>
+              </a:rPr>
+            </a:br>
+            <a:br>
+              <a:rPr lang="en-US" sz="1600" dirty="0">
+                <a:solidFill>
+                  <a:srgbClr val="000000"/>
+                </a:solidFill>
+                <a:latin typeface="Calibri" panose="020F0502020204030204" pitchFamily="34" charset="0"/>
+                <a:ea typeface="Calibri" panose="020F0502020204030204" pitchFamily="34" charset="0"/>
+                <a:cs typeface="Arial" panose="020B0604020202020204" pitchFamily="34" charset="0"/>
+              </a:rPr>
+            </a:br>
+            <a:r>
+              <a:rPr lang="en-US" sz="1600" dirty="0">
+                <a:solidFill>
+                  <a:srgbClr val="000000"/>
+                </a:solidFill>
+                <a:latin typeface="Calibri" panose="020F0502020204030204" pitchFamily="34" charset="0"/>
+                <a:ea typeface="Calibri" panose="020F0502020204030204" pitchFamily="34" charset="0"/>
+                <a:cs typeface="Arial" panose="020B0604020202020204" pitchFamily="34" charset="0"/>
+              </a:rPr>
+              <a:t>    </a:t>
+            </a:r>
+            <a:r>
+              <a:rPr lang="en-US" sz="1600" dirty="0">
+                <a:solidFill>
+                  <a:srgbClr val="7A7A43"/>
+                </a:solidFill>
+                <a:latin typeface="Calibri" panose="020F0502020204030204" pitchFamily="34" charset="0"/>
+                <a:ea typeface="Calibri" panose="020F0502020204030204" pitchFamily="34" charset="0"/>
+                <a:cs typeface="Arial" panose="020B0604020202020204" pitchFamily="34" charset="0"/>
+              </a:rPr>
+              <a:t>render</a:t>
+            </a:r>
+            <a:r>
+              <a:rPr lang="en-US" sz="1600" dirty="0">
+                <a:solidFill>
+                  <a:srgbClr val="000000"/>
+                </a:solidFill>
+                <a:latin typeface="Calibri" panose="020F0502020204030204" pitchFamily="34" charset="0"/>
+                <a:ea typeface="Calibri" panose="020F0502020204030204" pitchFamily="34" charset="0"/>
+                <a:cs typeface="Arial" panose="020B0604020202020204" pitchFamily="34" charset="0"/>
+              </a:rPr>
+              <a:t>() {</a:t>
+            </a:r>
+            <a:br>
+              <a:rPr lang="en-US" sz="1600" dirty="0">
+                <a:solidFill>
+                  <a:srgbClr val="000000"/>
+                </a:solidFill>
+                <a:latin typeface="Calibri" panose="020F0502020204030204" pitchFamily="34" charset="0"/>
+                <a:ea typeface="Calibri" panose="020F0502020204030204" pitchFamily="34" charset="0"/>
+                <a:cs typeface="Arial" panose="020B0604020202020204" pitchFamily="34" charset="0"/>
+              </a:rPr>
+            </a:br>
+            <a:r>
+              <a:rPr lang="en-US" sz="1600" dirty="0">
+                <a:solidFill>
+                  <a:srgbClr val="000000"/>
+                </a:solidFill>
+                <a:latin typeface="Calibri" panose="020F0502020204030204" pitchFamily="34" charset="0"/>
+                <a:ea typeface="Calibri" panose="020F0502020204030204" pitchFamily="34" charset="0"/>
+                <a:cs typeface="Arial" panose="020B0604020202020204" pitchFamily="34" charset="0"/>
+              </a:rPr>
+              <a:t>        </a:t>
+            </a:r>
+            <a:r>
+              <a:rPr lang="en-US" sz="1600" b="1" dirty="0">
+                <a:solidFill>
+                  <a:srgbClr val="000080"/>
+                </a:solidFill>
+                <a:latin typeface="Calibri" panose="020F0502020204030204" pitchFamily="34" charset="0"/>
+                <a:ea typeface="Calibri" panose="020F0502020204030204" pitchFamily="34" charset="0"/>
+                <a:cs typeface="Arial" panose="020B0604020202020204" pitchFamily="34" charset="0"/>
+              </a:rPr>
+              <a:t>const </a:t>
+            </a:r>
+            <a:r>
+              <a:rPr lang="en-US" sz="1600" dirty="0">
+                <a:solidFill>
+                  <a:srgbClr val="458383"/>
+                </a:solidFill>
+                <a:latin typeface="Calibri" panose="020F0502020204030204" pitchFamily="34" charset="0"/>
+                <a:ea typeface="Calibri" panose="020F0502020204030204" pitchFamily="34" charset="0"/>
+                <a:cs typeface="Arial" panose="020B0604020202020204" pitchFamily="34" charset="0"/>
+              </a:rPr>
+              <a:t>now </a:t>
+            </a:r>
+            <a:r>
+              <a:rPr lang="en-US" sz="1600" dirty="0">
+                <a:solidFill>
+                  <a:srgbClr val="000000"/>
+                </a:solidFill>
+                <a:latin typeface="Calibri" panose="020F0502020204030204" pitchFamily="34" charset="0"/>
+                <a:ea typeface="Calibri" panose="020F0502020204030204" pitchFamily="34" charset="0"/>
+                <a:cs typeface="Arial" panose="020B0604020202020204" pitchFamily="34" charset="0"/>
+              </a:rPr>
+              <a:t>= </a:t>
+            </a:r>
+            <a:r>
+              <a:rPr lang="en-US" sz="1600" b="1" dirty="0">
+                <a:solidFill>
+                  <a:srgbClr val="000080"/>
+                </a:solidFill>
+                <a:latin typeface="Calibri" panose="020F0502020204030204" pitchFamily="34" charset="0"/>
+                <a:ea typeface="Calibri" panose="020F0502020204030204" pitchFamily="34" charset="0"/>
+                <a:cs typeface="Arial" panose="020B0604020202020204" pitchFamily="34" charset="0"/>
+              </a:rPr>
+              <a:t>new </a:t>
+            </a:r>
+            <a:r>
+              <a:rPr lang="en-US" sz="1600" b="1" i="1" dirty="0">
+                <a:solidFill>
+                  <a:srgbClr val="660E7A"/>
+                </a:solidFill>
+                <a:latin typeface="Calibri" panose="020F0502020204030204" pitchFamily="34" charset="0"/>
+                <a:ea typeface="Calibri" panose="020F0502020204030204" pitchFamily="34" charset="0"/>
+                <a:cs typeface="Arial" panose="020B0604020202020204" pitchFamily="34" charset="0"/>
+              </a:rPr>
+              <a:t>Date</a:t>
+            </a:r>
+            <a:r>
+              <a:rPr lang="en-US" sz="1600" dirty="0">
+                <a:solidFill>
+                  <a:srgbClr val="000000"/>
+                </a:solidFill>
+                <a:latin typeface="Calibri" panose="020F0502020204030204" pitchFamily="34" charset="0"/>
+                <a:ea typeface="Calibri" panose="020F0502020204030204" pitchFamily="34" charset="0"/>
+                <a:cs typeface="Arial" panose="020B0604020202020204" pitchFamily="34" charset="0"/>
+              </a:rPr>
+              <a:t>();</a:t>
+            </a:r>
+            <a:br>
+              <a:rPr lang="en-US" sz="1600" dirty="0">
+                <a:solidFill>
+                  <a:srgbClr val="000000"/>
+                </a:solidFill>
+                <a:latin typeface="Calibri" panose="020F0502020204030204" pitchFamily="34" charset="0"/>
+                <a:ea typeface="Calibri" panose="020F0502020204030204" pitchFamily="34" charset="0"/>
+                <a:cs typeface="Arial" panose="020B0604020202020204" pitchFamily="34" charset="0"/>
+              </a:rPr>
+            </a:br>
+            <a:br>
+              <a:rPr lang="en-US" sz="1600" dirty="0">
+                <a:solidFill>
+                  <a:srgbClr val="000000"/>
+                </a:solidFill>
+                <a:latin typeface="Calibri" panose="020F0502020204030204" pitchFamily="34" charset="0"/>
+                <a:ea typeface="Calibri" panose="020F0502020204030204" pitchFamily="34" charset="0"/>
+                <a:cs typeface="Arial" panose="020B0604020202020204" pitchFamily="34" charset="0"/>
+              </a:rPr>
+            </a:br>
+            <a:r>
+              <a:rPr lang="en-US" sz="1600" dirty="0">
+                <a:solidFill>
+                  <a:srgbClr val="000000"/>
+                </a:solidFill>
+                <a:latin typeface="Calibri" panose="020F0502020204030204" pitchFamily="34" charset="0"/>
+                <a:ea typeface="Calibri" panose="020F0502020204030204" pitchFamily="34" charset="0"/>
+                <a:cs typeface="Arial" panose="020B0604020202020204" pitchFamily="34" charset="0"/>
+              </a:rPr>
+              <a:t>        </a:t>
+            </a:r>
+            <a:r>
+              <a:rPr lang="en-US" sz="1600" b="1" dirty="0">
+                <a:solidFill>
+                  <a:srgbClr val="000080"/>
+                </a:solidFill>
+                <a:latin typeface="Calibri" panose="020F0502020204030204" pitchFamily="34" charset="0"/>
+                <a:ea typeface="Calibri" panose="020F0502020204030204" pitchFamily="34" charset="0"/>
+                <a:cs typeface="Arial" panose="020B0604020202020204" pitchFamily="34" charset="0"/>
+              </a:rPr>
+              <a:t>return </a:t>
+            </a:r>
+            <a:r>
+              <a:rPr lang="en-US" sz="1600" dirty="0">
+                <a:solidFill>
+                  <a:srgbClr val="000000"/>
+                </a:solidFill>
+                <a:latin typeface="Calibri" panose="020F0502020204030204" pitchFamily="34" charset="0"/>
+                <a:ea typeface="Calibri" panose="020F0502020204030204" pitchFamily="34" charset="0"/>
+                <a:cs typeface="Arial" panose="020B0604020202020204" pitchFamily="34" charset="0"/>
+              </a:rPr>
+              <a:t>&lt;</a:t>
+            </a:r>
+            <a:r>
+              <a:rPr lang="en-US" sz="1600" b="1" dirty="0" err="1">
+                <a:solidFill>
+                  <a:srgbClr val="000080"/>
+                </a:solidFill>
+                <a:latin typeface="Calibri" panose="020F0502020204030204" pitchFamily="34" charset="0"/>
+                <a:ea typeface="Calibri" panose="020F0502020204030204" pitchFamily="34" charset="0"/>
+                <a:cs typeface="Arial" panose="020B0604020202020204" pitchFamily="34" charset="0"/>
+              </a:rPr>
+              <a:t>UserContext.Consumer</a:t>
+            </a:r>
+            <a:r>
+              <a:rPr lang="en-US" sz="1600" dirty="0">
+                <a:solidFill>
+                  <a:srgbClr val="000000"/>
+                </a:solidFill>
+                <a:latin typeface="Calibri" panose="020F0502020204030204" pitchFamily="34" charset="0"/>
+                <a:ea typeface="Calibri" panose="020F0502020204030204" pitchFamily="34" charset="0"/>
+                <a:cs typeface="Arial" panose="020B0604020202020204" pitchFamily="34" charset="0"/>
+              </a:rPr>
+              <a:t>&gt;</a:t>
+            </a:r>
+            <a:br>
+              <a:rPr lang="en-US" sz="1600" dirty="0">
+                <a:solidFill>
+                  <a:srgbClr val="000000"/>
+                </a:solidFill>
+                <a:latin typeface="Calibri" panose="020F0502020204030204" pitchFamily="34" charset="0"/>
+                <a:ea typeface="Calibri" panose="020F0502020204030204" pitchFamily="34" charset="0"/>
+                <a:cs typeface="Arial" panose="020B0604020202020204" pitchFamily="34" charset="0"/>
+              </a:rPr>
+            </a:br>
+            <a:r>
+              <a:rPr lang="en-US" sz="1600" dirty="0">
+                <a:solidFill>
+                  <a:srgbClr val="000000"/>
+                </a:solidFill>
+                <a:latin typeface="Calibri" panose="020F0502020204030204" pitchFamily="34" charset="0"/>
+                <a:ea typeface="Calibri" panose="020F0502020204030204" pitchFamily="34" charset="0"/>
+                <a:cs typeface="Arial" panose="020B0604020202020204" pitchFamily="34" charset="0"/>
+              </a:rPr>
+              <a:t>            {</a:t>
+            </a:r>
+            <a:br>
+              <a:rPr lang="en-US" sz="1600" dirty="0">
+                <a:solidFill>
+                  <a:srgbClr val="000000"/>
+                </a:solidFill>
+                <a:latin typeface="Calibri" panose="020F0502020204030204" pitchFamily="34" charset="0"/>
+                <a:ea typeface="Calibri" panose="020F0502020204030204" pitchFamily="34" charset="0"/>
+                <a:cs typeface="Arial" panose="020B0604020202020204" pitchFamily="34" charset="0"/>
+              </a:rPr>
+            </a:br>
+            <a:r>
+              <a:rPr lang="en-US" sz="1600" dirty="0">
+                <a:solidFill>
+                  <a:srgbClr val="000000"/>
+                </a:solidFill>
+                <a:latin typeface="Calibri" panose="020F0502020204030204" pitchFamily="34" charset="0"/>
+                <a:ea typeface="Calibri" panose="020F0502020204030204" pitchFamily="34" charset="0"/>
+                <a:cs typeface="Arial" panose="020B0604020202020204" pitchFamily="34" charset="0"/>
+              </a:rPr>
+              <a:t>                user =&gt; (user ? &lt;</a:t>
+            </a:r>
+            <a:r>
+              <a:rPr lang="en-US" sz="1600" b="1" dirty="0">
+                <a:solidFill>
+                  <a:srgbClr val="000080"/>
+                </a:solidFill>
+                <a:latin typeface="Calibri" panose="020F0502020204030204" pitchFamily="34" charset="0"/>
+                <a:ea typeface="Calibri" panose="020F0502020204030204" pitchFamily="34" charset="0"/>
+                <a:cs typeface="Arial" panose="020B0604020202020204" pitchFamily="34" charset="0"/>
+              </a:rPr>
+              <a:t>span</a:t>
+            </a:r>
+            <a:r>
+              <a:rPr lang="en-US" sz="1600" dirty="0">
+                <a:solidFill>
+                  <a:srgbClr val="000000"/>
+                </a:solidFill>
+                <a:latin typeface="Calibri" panose="020F0502020204030204" pitchFamily="34" charset="0"/>
+                <a:ea typeface="Calibri" panose="020F0502020204030204" pitchFamily="34" charset="0"/>
+                <a:cs typeface="Arial" panose="020B0604020202020204" pitchFamily="34" charset="0"/>
+              </a:rPr>
+              <a:t>&gt;Hello, {user.</a:t>
+            </a:r>
+            <a:r>
+              <a:rPr lang="en-US" sz="1600" b="1" dirty="0">
+                <a:solidFill>
+                  <a:srgbClr val="660E7A"/>
+                </a:solidFill>
+                <a:latin typeface="Calibri" panose="020F0502020204030204" pitchFamily="34" charset="0"/>
+                <a:ea typeface="Calibri" panose="020F0502020204030204" pitchFamily="34" charset="0"/>
+                <a:cs typeface="Arial" panose="020B0604020202020204" pitchFamily="34" charset="0"/>
+              </a:rPr>
+              <a:t>name</a:t>
+            </a:r>
+            <a:r>
+              <a:rPr lang="en-US" sz="1600" dirty="0">
+                <a:solidFill>
+                  <a:srgbClr val="000000"/>
+                </a:solidFill>
+                <a:latin typeface="Calibri" panose="020F0502020204030204" pitchFamily="34" charset="0"/>
+                <a:ea typeface="Calibri" panose="020F0502020204030204" pitchFamily="34" charset="0"/>
+                <a:cs typeface="Arial" panose="020B0604020202020204" pitchFamily="34" charset="0"/>
+              </a:rPr>
+              <a:t>}&lt;/</a:t>
+            </a:r>
+            <a:r>
+              <a:rPr lang="en-US" sz="1600" b="1" dirty="0">
+                <a:solidFill>
+                  <a:srgbClr val="000080"/>
+                </a:solidFill>
+                <a:latin typeface="Calibri" panose="020F0502020204030204" pitchFamily="34" charset="0"/>
+                <a:ea typeface="Calibri" panose="020F0502020204030204" pitchFamily="34" charset="0"/>
+                <a:cs typeface="Arial" panose="020B0604020202020204" pitchFamily="34" charset="0"/>
+              </a:rPr>
+              <a:t>span</a:t>
+            </a:r>
+            <a:r>
+              <a:rPr lang="en-US" sz="1600" dirty="0">
+                <a:solidFill>
+                  <a:srgbClr val="000000"/>
+                </a:solidFill>
+                <a:latin typeface="Calibri" panose="020F0502020204030204" pitchFamily="34" charset="0"/>
+                <a:ea typeface="Calibri" panose="020F0502020204030204" pitchFamily="34" charset="0"/>
+                <a:cs typeface="Arial" panose="020B0604020202020204" pitchFamily="34" charset="0"/>
+              </a:rPr>
+              <a:t>&gt; : </a:t>
+            </a:r>
+            <a:r>
+              <a:rPr lang="en-US" sz="1600" b="1" dirty="0">
+                <a:solidFill>
+                  <a:srgbClr val="000080"/>
+                </a:solidFill>
+                <a:latin typeface="Calibri" panose="020F0502020204030204" pitchFamily="34" charset="0"/>
+                <a:ea typeface="Calibri" panose="020F0502020204030204" pitchFamily="34" charset="0"/>
+                <a:cs typeface="Arial" panose="020B0604020202020204" pitchFamily="34" charset="0"/>
+              </a:rPr>
+              <a:t>null</a:t>
+            </a:r>
+            <a:r>
+              <a:rPr lang="en-US" sz="1600" dirty="0">
+                <a:solidFill>
+                  <a:srgbClr val="000000"/>
+                </a:solidFill>
+                <a:latin typeface="Calibri" panose="020F0502020204030204" pitchFamily="34" charset="0"/>
+                <a:ea typeface="Calibri" panose="020F0502020204030204" pitchFamily="34" charset="0"/>
+                <a:cs typeface="Arial" panose="020B0604020202020204" pitchFamily="34" charset="0"/>
+              </a:rPr>
+              <a:t>)</a:t>
+            </a:r>
+            <a:br>
+              <a:rPr lang="en-US" sz="1600" dirty="0">
+                <a:solidFill>
+                  <a:srgbClr val="000000"/>
+                </a:solidFill>
+                <a:latin typeface="Calibri" panose="020F0502020204030204" pitchFamily="34" charset="0"/>
+                <a:ea typeface="Calibri" panose="020F0502020204030204" pitchFamily="34" charset="0"/>
+                <a:cs typeface="Arial" panose="020B0604020202020204" pitchFamily="34" charset="0"/>
+              </a:rPr>
+            </a:br>
+            <a:r>
+              <a:rPr lang="en-US" sz="1600" dirty="0">
+                <a:solidFill>
+                  <a:srgbClr val="000000"/>
+                </a:solidFill>
+                <a:latin typeface="Calibri" panose="020F0502020204030204" pitchFamily="34" charset="0"/>
+                <a:ea typeface="Calibri" panose="020F0502020204030204" pitchFamily="34" charset="0"/>
+                <a:cs typeface="Arial" panose="020B0604020202020204" pitchFamily="34" charset="0"/>
+              </a:rPr>
+              <a:t>            }</a:t>
+            </a:r>
+            <a:br>
+              <a:rPr lang="en-US" sz="1600" dirty="0">
+                <a:solidFill>
+                  <a:srgbClr val="000000"/>
+                </a:solidFill>
+                <a:latin typeface="Calibri" panose="020F0502020204030204" pitchFamily="34" charset="0"/>
+                <a:ea typeface="Calibri" panose="020F0502020204030204" pitchFamily="34" charset="0"/>
+                <a:cs typeface="Arial" panose="020B0604020202020204" pitchFamily="34" charset="0"/>
+              </a:rPr>
+            </a:br>
+            <a:r>
+              <a:rPr lang="en-US" sz="1600" dirty="0">
+                <a:solidFill>
+                  <a:srgbClr val="000000"/>
+                </a:solidFill>
+                <a:latin typeface="Calibri" panose="020F0502020204030204" pitchFamily="34" charset="0"/>
+                <a:ea typeface="Calibri" panose="020F0502020204030204" pitchFamily="34" charset="0"/>
+                <a:cs typeface="Arial" panose="020B0604020202020204" pitchFamily="34" charset="0"/>
+              </a:rPr>
+              <a:t>        &lt;/</a:t>
+            </a:r>
+            <a:r>
+              <a:rPr lang="en-US" sz="1600" b="1" dirty="0" err="1">
+                <a:solidFill>
+                  <a:srgbClr val="000080"/>
+                </a:solidFill>
+                <a:latin typeface="Calibri" panose="020F0502020204030204" pitchFamily="34" charset="0"/>
+                <a:ea typeface="Calibri" panose="020F0502020204030204" pitchFamily="34" charset="0"/>
+                <a:cs typeface="Arial" panose="020B0604020202020204" pitchFamily="34" charset="0"/>
+              </a:rPr>
+              <a:t>UserContext.Consumer</a:t>
+            </a:r>
+            <a:r>
+              <a:rPr lang="en-US" sz="1600" dirty="0">
+                <a:solidFill>
+                  <a:srgbClr val="000000"/>
+                </a:solidFill>
+                <a:latin typeface="Calibri" panose="020F0502020204030204" pitchFamily="34" charset="0"/>
+                <a:ea typeface="Calibri" panose="020F0502020204030204" pitchFamily="34" charset="0"/>
+                <a:cs typeface="Arial" panose="020B0604020202020204" pitchFamily="34" charset="0"/>
+              </a:rPr>
+              <a:t>&gt;</a:t>
+            </a:r>
+            <a:br>
+              <a:rPr lang="en-US" sz="1600" dirty="0">
+                <a:solidFill>
+                  <a:srgbClr val="000000"/>
+                </a:solidFill>
+                <a:latin typeface="Calibri" panose="020F0502020204030204" pitchFamily="34" charset="0"/>
+                <a:ea typeface="Calibri" panose="020F0502020204030204" pitchFamily="34" charset="0"/>
+                <a:cs typeface="Arial" panose="020B0604020202020204" pitchFamily="34" charset="0"/>
+              </a:rPr>
+            </a:br>
+            <a:br>
+              <a:rPr lang="en-US" sz="1600" dirty="0">
+                <a:solidFill>
+                  <a:srgbClr val="000000"/>
+                </a:solidFill>
+                <a:latin typeface="Calibri" panose="020F0502020204030204" pitchFamily="34" charset="0"/>
+                <a:ea typeface="Calibri" panose="020F0502020204030204" pitchFamily="34" charset="0"/>
+                <a:cs typeface="Arial" panose="020B0604020202020204" pitchFamily="34" charset="0"/>
+              </a:rPr>
+            </a:br>
+            <a:r>
+              <a:rPr lang="en-US" sz="1600" dirty="0">
+                <a:solidFill>
+                  <a:srgbClr val="000000"/>
+                </a:solidFill>
+                <a:latin typeface="Calibri" panose="020F0502020204030204" pitchFamily="34" charset="0"/>
+                <a:ea typeface="Calibri" panose="020F0502020204030204" pitchFamily="34" charset="0"/>
+                <a:cs typeface="Arial" panose="020B0604020202020204" pitchFamily="34" charset="0"/>
+              </a:rPr>
+              <a:t>    }</a:t>
+            </a:r>
+            <a:br>
+              <a:rPr lang="en-US" sz="1600" dirty="0">
+                <a:solidFill>
+                  <a:srgbClr val="000000"/>
+                </a:solidFill>
+                <a:latin typeface="Calibri" panose="020F0502020204030204" pitchFamily="34" charset="0"/>
+                <a:ea typeface="Calibri" panose="020F0502020204030204" pitchFamily="34" charset="0"/>
+                <a:cs typeface="Arial" panose="020B0604020202020204" pitchFamily="34" charset="0"/>
+              </a:rPr>
+            </a:br>
+            <a:r>
+              <a:rPr lang="en-US" sz="1600" dirty="0">
+                <a:solidFill>
+                  <a:srgbClr val="000000"/>
+                </a:solidFill>
+                <a:latin typeface="Calibri" panose="020F0502020204030204" pitchFamily="34" charset="0"/>
+                <a:ea typeface="Calibri" panose="020F0502020204030204" pitchFamily="34" charset="0"/>
+                <a:cs typeface="Arial" panose="020B0604020202020204" pitchFamily="34" charset="0"/>
+              </a:rPr>
+              <a:t>}</a:t>
+            </a:r>
+            <a:endParaRPr lang="he-IL" sz="1600" dirty="0"/>
+          </a:p>
+        </p:txBody>
+      </p:sp>
+    </p:spTree>
+    <p:extLst>
+      <p:ext uri="{BB962C8B-B14F-4D97-AF65-F5344CB8AC3E}">
+        <p14:creationId xmlns:p14="http://schemas.microsoft.com/office/powerpoint/2010/main" val="946435258"/>
+      </p:ext>
+    </p:extLst>
+  </p:cSld>
+  <p:clrMapOvr>
+    <a:masterClrMapping/>
+  </p:clrMapOvr>
+</p:sld>
+</file>
+
+<file path=ppt/slides/slide34.xml><?xml version="1.0" encoding="utf-8"?>
+<p:sld xmlns:a="http://schemas.openxmlformats.org/drawingml/2006/main" xmlns:r="http://schemas.openxmlformats.org/officeDocument/2006/relationships" xmlns:p="http://schemas.openxmlformats.org/presentationml/2006/main">
+  <p:cSld>
+    <p:spTree>
+      <p:nvGrpSpPr>
+        <p:cNvPr id="1" name=""/>
+        <p:cNvGrpSpPr/>
+        <p:nvPr/>
+      </p:nvGrpSpPr>
+      <p:grpSpPr>
+        <a:xfrm>
+          <a:off x="0" y="0"/>
+          <a:ext cx="0" cy="0"/>
+          <a:chOff x="0" y="0"/>
+          <a:chExt cx="0" cy="0"/>
+        </a:xfrm>
+      </p:grpSpPr>
+      <p:sp>
+        <p:nvSpPr>
+          <p:cNvPr id="2" name="Title 1">
+            <a:extLst>
+              <a:ext uri="{FF2B5EF4-FFF2-40B4-BE49-F238E27FC236}">
+                <a16:creationId xmlns:a16="http://schemas.microsoft.com/office/drawing/2014/main" id="{CC5D2927-B7C6-48C5-85B4-5FFAECF100C1}"/>
+              </a:ext>
+            </a:extLst>
+          </p:cNvPr>
+          <p:cNvSpPr>
+            <a:spLocks noGrp="1"/>
+          </p:cNvSpPr>
+          <p:nvPr>
+            <p:ph type="title"/>
+          </p:nvPr>
+        </p:nvSpPr>
+        <p:spPr/>
+        <p:txBody>
+          <a:bodyPr/>
+          <a:lstStyle/>
+          <a:p>
+            <a:r>
+              <a:rPr lang="en-US" dirty="0"/>
+              <a:t>Error Boundary</a:t>
+            </a:r>
+            <a:endParaRPr lang="he-IL" dirty="0"/>
+          </a:p>
+        </p:txBody>
+      </p:sp>
+      <p:sp>
+        <p:nvSpPr>
+          <p:cNvPr id="3" name="Footer Placeholder 2">
+            <a:extLst>
+              <a:ext uri="{FF2B5EF4-FFF2-40B4-BE49-F238E27FC236}">
+                <a16:creationId xmlns:a16="http://schemas.microsoft.com/office/drawing/2014/main" id="{9F896D1E-5DC4-48C6-84A8-C14F0A71829C}"/>
+              </a:ext>
+            </a:extLst>
+          </p:cNvPr>
+          <p:cNvSpPr>
+            <a:spLocks noGrp="1"/>
+          </p:cNvSpPr>
+          <p:nvPr>
+            <p:ph type="ftr" sz="quarter" idx="11"/>
+          </p:nvPr>
+        </p:nvSpPr>
+        <p:spPr/>
+        <p:txBody>
+          <a:bodyPr/>
+          <a:lstStyle/>
+          <a:p>
+            <a:r>
+              <a:rPr lang="en-US"/>
+              <a:t>© 2018 Ori Calvo</a:t>
+            </a:r>
+            <a:endParaRPr lang="en-US" dirty="0"/>
+          </a:p>
+        </p:txBody>
+      </p:sp>
+      <p:sp>
+        <p:nvSpPr>
+          <p:cNvPr id="4" name="Slide Number Placeholder 3">
+            <a:extLst>
+              <a:ext uri="{FF2B5EF4-FFF2-40B4-BE49-F238E27FC236}">
+                <a16:creationId xmlns:a16="http://schemas.microsoft.com/office/drawing/2014/main" id="{4A9867E8-546C-442C-92E4-CB2DAA1FAC27}"/>
+              </a:ext>
+            </a:extLst>
+          </p:cNvPr>
+          <p:cNvSpPr>
+            <a:spLocks noGrp="1"/>
+          </p:cNvSpPr>
+          <p:nvPr>
+            <p:ph type="sldNum" sz="quarter" idx="12"/>
+          </p:nvPr>
+        </p:nvSpPr>
+        <p:spPr/>
+        <p:txBody>
+          <a:bodyPr>
+            <a:normAutofit fontScale="85000" lnSpcReduction="20000"/>
+          </a:bodyPr>
+          <a:lstStyle/>
+          <a:p>
+            <a:fld id="{87B78B44-2135-4DB2-B732-E7D5FFF77B6A}" type="slidenum">
+              <a:rPr lang="en-US" smtClean="0"/>
+              <a:pPr/>
+              <a:t>34</a:t>
+            </a:fld>
+            <a:endParaRPr lang="en-US"/>
+          </a:p>
+        </p:txBody>
+      </p:sp>
+      <p:sp>
+        <p:nvSpPr>
+          <p:cNvPr id="5" name="Content Placeholder 4">
+            <a:extLst>
+              <a:ext uri="{FF2B5EF4-FFF2-40B4-BE49-F238E27FC236}">
+                <a16:creationId xmlns:a16="http://schemas.microsoft.com/office/drawing/2014/main" id="{BA2C05E2-C166-4215-A406-7B3AB722780B}"/>
+              </a:ext>
+            </a:extLst>
+          </p:cNvPr>
+          <p:cNvSpPr>
+            <a:spLocks noGrp="1"/>
+          </p:cNvSpPr>
+          <p:nvPr>
+            <p:ph sz="quarter" idx="1"/>
+          </p:nvPr>
+        </p:nvSpPr>
+        <p:spPr/>
+        <p:txBody>
+          <a:bodyPr/>
+          <a:lstStyle/>
+          <a:p>
+            <a:r>
+              <a:rPr lang="en-US" dirty="0"/>
+              <a:t>A component may implement </a:t>
+            </a:r>
+            <a:r>
+              <a:rPr lang="en-US" dirty="0" err="1"/>
+              <a:t>componentDidCatch</a:t>
+            </a:r>
+            <a:endParaRPr lang="en-US" dirty="0"/>
+          </a:p>
+          <a:p>
+            <a:r>
+              <a:rPr lang="en-US" dirty="0"/>
+              <a:t>Will be invoked in case of an error during rendering of child component</a:t>
+            </a:r>
+          </a:p>
+          <a:p>
+            <a:pPr lvl="1"/>
+            <a:r>
+              <a:rPr lang="en-US" dirty="0"/>
+              <a:t>Not self render !!!</a:t>
+            </a:r>
+            <a:endParaRPr lang="he-IL" dirty="0"/>
+          </a:p>
+        </p:txBody>
+      </p:sp>
+      <p:sp>
+        <p:nvSpPr>
+          <p:cNvPr id="6" name="Rectangle 5">
+            <a:extLst>
+              <a:ext uri="{FF2B5EF4-FFF2-40B4-BE49-F238E27FC236}">
+                <a16:creationId xmlns:a16="http://schemas.microsoft.com/office/drawing/2014/main" id="{74E1A6C4-86C3-44EB-9C0A-22755D7E378C}"/>
+              </a:ext>
+            </a:extLst>
+          </p:cNvPr>
+          <p:cNvSpPr/>
+          <p:nvPr/>
+        </p:nvSpPr>
+        <p:spPr>
+          <a:xfrm>
+            <a:off x="2286000" y="3799344"/>
+            <a:ext cx="4572000" cy="2677656"/>
+          </a:xfrm>
+          <a:prstGeom prst="rect">
+            <a:avLst/>
+          </a:prstGeom>
+          <a:solidFill>
+            <a:schemeClr val="accent1">
+              <a:lumMod val="40000"/>
+              <a:lumOff val="60000"/>
+            </a:schemeClr>
+          </a:solidFill>
+        </p:spPr>
+        <p:txBody>
+          <a:bodyPr>
+            <a:spAutoFit/>
+          </a:bodyPr>
+          <a:lstStyle/>
+          <a:p>
+            <a:r>
+              <a:rPr lang="en-US" sz="1400" b="1" dirty="0">
+                <a:solidFill>
+                  <a:srgbClr val="000080"/>
+                </a:solidFill>
+                <a:latin typeface="Calibri" panose="020F0502020204030204" pitchFamily="34" charset="0"/>
+                <a:ea typeface="Calibri" panose="020F0502020204030204" pitchFamily="34" charset="0"/>
+                <a:cs typeface="Arial" panose="020B0604020202020204" pitchFamily="34" charset="0"/>
+              </a:rPr>
+              <a:t>export class </a:t>
+            </a:r>
+            <a:r>
+              <a:rPr lang="en-US" sz="1400" dirty="0" err="1">
+                <a:solidFill>
+                  <a:srgbClr val="000000"/>
+                </a:solidFill>
+                <a:latin typeface="Calibri" panose="020F0502020204030204" pitchFamily="34" charset="0"/>
+                <a:ea typeface="Calibri" panose="020F0502020204030204" pitchFamily="34" charset="0"/>
+                <a:cs typeface="Arial" panose="020B0604020202020204" pitchFamily="34" charset="0"/>
+              </a:rPr>
+              <a:t>ErrorBoundary</a:t>
+            </a:r>
+            <a:r>
+              <a:rPr lang="en-US" sz="1400" dirty="0">
+                <a:solidFill>
+                  <a:srgbClr val="000000"/>
+                </a:solidFill>
+                <a:latin typeface="Calibri" panose="020F0502020204030204" pitchFamily="34" charset="0"/>
+                <a:ea typeface="Calibri" panose="020F0502020204030204" pitchFamily="34" charset="0"/>
+                <a:cs typeface="Arial" panose="020B0604020202020204" pitchFamily="34" charset="0"/>
+              </a:rPr>
+              <a:t> </a:t>
+            </a:r>
+            <a:r>
+              <a:rPr lang="en-US" sz="1400" b="1" dirty="0">
+                <a:solidFill>
+                  <a:srgbClr val="000080"/>
+                </a:solidFill>
+                <a:latin typeface="Calibri" panose="020F0502020204030204" pitchFamily="34" charset="0"/>
+                <a:ea typeface="Calibri" panose="020F0502020204030204" pitchFamily="34" charset="0"/>
+                <a:cs typeface="Arial" panose="020B0604020202020204" pitchFamily="34" charset="0"/>
+              </a:rPr>
+              <a:t>extends </a:t>
+            </a:r>
+            <a:r>
+              <a:rPr lang="en-US" sz="1400" dirty="0" err="1">
+                <a:solidFill>
+                  <a:srgbClr val="000000"/>
+                </a:solidFill>
+                <a:latin typeface="Calibri" panose="020F0502020204030204" pitchFamily="34" charset="0"/>
+                <a:ea typeface="Calibri" panose="020F0502020204030204" pitchFamily="34" charset="0"/>
+                <a:cs typeface="Arial" panose="020B0604020202020204" pitchFamily="34" charset="0"/>
+              </a:rPr>
+              <a:t>React.Component</a:t>
+            </a:r>
+            <a:r>
+              <a:rPr lang="en-US" sz="1400" dirty="0">
+                <a:solidFill>
+                  <a:srgbClr val="000000"/>
+                </a:solidFill>
+                <a:latin typeface="Calibri" panose="020F0502020204030204" pitchFamily="34" charset="0"/>
+                <a:ea typeface="Calibri" panose="020F0502020204030204" pitchFamily="34" charset="0"/>
+                <a:cs typeface="Arial" panose="020B0604020202020204" pitchFamily="34" charset="0"/>
+              </a:rPr>
+              <a:t> {</a:t>
+            </a:r>
+            <a:br>
+              <a:rPr lang="en-US" sz="1400" dirty="0">
+                <a:solidFill>
+                  <a:srgbClr val="000000"/>
+                </a:solidFill>
+                <a:latin typeface="Calibri" panose="020F0502020204030204" pitchFamily="34" charset="0"/>
+                <a:ea typeface="Calibri" panose="020F0502020204030204" pitchFamily="34" charset="0"/>
+                <a:cs typeface="Arial" panose="020B0604020202020204" pitchFamily="34" charset="0"/>
+              </a:rPr>
+            </a:br>
+            <a:r>
+              <a:rPr lang="en-US" sz="1400" dirty="0">
+                <a:solidFill>
+                  <a:srgbClr val="000000"/>
+                </a:solidFill>
+                <a:latin typeface="Calibri" panose="020F0502020204030204" pitchFamily="34" charset="0"/>
+                <a:ea typeface="Calibri" panose="020F0502020204030204" pitchFamily="34" charset="0"/>
+                <a:cs typeface="Arial" panose="020B0604020202020204" pitchFamily="34" charset="0"/>
+              </a:rPr>
+              <a:t>    </a:t>
+            </a:r>
+            <a:r>
+              <a:rPr lang="en-US" sz="1400" dirty="0" err="1">
+                <a:solidFill>
+                  <a:srgbClr val="7A7A43"/>
+                </a:solidFill>
+                <a:latin typeface="Calibri" panose="020F0502020204030204" pitchFamily="34" charset="0"/>
+                <a:ea typeface="Calibri" panose="020F0502020204030204" pitchFamily="34" charset="0"/>
+                <a:cs typeface="Arial" panose="020B0604020202020204" pitchFamily="34" charset="0"/>
+              </a:rPr>
+              <a:t>componentDidCatch</a:t>
+            </a:r>
+            <a:r>
+              <a:rPr lang="en-US" sz="1400" dirty="0">
+                <a:solidFill>
+                  <a:srgbClr val="000000"/>
+                </a:solidFill>
+                <a:latin typeface="Calibri" panose="020F0502020204030204" pitchFamily="34" charset="0"/>
+                <a:ea typeface="Calibri" panose="020F0502020204030204" pitchFamily="34" charset="0"/>
+                <a:cs typeface="Arial" panose="020B0604020202020204" pitchFamily="34" charset="0"/>
+              </a:rPr>
+              <a:t>(error, info) {</a:t>
+            </a:r>
+            <a:br>
+              <a:rPr lang="en-US" sz="1400" dirty="0">
+                <a:solidFill>
+                  <a:srgbClr val="000000"/>
+                </a:solidFill>
+                <a:latin typeface="Calibri" panose="020F0502020204030204" pitchFamily="34" charset="0"/>
+                <a:ea typeface="Calibri" panose="020F0502020204030204" pitchFamily="34" charset="0"/>
+                <a:cs typeface="Arial" panose="020B0604020202020204" pitchFamily="34" charset="0"/>
+              </a:rPr>
+            </a:br>
+            <a:r>
+              <a:rPr lang="en-US" sz="1400" dirty="0">
+                <a:solidFill>
+                  <a:srgbClr val="000000"/>
+                </a:solidFill>
+                <a:latin typeface="Calibri" panose="020F0502020204030204" pitchFamily="34" charset="0"/>
+                <a:ea typeface="Calibri" panose="020F0502020204030204" pitchFamily="34" charset="0"/>
+                <a:cs typeface="Arial" panose="020B0604020202020204" pitchFamily="34" charset="0"/>
+              </a:rPr>
+              <a:t>        </a:t>
+            </a:r>
+            <a:r>
+              <a:rPr lang="en-US" sz="1400" b="1" i="1" dirty="0">
+                <a:solidFill>
+                  <a:srgbClr val="660E7A"/>
+                </a:solidFill>
+                <a:latin typeface="Calibri" panose="020F0502020204030204" pitchFamily="34" charset="0"/>
+                <a:ea typeface="Calibri" panose="020F0502020204030204" pitchFamily="34" charset="0"/>
+                <a:cs typeface="Arial" panose="020B0604020202020204" pitchFamily="34" charset="0"/>
+              </a:rPr>
+              <a:t>console</a:t>
+            </a:r>
+            <a:r>
+              <a:rPr lang="en-US" sz="1400" dirty="0">
+                <a:solidFill>
+                  <a:srgbClr val="000000"/>
+                </a:solidFill>
+                <a:latin typeface="Calibri" panose="020F0502020204030204" pitchFamily="34" charset="0"/>
+                <a:ea typeface="Calibri" panose="020F0502020204030204" pitchFamily="34" charset="0"/>
+                <a:cs typeface="Arial" panose="020B0604020202020204" pitchFamily="34" charset="0"/>
+              </a:rPr>
+              <a:t>.</a:t>
+            </a:r>
+            <a:r>
+              <a:rPr lang="en-US" sz="1400" dirty="0">
+                <a:solidFill>
+                  <a:srgbClr val="7A7A43"/>
+                </a:solidFill>
+                <a:latin typeface="Calibri" panose="020F0502020204030204" pitchFamily="34" charset="0"/>
+                <a:ea typeface="Calibri" panose="020F0502020204030204" pitchFamily="34" charset="0"/>
+                <a:cs typeface="Arial" panose="020B0604020202020204" pitchFamily="34" charset="0"/>
+              </a:rPr>
+              <a:t>log</a:t>
+            </a:r>
+            <a:r>
+              <a:rPr lang="en-US" sz="1400" dirty="0">
+                <a:solidFill>
+                  <a:srgbClr val="000000"/>
+                </a:solidFill>
+                <a:latin typeface="Calibri" panose="020F0502020204030204" pitchFamily="34" charset="0"/>
+                <a:ea typeface="Calibri" panose="020F0502020204030204" pitchFamily="34" charset="0"/>
+                <a:cs typeface="Arial" panose="020B0604020202020204" pitchFamily="34" charset="0"/>
+              </a:rPr>
+              <a:t>(</a:t>
+            </a:r>
+            <a:r>
+              <a:rPr lang="en-US" sz="1400" b="1" dirty="0">
+                <a:solidFill>
+                  <a:srgbClr val="008000"/>
+                </a:solidFill>
+                <a:latin typeface="Calibri" panose="020F0502020204030204" pitchFamily="34" charset="0"/>
+                <a:ea typeface="Calibri" panose="020F0502020204030204" pitchFamily="34" charset="0"/>
+                <a:cs typeface="Arial" panose="020B0604020202020204" pitchFamily="34" charset="0"/>
+              </a:rPr>
+              <a:t>"</a:t>
+            </a:r>
+            <a:r>
+              <a:rPr lang="en-US" sz="1400" b="1" dirty="0" err="1">
+                <a:solidFill>
+                  <a:srgbClr val="008000"/>
+                </a:solidFill>
+                <a:latin typeface="Calibri" panose="020F0502020204030204" pitchFamily="34" charset="0"/>
+                <a:ea typeface="Calibri" panose="020F0502020204030204" pitchFamily="34" charset="0"/>
+                <a:cs typeface="Arial" panose="020B0604020202020204" pitchFamily="34" charset="0"/>
+              </a:rPr>
+              <a:t>componentDidCatch</a:t>
+            </a:r>
+            <a:r>
+              <a:rPr lang="en-US" sz="1400" b="1" dirty="0">
+                <a:solidFill>
+                  <a:srgbClr val="008000"/>
+                </a:solidFill>
+                <a:latin typeface="Calibri" panose="020F0502020204030204" pitchFamily="34" charset="0"/>
+                <a:ea typeface="Calibri" panose="020F0502020204030204" pitchFamily="34" charset="0"/>
+                <a:cs typeface="Arial" panose="020B0604020202020204" pitchFamily="34" charset="0"/>
+              </a:rPr>
+              <a:t>"</a:t>
+            </a:r>
+            <a:r>
+              <a:rPr lang="en-US" sz="1400" dirty="0">
+                <a:solidFill>
+                  <a:srgbClr val="000000"/>
+                </a:solidFill>
+                <a:latin typeface="Calibri" panose="020F0502020204030204" pitchFamily="34" charset="0"/>
+                <a:ea typeface="Calibri" panose="020F0502020204030204" pitchFamily="34" charset="0"/>
+                <a:cs typeface="Arial" panose="020B0604020202020204" pitchFamily="34" charset="0"/>
+              </a:rPr>
+              <a:t>, error, info);</a:t>
+            </a:r>
+            <a:br>
+              <a:rPr lang="en-US" sz="1400" dirty="0">
+                <a:solidFill>
+                  <a:srgbClr val="000000"/>
+                </a:solidFill>
+                <a:latin typeface="Calibri" panose="020F0502020204030204" pitchFamily="34" charset="0"/>
+                <a:ea typeface="Calibri" panose="020F0502020204030204" pitchFamily="34" charset="0"/>
+                <a:cs typeface="Arial" panose="020B0604020202020204" pitchFamily="34" charset="0"/>
+              </a:rPr>
+            </a:br>
+            <a:r>
+              <a:rPr lang="en-US" sz="1400" dirty="0">
+                <a:solidFill>
+                  <a:srgbClr val="000000"/>
+                </a:solidFill>
+                <a:latin typeface="Calibri" panose="020F0502020204030204" pitchFamily="34" charset="0"/>
+                <a:ea typeface="Calibri" panose="020F0502020204030204" pitchFamily="34" charset="0"/>
+                <a:cs typeface="Arial" panose="020B0604020202020204" pitchFamily="34" charset="0"/>
+              </a:rPr>
+              <a:t>    }</a:t>
+            </a:r>
+            <a:br>
+              <a:rPr lang="en-US" sz="1400" dirty="0">
+                <a:solidFill>
+                  <a:srgbClr val="000000"/>
+                </a:solidFill>
+                <a:latin typeface="Calibri" panose="020F0502020204030204" pitchFamily="34" charset="0"/>
+                <a:ea typeface="Calibri" panose="020F0502020204030204" pitchFamily="34" charset="0"/>
+                <a:cs typeface="Arial" panose="020B0604020202020204" pitchFamily="34" charset="0"/>
+              </a:rPr>
+            </a:br>
+            <a:br>
+              <a:rPr lang="en-US" sz="1400" dirty="0">
+                <a:solidFill>
+                  <a:srgbClr val="000000"/>
+                </a:solidFill>
+                <a:latin typeface="Calibri" panose="020F0502020204030204" pitchFamily="34" charset="0"/>
+                <a:ea typeface="Calibri" panose="020F0502020204030204" pitchFamily="34" charset="0"/>
+                <a:cs typeface="Arial" panose="020B0604020202020204" pitchFamily="34" charset="0"/>
+              </a:rPr>
+            </a:br>
+            <a:r>
+              <a:rPr lang="en-US" sz="1400" dirty="0">
+                <a:solidFill>
+                  <a:srgbClr val="000000"/>
+                </a:solidFill>
+                <a:latin typeface="Calibri" panose="020F0502020204030204" pitchFamily="34" charset="0"/>
+                <a:ea typeface="Calibri" panose="020F0502020204030204" pitchFamily="34" charset="0"/>
+                <a:cs typeface="Arial" panose="020B0604020202020204" pitchFamily="34" charset="0"/>
+              </a:rPr>
+              <a:t>    </a:t>
+            </a:r>
+            <a:r>
+              <a:rPr lang="en-US" sz="1400" dirty="0">
+                <a:solidFill>
+                  <a:srgbClr val="7A7A43"/>
+                </a:solidFill>
+                <a:latin typeface="Calibri" panose="020F0502020204030204" pitchFamily="34" charset="0"/>
+                <a:ea typeface="Calibri" panose="020F0502020204030204" pitchFamily="34" charset="0"/>
+                <a:cs typeface="Arial" panose="020B0604020202020204" pitchFamily="34" charset="0"/>
+              </a:rPr>
+              <a:t>render</a:t>
+            </a:r>
+            <a:r>
+              <a:rPr lang="en-US" sz="1400" dirty="0">
+                <a:solidFill>
+                  <a:srgbClr val="000000"/>
+                </a:solidFill>
+                <a:latin typeface="Calibri" panose="020F0502020204030204" pitchFamily="34" charset="0"/>
+                <a:ea typeface="Calibri" panose="020F0502020204030204" pitchFamily="34" charset="0"/>
+                <a:cs typeface="Arial" panose="020B0604020202020204" pitchFamily="34" charset="0"/>
+              </a:rPr>
+              <a:t>() {</a:t>
+            </a:r>
+            <a:br>
+              <a:rPr lang="en-US" sz="1400" dirty="0">
+                <a:solidFill>
+                  <a:srgbClr val="000000"/>
+                </a:solidFill>
+                <a:latin typeface="Calibri" panose="020F0502020204030204" pitchFamily="34" charset="0"/>
+                <a:ea typeface="Calibri" panose="020F0502020204030204" pitchFamily="34" charset="0"/>
+                <a:cs typeface="Arial" panose="020B0604020202020204" pitchFamily="34" charset="0"/>
+              </a:rPr>
+            </a:br>
+            <a:r>
+              <a:rPr lang="en-US" sz="1400" dirty="0">
+                <a:solidFill>
+                  <a:srgbClr val="000000"/>
+                </a:solidFill>
+                <a:latin typeface="Calibri" panose="020F0502020204030204" pitchFamily="34" charset="0"/>
+                <a:ea typeface="Calibri" panose="020F0502020204030204" pitchFamily="34" charset="0"/>
+                <a:cs typeface="Arial" panose="020B0604020202020204" pitchFamily="34" charset="0"/>
+              </a:rPr>
+              <a:t>        </a:t>
+            </a:r>
+            <a:r>
+              <a:rPr lang="en-US" sz="1400" i="1" dirty="0">
+                <a:solidFill>
+                  <a:srgbClr val="808080"/>
+                </a:solidFill>
+                <a:latin typeface="Calibri" panose="020F0502020204030204" pitchFamily="34" charset="0"/>
+                <a:ea typeface="Calibri" panose="020F0502020204030204" pitchFamily="34" charset="0"/>
+                <a:cs typeface="Arial" panose="020B0604020202020204" pitchFamily="34" charset="0"/>
+              </a:rPr>
+              <a:t>//</a:t>
+            </a:r>
+            <a:br>
+              <a:rPr lang="en-US" sz="1400" i="1" dirty="0">
+                <a:solidFill>
+                  <a:srgbClr val="808080"/>
+                </a:solidFill>
+                <a:latin typeface="Calibri" panose="020F0502020204030204" pitchFamily="34" charset="0"/>
+                <a:ea typeface="Calibri" panose="020F0502020204030204" pitchFamily="34" charset="0"/>
+                <a:cs typeface="Arial" panose="020B0604020202020204" pitchFamily="34" charset="0"/>
+              </a:rPr>
+            </a:br>
+            <a:r>
+              <a:rPr lang="en-US" sz="1400" i="1" dirty="0">
+                <a:solidFill>
+                  <a:srgbClr val="808080"/>
+                </a:solidFill>
+                <a:latin typeface="Calibri" panose="020F0502020204030204" pitchFamily="34" charset="0"/>
+                <a:ea typeface="Calibri" panose="020F0502020204030204" pitchFamily="34" charset="0"/>
+                <a:cs typeface="Arial" panose="020B0604020202020204" pitchFamily="34" charset="0"/>
+              </a:rPr>
+              <a:t>        //  In case of an error can render fallback UI</a:t>
+            </a:r>
+            <a:br>
+              <a:rPr lang="en-US" sz="1400" i="1" dirty="0">
+                <a:solidFill>
+                  <a:srgbClr val="808080"/>
+                </a:solidFill>
+                <a:latin typeface="Calibri" panose="020F0502020204030204" pitchFamily="34" charset="0"/>
+                <a:ea typeface="Calibri" panose="020F0502020204030204" pitchFamily="34" charset="0"/>
+                <a:cs typeface="Arial" panose="020B0604020202020204" pitchFamily="34" charset="0"/>
+              </a:rPr>
+            </a:br>
+            <a:r>
+              <a:rPr lang="en-US" sz="1400" i="1" dirty="0">
+                <a:solidFill>
+                  <a:srgbClr val="808080"/>
+                </a:solidFill>
+                <a:latin typeface="Calibri" panose="020F0502020204030204" pitchFamily="34" charset="0"/>
+                <a:ea typeface="Calibri" panose="020F0502020204030204" pitchFamily="34" charset="0"/>
+                <a:cs typeface="Arial" panose="020B0604020202020204" pitchFamily="34" charset="0"/>
+              </a:rPr>
+              <a:t>        //</a:t>
+            </a:r>
+            <a:br>
+              <a:rPr lang="en-US" sz="1400" i="1" dirty="0">
+                <a:solidFill>
+                  <a:srgbClr val="808080"/>
+                </a:solidFill>
+                <a:latin typeface="Calibri" panose="020F0502020204030204" pitchFamily="34" charset="0"/>
+                <a:ea typeface="Calibri" panose="020F0502020204030204" pitchFamily="34" charset="0"/>
+                <a:cs typeface="Arial" panose="020B0604020202020204" pitchFamily="34" charset="0"/>
+              </a:rPr>
+            </a:br>
+            <a:r>
+              <a:rPr lang="en-US" sz="1400" i="1" dirty="0">
+                <a:solidFill>
+                  <a:srgbClr val="808080"/>
+                </a:solidFill>
+                <a:latin typeface="Calibri" panose="020F0502020204030204" pitchFamily="34" charset="0"/>
+                <a:ea typeface="Calibri" panose="020F0502020204030204" pitchFamily="34" charset="0"/>
+                <a:cs typeface="Arial" panose="020B0604020202020204" pitchFamily="34" charset="0"/>
+              </a:rPr>
+              <a:t>        </a:t>
+            </a:r>
+            <a:r>
+              <a:rPr lang="en-US" sz="1400" b="1" dirty="0">
+                <a:solidFill>
+                  <a:srgbClr val="000080"/>
+                </a:solidFill>
+                <a:latin typeface="Calibri" panose="020F0502020204030204" pitchFamily="34" charset="0"/>
+                <a:ea typeface="Calibri" panose="020F0502020204030204" pitchFamily="34" charset="0"/>
+                <a:cs typeface="Arial" panose="020B0604020202020204" pitchFamily="34" charset="0"/>
+              </a:rPr>
+              <a:t>return </a:t>
+            </a:r>
+            <a:r>
+              <a:rPr lang="en-US" sz="1400" b="1" dirty="0" err="1">
+                <a:solidFill>
+                  <a:srgbClr val="000080"/>
+                </a:solidFill>
+                <a:latin typeface="Calibri" panose="020F0502020204030204" pitchFamily="34" charset="0"/>
+                <a:ea typeface="Calibri" panose="020F0502020204030204" pitchFamily="34" charset="0"/>
+                <a:cs typeface="Arial" panose="020B0604020202020204" pitchFamily="34" charset="0"/>
+              </a:rPr>
+              <a:t>this</a:t>
+            </a:r>
+            <a:r>
+              <a:rPr lang="en-US" sz="1400" dirty="0" err="1">
+                <a:solidFill>
+                  <a:srgbClr val="000000"/>
+                </a:solidFill>
+                <a:latin typeface="Calibri" panose="020F0502020204030204" pitchFamily="34" charset="0"/>
+                <a:ea typeface="Calibri" panose="020F0502020204030204" pitchFamily="34" charset="0"/>
+                <a:cs typeface="Arial" panose="020B0604020202020204" pitchFamily="34" charset="0"/>
+              </a:rPr>
+              <a:t>.</a:t>
+            </a:r>
+            <a:r>
+              <a:rPr lang="en-US" sz="1400" b="1" dirty="0" err="1">
+                <a:solidFill>
+                  <a:srgbClr val="660E7A"/>
+                </a:solidFill>
+                <a:latin typeface="Calibri" panose="020F0502020204030204" pitchFamily="34" charset="0"/>
+                <a:ea typeface="Calibri" panose="020F0502020204030204" pitchFamily="34" charset="0"/>
+                <a:cs typeface="Arial" panose="020B0604020202020204" pitchFamily="34" charset="0"/>
+              </a:rPr>
+              <a:t>props</a:t>
+            </a:r>
+            <a:r>
+              <a:rPr lang="en-US" sz="1400" dirty="0" err="1">
+                <a:solidFill>
+                  <a:srgbClr val="000000"/>
+                </a:solidFill>
+                <a:latin typeface="Calibri" panose="020F0502020204030204" pitchFamily="34" charset="0"/>
+                <a:ea typeface="Calibri" panose="020F0502020204030204" pitchFamily="34" charset="0"/>
+                <a:cs typeface="Arial" panose="020B0604020202020204" pitchFamily="34" charset="0"/>
+              </a:rPr>
+              <a:t>.</a:t>
+            </a:r>
+            <a:r>
+              <a:rPr lang="en-US" sz="1400" b="1" dirty="0" err="1">
+                <a:solidFill>
+                  <a:srgbClr val="660E7A"/>
+                </a:solidFill>
+                <a:latin typeface="Calibri" panose="020F0502020204030204" pitchFamily="34" charset="0"/>
+                <a:ea typeface="Calibri" panose="020F0502020204030204" pitchFamily="34" charset="0"/>
+                <a:cs typeface="Arial" panose="020B0604020202020204" pitchFamily="34" charset="0"/>
+              </a:rPr>
+              <a:t>children</a:t>
+            </a:r>
+            <a:r>
+              <a:rPr lang="en-US" sz="1400" dirty="0">
+                <a:solidFill>
+                  <a:srgbClr val="000000"/>
+                </a:solidFill>
+                <a:latin typeface="Calibri" panose="020F0502020204030204" pitchFamily="34" charset="0"/>
+                <a:ea typeface="Calibri" panose="020F0502020204030204" pitchFamily="34" charset="0"/>
+                <a:cs typeface="Arial" panose="020B0604020202020204" pitchFamily="34" charset="0"/>
+              </a:rPr>
+              <a:t>;</a:t>
+            </a:r>
+            <a:br>
+              <a:rPr lang="en-US" sz="1400" dirty="0">
+                <a:solidFill>
+                  <a:srgbClr val="000000"/>
+                </a:solidFill>
+                <a:latin typeface="Calibri" panose="020F0502020204030204" pitchFamily="34" charset="0"/>
+                <a:ea typeface="Calibri" panose="020F0502020204030204" pitchFamily="34" charset="0"/>
+                <a:cs typeface="Arial" panose="020B0604020202020204" pitchFamily="34" charset="0"/>
+              </a:rPr>
+            </a:br>
+            <a:r>
+              <a:rPr lang="en-US" sz="1400" dirty="0">
+                <a:solidFill>
+                  <a:srgbClr val="000000"/>
+                </a:solidFill>
+                <a:latin typeface="Calibri" panose="020F0502020204030204" pitchFamily="34" charset="0"/>
+                <a:ea typeface="Calibri" panose="020F0502020204030204" pitchFamily="34" charset="0"/>
+                <a:cs typeface="Arial" panose="020B0604020202020204" pitchFamily="34" charset="0"/>
+              </a:rPr>
+              <a:t>    }</a:t>
+            </a:r>
+            <a:br>
+              <a:rPr lang="en-US" sz="1400" dirty="0">
+                <a:solidFill>
+                  <a:srgbClr val="000000"/>
+                </a:solidFill>
+                <a:latin typeface="Calibri" panose="020F0502020204030204" pitchFamily="34" charset="0"/>
+                <a:ea typeface="Calibri" panose="020F0502020204030204" pitchFamily="34" charset="0"/>
+                <a:cs typeface="Arial" panose="020B0604020202020204" pitchFamily="34" charset="0"/>
+              </a:rPr>
+            </a:br>
+            <a:r>
+              <a:rPr lang="en-US" sz="1400" dirty="0">
+                <a:solidFill>
+                  <a:srgbClr val="000000"/>
+                </a:solidFill>
+                <a:latin typeface="Calibri" panose="020F0502020204030204" pitchFamily="34" charset="0"/>
+                <a:ea typeface="Calibri" panose="020F0502020204030204" pitchFamily="34" charset="0"/>
+                <a:cs typeface="Arial" panose="020B0604020202020204" pitchFamily="34" charset="0"/>
+              </a:rPr>
+              <a:t>}</a:t>
+            </a:r>
+            <a:endParaRPr lang="he-IL" sz="1400" dirty="0"/>
+          </a:p>
+        </p:txBody>
+      </p:sp>
+    </p:spTree>
+    <p:extLst>
+      <p:ext uri="{BB962C8B-B14F-4D97-AF65-F5344CB8AC3E}">
+        <p14:creationId xmlns:p14="http://schemas.microsoft.com/office/powerpoint/2010/main" val="4117151865"/>
+      </p:ext>
+    </p:extLst>
+  </p:cSld>
+  <p:clrMapOvr>
+    <a:masterClrMapping/>
+  </p:clrMapOvr>
+</p:sld>
+</file>
+
+<file path=ppt/slides/slide35.xml><?xml version="1.0" encoding="utf-8"?>
+<p:sld xmlns:a="http://schemas.openxmlformats.org/drawingml/2006/main" xmlns:r="http://schemas.openxmlformats.org/officeDocument/2006/relationships" xmlns:p="http://schemas.openxmlformats.org/presentationml/2006/main">
+  <p:cSld>
+    <p:spTree>
+      <p:nvGrpSpPr>
+        <p:cNvPr id="1" name=""/>
+        <p:cNvGrpSpPr/>
+        <p:nvPr/>
+      </p:nvGrpSpPr>
+      <p:grpSpPr>
+        <a:xfrm>
+          <a:off x="0" y="0"/>
+          <a:ext cx="0" cy="0"/>
+          <a:chOff x="0" y="0"/>
+          <a:chExt cx="0" cy="0"/>
+        </a:xfrm>
+      </p:grpSpPr>
+      <p:sp>
+        <p:nvSpPr>
+          <p:cNvPr id="2" name="Title 1">
+            <a:extLst>
+              <a:ext uri="{FF2B5EF4-FFF2-40B4-BE49-F238E27FC236}">
+                <a16:creationId xmlns:a16="http://schemas.microsoft.com/office/drawing/2014/main" id="{D7AE99C9-DBE7-4C36-B227-825A613A5431}"/>
+              </a:ext>
+            </a:extLst>
+          </p:cNvPr>
+          <p:cNvSpPr>
+            <a:spLocks noGrp="1"/>
+          </p:cNvSpPr>
+          <p:nvPr>
+            <p:ph type="title"/>
+          </p:nvPr>
+        </p:nvSpPr>
+        <p:spPr/>
+        <p:txBody>
+          <a:bodyPr/>
+          <a:lstStyle/>
+          <a:p>
+            <a:r>
+              <a:rPr lang="en-US" dirty="0"/>
+              <a:t>Fragment</a:t>
+            </a:r>
+            <a:endParaRPr lang="he-IL" dirty="0"/>
+          </a:p>
+        </p:txBody>
+      </p:sp>
+      <p:sp>
+        <p:nvSpPr>
+          <p:cNvPr id="3" name="Footer Placeholder 2">
+            <a:extLst>
+              <a:ext uri="{FF2B5EF4-FFF2-40B4-BE49-F238E27FC236}">
+                <a16:creationId xmlns:a16="http://schemas.microsoft.com/office/drawing/2014/main" id="{EF3421C5-EAA9-4046-B56D-05DA492C2D5E}"/>
+              </a:ext>
+            </a:extLst>
+          </p:cNvPr>
+          <p:cNvSpPr>
+            <a:spLocks noGrp="1"/>
+          </p:cNvSpPr>
+          <p:nvPr>
+            <p:ph type="ftr" sz="quarter" idx="11"/>
+          </p:nvPr>
+        </p:nvSpPr>
+        <p:spPr/>
+        <p:txBody>
+          <a:bodyPr/>
+          <a:lstStyle/>
+          <a:p>
+            <a:r>
+              <a:rPr lang="en-US"/>
+              <a:t>© 2018 Ori Calvo</a:t>
+            </a:r>
+            <a:endParaRPr lang="en-US" dirty="0"/>
+          </a:p>
+        </p:txBody>
+      </p:sp>
+      <p:sp>
+        <p:nvSpPr>
+          <p:cNvPr id="4" name="Slide Number Placeholder 3">
+            <a:extLst>
+              <a:ext uri="{FF2B5EF4-FFF2-40B4-BE49-F238E27FC236}">
+                <a16:creationId xmlns:a16="http://schemas.microsoft.com/office/drawing/2014/main" id="{8BDBD4CC-7852-4AB7-A395-5674BC21E4F7}"/>
+              </a:ext>
+            </a:extLst>
+          </p:cNvPr>
+          <p:cNvSpPr>
+            <a:spLocks noGrp="1"/>
+          </p:cNvSpPr>
+          <p:nvPr>
+            <p:ph type="sldNum" sz="quarter" idx="12"/>
+          </p:nvPr>
+        </p:nvSpPr>
+        <p:spPr/>
+        <p:txBody>
+          <a:bodyPr>
+            <a:normAutofit fontScale="85000" lnSpcReduction="20000"/>
+          </a:bodyPr>
+          <a:lstStyle/>
+          <a:p>
+            <a:fld id="{87B78B44-2135-4DB2-B732-E7D5FFF77B6A}" type="slidenum">
+              <a:rPr lang="en-US" smtClean="0"/>
+              <a:pPr/>
+              <a:t>35</a:t>
+            </a:fld>
+            <a:endParaRPr lang="en-US"/>
+          </a:p>
+        </p:txBody>
+      </p:sp>
+      <p:sp>
+        <p:nvSpPr>
+          <p:cNvPr id="5" name="Content Placeholder 4">
+            <a:extLst>
+              <a:ext uri="{FF2B5EF4-FFF2-40B4-BE49-F238E27FC236}">
+                <a16:creationId xmlns:a16="http://schemas.microsoft.com/office/drawing/2014/main" id="{45582B2F-8460-4937-8361-0932A7ECC85B}"/>
+              </a:ext>
+            </a:extLst>
+          </p:cNvPr>
+          <p:cNvSpPr>
+            <a:spLocks noGrp="1"/>
+          </p:cNvSpPr>
+          <p:nvPr>
+            <p:ph sz="quarter" idx="1"/>
+          </p:nvPr>
+        </p:nvSpPr>
+        <p:spPr/>
+        <p:txBody>
+          <a:bodyPr/>
+          <a:lstStyle/>
+          <a:p>
+            <a:r>
+              <a:rPr lang="en-US" dirty="0"/>
+              <a:t>Group a list of elements without adding extra node</a:t>
+            </a:r>
+            <a:endParaRPr lang="he-IL" dirty="0"/>
+          </a:p>
+        </p:txBody>
+      </p:sp>
+      <p:sp>
+        <p:nvSpPr>
+          <p:cNvPr id="6" name="Rectangle 5">
+            <a:extLst>
+              <a:ext uri="{FF2B5EF4-FFF2-40B4-BE49-F238E27FC236}">
+                <a16:creationId xmlns:a16="http://schemas.microsoft.com/office/drawing/2014/main" id="{BBD2AFAD-0E35-43DD-856F-38F85A319491}"/>
+              </a:ext>
+            </a:extLst>
+          </p:cNvPr>
+          <p:cNvSpPr/>
+          <p:nvPr/>
+        </p:nvSpPr>
+        <p:spPr>
+          <a:xfrm>
+            <a:off x="2286000" y="2492896"/>
+            <a:ext cx="4572000" cy="3416320"/>
+          </a:xfrm>
+          <a:prstGeom prst="rect">
+            <a:avLst/>
+          </a:prstGeom>
+          <a:solidFill>
+            <a:schemeClr val="accent1">
+              <a:lumMod val="40000"/>
+              <a:lumOff val="60000"/>
+            </a:schemeClr>
+          </a:solidFill>
+        </p:spPr>
+        <p:txBody>
+          <a:bodyPr>
+            <a:spAutoFit/>
+          </a:bodyPr>
+          <a:lstStyle/>
+          <a:p>
+            <a:r>
+              <a:rPr lang="en-US" b="1" dirty="0">
+                <a:solidFill>
+                  <a:srgbClr val="000080"/>
+                </a:solidFill>
+                <a:latin typeface="Calibri" panose="020F0502020204030204" pitchFamily="34" charset="0"/>
+                <a:ea typeface="Calibri" panose="020F0502020204030204" pitchFamily="34" charset="0"/>
+                <a:cs typeface="Arial" panose="020B0604020202020204" pitchFamily="34" charset="0"/>
+              </a:rPr>
+              <a:t>export class </a:t>
+            </a:r>
+            <a:r>
+              <a:rPr lang="en-US" dirty="0">
+                <a:solidFill>
+                  <a:srgbClr val="000000"/>
+                </a:solidFill>
+                <a:latin typeface="Calibri" panose="020F0502020204030204" pitchFamily="34" charset="0"/>
+                <a:ea typeface="Calibri" panose="020F0502020204030204" pitchFamily="34" charset="0"/>
+                <a:cs typeface="Arial" panose="020B0604020202020204" pitchFamily="34" charset="0"/>
+              </a:rPr>
+              <a:t>App </a:t>
+            </a:r>
+            <a:r>
+              <a:rPr lang="en-US" b="1" dirty="0">
+                <a:solidFill>
+                  <a:srgbClr val="000080"/>
+                </a:solidFill>
+                <a:latin typeface="Calibri" panose="020F0502020204030204" pitchFamily="34" charset="0"/>
+                <a:ea typeface="Calibri" panose="020F0502020204030204" pitchFamily="34" charset="0"/>
+                <a:cs typeface="Arial" panose="020B0604020202020204" pitchFamily="34" charset="0"/>
+              </a:rPr>
+              <a:t>extends </a:t>
+            </a:r>
+            <a:r>
+              <a:rPr lang="en-US" dirty="0" err="1">
+                <a:solidFill>
+                  <a:srgbClr val="000000"/>
+                </a:solidFill>
+                <a:latin typeface="Calibri" panose="020F0502020204030204" pitchFamily="34" charset="0"/>
+                <a:ea typeface="Calibri" panose="020F0502020204030204" pitchFamily="34" charset="0"/>
+                <a:cs typeface="Arial" panose="020B0604020202020204" pitchFamily="34" charset="0"/>
+              </a:rPr>
+              <a:t>React.Component</a:t>
+            </a:r>
+            <a:r>
+              <a:rPr lang="en-US" dirty="0">
+                <a:solidFill>
+                  <a:srgbClr val="000000"/>
+                </a:solidFill>
+                <a:latin typeface="Calibri" panose="020F0502020204030204" pitchFamily="34" charset="0"/>
+                <a:ea typeface="Calibri" panose="020F0502020204030204" pitchFamily="34" charset="0"/>
+                <a:cs typeface="Arial" panose="020B0604020202020204" pitchFamily="34" charset="0"/>
+              </a:rPr>
+              <a:t> {</a:t>
+            </a:r>
+            <a:br>
+              <a:rPr lang="en-US" dirty="0">
+                <a:solidFill>
+                  <a:srgbClr val="000000"/>
+                </a:solidFill>
+                <a:latin typeface="Calibri" panose="020F0502020204030204" pitchFamily="34" charset="0"/>
+                <a:ea typeface="Calibri" panose="020F0502020204030204" pitchFamily="34" charset="0"/>
+                <a:cs typeface="Arial" panose="020B0604020202020204" pitchFamily="34" charset="0"/>
+              </a:rPr>
+            </a:br>
+            <a:r>
+              <a:rPr lang="en-US" dirty="0">
+                <a:solidFill>
+                  <a:srgbClr val="000000"/>
+                </a:solidFill>
+                <a:latin typeface="Calibri" panose="020F0502020204030204" pitchFamily="34" charset="0"/>
+                <a:ea typeface="Calibri" panose="020F0502020204030204" pitchFamily="34" charset="0"/>
+                <a:cs typeface="Arial" panose="020B0604020202020204" pitchFamily="34" charset="0"/>
+              </a:rPr>
+              <a:t>    </a:t>
+            </a:r>
+            <a:r>
+              <a:rPr lang="en-US" b="1" dirty="0">
+                <a:solidFill>
+                  <a:srgbClr val="000080"/>
+                </a:solidFill>
+                <a:latin typeface="Calibri" panose="020F0502020204030204" pitchFamily="34" charset="0"/>
+                <a:ea typeface="Calibri" panose="020F0502020204030204" pitchFamily="34" charset="0"/>
+                <a:cs typeface="Arial" panose="020B0604020202020204" pitchFamily="34" charset="0"/>
+              </a:rPr>
+              <a:t>constructor</a:t>
+            </a:r>
+            <a:r>
+              <a:rPr lang="en-US" dirty="0">
+                <a:solidFill>
+                  <a:srgbClr val="000000"/>
+                </a:solidFill>
+                <a:latin typeface="Calibri" panose="020F0502020204030204" pitchFamily="34" charset="0"/>
+                <a:ea typeface="Calibri" panose="020F0502020204030204" pitchFamily="34" charset="0"/>
+                <a:cs typeface="Arial" panose="020B0604020202020204" pitchFamily="34" charset="0"/>
+              </a:rPr>
+              <a:t>(props) {</a:t>
+            </a:r>
+            <a:br>
+              <a:rPr lang="en-US" dirty="0">
+                <a:solidFill>
+                  <a:srgbClr val="000000"/>
+                </a:solidFill>
+                <a:latin typeface="Calibri" panose="020F0502020204030204" pitchFamily="34" charset="0"/>
+                <a:ea typeface="Calibri" panose="020F0502020204030204" pitchFamily="34" charset="0"/>
+                <a:cs typeface="Arial" panose="020B0604020202020204" pitchFamily="34" charset="0"/>
+              </a:rPr>
+            </a:br>
+            <a:r>
+              <a:rPr lang="en-US" dirty="0">
+                <a:solidFill>
+                  <a:srgbClr val="000000"/>
+                </a:solidFill>
+                <a:latin typeface="Calibri" panose="020F0502020204030204" pitchFamily="34" charset="0"/>
+                <a:ea typeface="Calibri" panose="020F0502020204030204" pitchFamily="34" charset="0"/>
+                <a:cs typeface="Arial" panose="020B0604020202020204" pitchFamily="34" charset="0"/>
+              </a:rPr>
+              <a:t>        </a:t>
+            </a:r>
+            <a:r>
+              <a:rPr lang="en-US" b="1" dirty="0">
+                <a:solidFill>
+                  <a:srgbClr val="000080"/>
+                </a:solidFill>
+                <a:latin typeface="Calibri" panose="020F0502020204030204" pitchFamily="34" charset="0"/>
+                <a:ea typeface="Calibri" panose="020F0502020204030204" pitchFamily="34" charset="0"/>
+                <a:cs typeface="Arial" panose="020B0604020202020204" pitchFamily="34" charset="0"/>
+              </a:rPr>
+              <a:t>super</a:t>
+            </a:r>
+            <a:r>
+              <a:rPr lang="en-US" dirty="0">
+                <a:solidFill>
+                  <a:srgbClr val="000000"/>
+                </a:solidFill>
+                <a:latin typeface="Calibri" panose="020F0502020204030204" pitchFamily="34" charset="0"/>
+                <a:ea typeface="Calibri" panose="020F0502020204030204" pitchFamily="34" charset="0"/>
+                <a:cs typeface="Arial" panose="020B0604020202020204" pitchFamily="34" charset="0"/>
+              </a:rPr>
+              <a:t>(props);</a:t>
+            </a:r>
+            <a:br>
+              <a:rPr lang="en-US" dirty="0">
+                <a:solidFill>
+                  <a:srgbClr val="000000"/>
+                </a:solidFill>
+                <a:latin typeface="Calibri" panose="020F0502020204030204" pitchFamily="34" charset="0"/>
+                <a:ea typeface="Calibri" panose="020F0502020204030204" pitchFamily="34" charset="0"/>
+                <a:cs typeface="Arial" panose="020B0604020202020204" pitchFamily="34" charset="0"/>
+              </a:rPr>
+            </a:br>
+            <a:r>
+              <a:rPr lang="en-US" dirty="0">
+                <a:solidFill>
+                  <a:srgbClr val="000000"/>
+                </a:solidFill>
+                <a:latin typeface="Calibri" panose="020F0502020204030204" pitchFamily="34" charset="0"/>
+                <a:ea typeface="Calibri" panose="020F0502020204030204" pitchFamily="34" charset="0"/>
+                <a:cs typeface="Arial" panose="020B0604020202020204" pitchFamily="34" charset="0"/>
+              </a:rPr>
+              <a:t>    }</a:t>
+            </a:r>
+            <a:br>
+              <a:rPr lang="en-US" dirty="0">
+                <a:solidFill>
+                  <a:srgbClr val="000000"/>
+                </a:solidFill>
+                <a:latin typeface="Calibri" panose="020F0502020204030204" pitchFamily="34" charset="0"/>
+                <a:ea typeface="Calibri" panose="020F0502020204030204" pitchFamily="34" charset="0"/>
+                <a:cs typeface="Arial" panose="020B0604020202020204" pitchFamily="34" charset="0"/>
+              </a:rPr>
+            </a:br>
+            <a:br>
+              <a:rPr lang="en-US" dirty="0">
+                <a:solidFill>
+                  <a:srgbClr val="000000"/>
+                </a:solidFill>
+                <a:latin typeface="Calibri" panose="020F0502020204030204" pitchFamily="34" charset="0"/>
+                <a:ea typeface="Calibri" panose="020F0502020204030204" pitchFamily="34" charset="0"/>
+                <a:cs typeface="Arial" panose="020B0604020202020204" pitchFamily="34" charset="0"/>
+              </a:rPr>
+            </a:br>
+            <a:r>
+              <a:rPr lang="en-US" dirty="0">
+                <a:solidFill>
+                  <a:srgbClr val="000000"/>
+                </a:solidFill>
+                <a:latin typeface="Calibri" panose="020F0502020204030204" pitchFamily="34" charset="0"/>
+                <a:ea typeface="Calibri" panose="020F0502020204030204" pitchFamily="34" charset="0"/>
+                <a:cs typeface="Arial" panose="020B0604020202020204" pitchFamily="34" charset="0"/>
+              </a:rPr>
+              <a:t>    </a:t>
+            </a:r>
+            <a:r>
+              <a:rPr lang="en-US" dirty="0">
+                <a:solidFill>
+                  <a:srgbClr val="7A7A43"/>
+                </a:solidFill>
+                <a:latin typeface="Calibri" panose="020F0502020204030204" pitchFamily="34" charset="0"/>
+                <a:ea typeface="Calibri" panose="020F0502020204030204" pitchFamily="34" charset="0"/>
+                <a:cs typeface="Arial" panose="020B0604020202020204" pitchFamily="34" charset="0"/>
+              </a:rPr>
+              <a:t>render</a:t>
+            </a:r>
+            <a:r>
+              <a:rPr lang="en-US" dirty="0">
+                <a:solidFill>
+                  <a:srgbClr val="000000"/>
+                </a:solidFill>
+                <a:latin typeface="Calibri" panose="020F0502020204030204" pitchFamily="34" charset="0"/>
+                <a:ea typeface="Calibri" panose="020F0502020204030204" pitchFamily="34" charset="0"/>
+                <a:cs typeface="Arial" panose="020B0604020202020204" pitchFamily="34" charset="0"/>
+              </a:rPr>
+              <a:t>() {</a:t>
+            </a:r>
+            <a:br>
+              <a:rPr lang="en-US" dirty="0">
+                <a:solidFill>
+                  <a:srgbClr val="000000"/>
+                </a:solidFill>
+                <a:latin typeface="Calibri" panose="020F0502020204030204" pitchFamily="34" charset="0"/>
+                <a:ea typeface="Calibri" panose="020F0502020204030204" pitchFamily="34" charset="0"/>
+                <a:cs typeface="Arial" panose="020B0604020202020204" pitchFamily="34" charset="0"/>
+              </a:rPr>
+            </a:br>
+            <a:r>
+              <a:rPr lang="en-US" dirty="0">
+                <a:solidFill>
+                  <a:srgbClr val="000000"/>
+                </a:solidFill>
+                <a:latin typeface="Calibri" panose="020F0502020204030204" pitchFamily="34" charset="0"/>
+                <a:ea typeface="Calibri" panose="020F0502020204030204" pitchFamily="34" charset="0"/>
+                <a:cs typeface="Arial" panose="020B0604020202020204" pitchFamily="34" charset="0"/>
+              </a:rPr>
+              <a:t>        </a:t>
+            </a:r>
+            <a:r>
+              <a:rPr lang="en-US" b="1" dirty="0">
+                <a:solidFill>
+                  <a:srgbClr val="000080"/>
+                </a:solidFill>
+                <a:latin typeface="Calibri" panose="020F0502020204030204" pitchFamily="34" charset="0"/>
+                <a:ea typeface="Calibri" panose="020F0502020204030204" pitchFamily="34" charset="0"/>
+                <a:cs typeface="Arial" panose="020B0604020202020204" pitchFamily="34" charset="0"/>
+              </a:rPr>
+              <a:t>return </a:t>
+            </a:r>
+            <a:r>
+              <a:rPr lang="en-US" dirty="0">
+                <a:solidFill>
+                  <a:srgbClr val="000000"/>
+                </a:solidFill>
+                <a:latin typeface="Calibri" panose="020F0502020204030204" pitchFamily="34" charset="0"/>
+                <a:ea typeface="Calibri" panose="020F0502020204030204" pitchFamily="34" charset="0"/>
+                <a:cs typeface="Arial" panose="020B0604020202020204" pitchFamily="34" charset="0"/>
+              </a:rPr>
+              <a:t>&lt;&gt;</a:t>
+            </a:r>
+            <a:br>
+              <a:rPr lang="en-US" dirty="0">
+                <a:solidFill>
+                  <a:srgbClr val="000000"/>
+                </a:solidFill>
+                <a:latin typeface="Calibri" panose="020F0502020204030204" pitchFamily="34" charset="0"/>
+                <a:ea typeface="Calibri" panose="020F0502020204030204" pitchFamily="34" charset="0"/>
+                <a:cs typeface="Arial" panose="020B0604020202020204" pitchFamily="34" charset="0"/>
+              </a:rPr>
+            </a:br>
+            <a:r>
+              <a:rPr lang="en-US" dirty="0">
+                <a:solidFill>
+                  <a:srgbClr val="000000"/>
+                </a:solidFill>
+                <a:latin typeface="Calibri" panose="020F0502020204030204" pitchFamily="34" charset="0"/>
+                <a:ea typeface="Calibri" panose="020F0502020204030204" pitchFamily="34" charset="0"/>
+                <a:cs typeface="Arial" panose="020B0604020202020204" pitchFamily="34" charset="0"/>
+              </a:rPr>
+              <a:t>            &lt;</a:t>
+            </a:r>
+            <a:r>
+              <a:rPr lang="en-US" b="1" dirty="0">
+                <a:solidFill>
+                  <a:srgbClr val="000080"/>
+                </a:solidFill>
+                <a:latin typeface="Calibri" panose="020F0502020204030204" pitchFamily="34" charset="0"/>
+                <a:ea typeface="Calibri" panose="020F0502020204030204" pitchFamily="34" charset="0"/>
+                <a:cs typeface="Arial" panose="020B0604020202020204" pitchFamily="34" charset="0"/>
+              </a:rPr>
+              <a:t>h1</a:t>
+            </a:r>
+            <a:r>
+              <a:rPr lang="en-US" dirty="0">
+                <a:solidFill>
+                  <a:srgbClr val="000000"/>
+                </a:solidFill>
+                <a:latin typeface="Calibri" panose="020F0502020204030204" pitchFamily="34" charset="0"/>
+                <a:ea typeface="Calibri" panose="020F0502020204030204" pitchFamily="34" charset="0"/>
+                <a:cs typeface="Arial" panose="020B0604020202020204" pitchFamily="34" charset="0"/>
+              </a:rPr>
+              <a:t>&gt;Hello React&lt;/</a:t>
+            </a:r>
+            <a:r>
+              <a:rPr lang="en-US" b="1" dirty="0">
+                <a:solidFill>
+                  <a:srgbClr val="000080"/>
+                </a:solidFill>
+                <a:latin typeface="Calibri" panose="020F0502020204030204" pitchFamily="34" charset="0"/>
+                <a:ea typeface="Calibri" panose="020F0502020204030204" pitchFamily="34" charset="0"/>
+                <a:cs typeface="Arial" panose="020B0604020202020204" pitchFamily="34" charset="0"/>
+              </a:rPr>
+              <a:t>h1</a:t>
+            </a:r>
+            <a:r>
+              <a:rPr lang="en-US" dirty="0">
+                <a:solidFill>
+                  <a:srgbClr val="000000"/>
+                </a:solidFill>
+                <a:latin typeface="Calibri" panose="020F0502020204030204" pitchFamily="34" charset="0"/>
+                <a:ea typeface="Calibri" panose="020F0502020204030204" pitchFamily="34" charset="0"/>
+                <a:cs typeface="Arial" panose="020B0604020202020204" pitchFamily="34" charset="0"/>
+              </a:rPr>
+              <a:t>&gt;</a:t>
+            </a:r>
+            <a:br>
+              <a:rPr lang="en-US" dirty="0">
+                <a:solidFill>
+                  <a:srgbClr val="000000"/>
+                </a:solidFill>
+                <a:latin typeface="Calibri" panose="020F0502020204030204" pitchFamily="34" charset="0"/>
+                <a:ea typeface="Calibri" panose="020F0502020204030204" pitchFamily="34" charset="0"/>
+                <a:cs typeface="Arial" panose="020B0604020202020204" pitchFamily="34" charset="0"/>
+              </a:rPr>
+            </a:br>
+            <a:r>
+              <a:rPr lang="en-US" dirty="0">
+                <a:solidFill>
+                  <a:srgbClr val="000000"/>
+                </a:solidFill>
+                <a:latin typeface="Calibri" panose="020F0502020204030204" pitchFamily="34" charset="0"/>
+                <a:ea typeface="Calibri" panose="020F0502020204030204" pitchFamily="34" charset="0"/>
+                <a:cs typeface="Arial" panose="020B0604020202020204" pitchFamily="34" charset="0"/>
+              </a:rPr>
+              <a:t>            &lt;</a:t>
+            </a:r>
+            <a:r>
+              <a:rPr lang="en-US" b="1" dirty="0">
+                <a:solidFill>
+                  <a:srgbClr val="000080"/>
+                </a:solidFill>
+                <a:latin typeface="Calibri" panose="020F0502020204030204" pitchFamily="34" charset="0"/>
+                <a:ea typeface="Calibri" panose="020F0502020204030204" pitchFamily="34" charset="0"/>
+                <a:cs typeface="Arial" panose="020B0604020202020204" pitchFamily="34" charset="0"/>
+              </a:rPr>
+              <a:t>h2</a:t>
+            </a:r>
+            <a:r>
+              <a:rPr lang="en-US" dirty="0">
+                <a:solidFill>
+                  <a:srgbClr val="000000"/>
+                </a:solidFill>
+                <a:latin typeface="Calibri" panose="020F0502020204030204" pitchFamily="34" charset="0"/>
+                <a:ea typeface="Calibri" panose="020F0502020204030204" pitchFamily="34" charset="0"/>
+                <a:cs typeface="Arial" panose="020B0604020202020204" pitchFamily="34" charset="0"/>
+              </a:rPr>
+              <a:t>&gt;How are you&lt;/</a:t>
+            </a:r>
+            <a:r>
+              <a:rPr lang="en-US" b="1" dirty="0">
+                <a:solidFill>
+                  <a:srgbClr val="000080"/>
+                </a:solidFill>
+                <a:latin typeface="Calibri" panose="020F0502020204030204" pitchFamily="34" charset="0"/>
+                <a:ea typeface="Calibri" panose="020F0502020204030204" pitchFamily="34" charset="0"/>
+                <a:cs typeface="Arial" panose="020B0604020202020204" pitchFamily="34" charset="0"/>
+              </a:rPr>
+              <a:t>h2</a:t>
+            </a:r>
+            <a:r>
+              <a:rPr lang="en-US" dirty="0">
+                <a:solidFill>
+                  <a:srgbClr val="000000"/>
+                </a:solidFill>
+                <a:latin typeface="Calibri" panose="020F0502020204030204" pitchFamily="34" charset="0"/>
+                <a:ea typeface="Calibri" panose="020F0502020204030204" pitchFamily="34" charset="0"/>
+                <a:cs typeface="Arial" panose="020B0604020202020204" pitchFamily="34" charset="0"/>
+              </a:rPr>
+              <a:t>&gt;</a:t>
+            </a:r>
+            <a:br>
+              <a:rPr lang="en-US" dirty="0">
+                <a:solidFill>
+                  <a:srgbClr val="000000"/>
+                </a:solidFill>
+                <a:latin typeface="Calibri" panose="020F0502020204030204" pitchFamily="34" charset="0"/>
+                <a:ea typeface="Calibri" panose="020F0502020204030204" pitchFamily="34" charset="0"/>
+                <a:cs typeface="Arial" panose="020B0604020202020204" pitchFamily="34" charset="0"/>
+              </a:rPr>
+            </a:br>
+            <a:r>
+              <a:rPr lang="en-US" dirty="0">
+                <a:solidFill>
+                  <a:srgbClr val="000000"/>
+                </a:solidFill>
+                <a:latin typeface="Calibri" panose="020F0502020204030204" pitchFamily="34" charset="0"/>
+                <a:ea typeface="Calibri" panose="020F0502020204030204" pitchFamily="34" charset="0"/>
+                <a:cs typeface="Arial" panose="020B0604020202020204" pitchFamily="34" charset="0"/>
+              </a:rPr>
+              <a:t>        &lt;/&gt;</a:t>
+            </a:r>
+            <a:br>
+              <a:rPr lang="en-US" dirty="0">
+                <a:solidFill>
+                  <a:srgbClr val="000000"/>
+                </a:solidFill>
+                <a:latin typeface="Calibri" panose="020F0502020204030204" pitchFamily="34" charset="0"/>
+                <a:ea typeface="Calibri" panose="020F0502020204030204" pitchFamily="34" charset="0"/>
+                <a:cs typeface="Arial" panose="020B0604020202020204" pitchFamily="34" charset="0"/>
+              </a:rPr>
+            </a:br>
+            <a:r>
+              <a:rPr lang="en-US" dirty="0">
+                <a:solidFill>
+                  <a:srgbClr val="000000"/>
+                </a:solidFill>
+                <a:latin typeface="Calibri" panose="020F0502020204030204" pitchFamily="34" charset="0"/>
+                <a:ea typeface="Calibri" panose="020F0502020204030204" pitchFamily="34" charset="0"/>
+                <a:cs typeface="Arial" panose="020B0604020202020204" pitchFamily="34" charset="0"/>
+              </a:rPr>
+              <a:t>    }</a:t>
+            </a:r>
+            <a:br>
+              <a:rPr lang="en-US" dirty="0">
+                <a:solidFill>
+                  <a:srgbClr val="000000"/>
+                </a:solidFill>
+                <a:latin typeface="Calibri" panose="020F0502020204030204" pitchFamily="34" charset="0"/>
+                <a:ea typeface="Calibri" panose="020F0502020204030204" pitchFamily="34" charset="0"/>
+                <a:cs typeface="Arial" panose="020B0604020202020204" pitchFamily="34" charset="0"/>
+              </a:rPr>
+            </a:br>
+            <a:r>
+              <a:rPr lang="en-US" dirty="0">
+                <a:solidFill>
+                  <a:srgbClr val="000000"/>
+                </a:solidFill>
+                <a:latin typeface="Calibri" panose="020F0502020204030204" pitchFamily="34" charset="0"/>
+                <a:ea typeface="Calibri" panose="020F0502020204030204" pitchFamily="34" charset="0"/>
+                <a:cs typeface="Arial" panose="020B0604020202020204" pitchFamily="34" charset="0"/>
+              </a:rPr>
+              <a:t>}</a:t>
+            </a:r>
+            <a:endParaRPr lang="he-IL" dirty="0"/>
+          </a:p>
+        </p:txBody>
+      </p:sp>
+      <p:sp>
+        <p:nvSpPr>
+          <p:cNvPr id="7" name="Rectangle: Rounded Corners 6">
+            <a:extLst>
+              <a:ext uri="{FF2B5EF4-FFF2-40B4-BE49-F238E27FC236}">
+                <a16:creationId xmlns:a16="http://schemas.microsoft.com/office/drawing/2014/main" id="{46F87403-C711-416E-8DC1-BA15AF5CE9B3}"/>
+              </a:ext>
+            </a:extLst>
+          </p:cNvPr>
+          <p:cNvSpPr/>
+          <p:nvPr/>
+        </p:nvSpPr>
+        <p:spPr>
+          <a:xfrm>
+            <a:off x="7200866" y="2852936"/>
+            <a:ext cx="1475590" cy="1152128"/>
+          </a:xfrm>
+          <a:prstGeom prst="roundRect">
+            <a:avLst/>
+          </a:prstGeom>
+        </p:spPr>
+        <p:style>
+          <a:lnRef idx="2">
+            <a:schemeClr val="accent2">
+              <a:shade val="50000"/>
+            </a:schemeClr>
+          </a:lnRef>
+          <a:fillRef idx="1">
+            <a:schemeClr val="accent2"/>
+          </a:fillRef>
+          <a:effectRef idx="0">
+            <a:schemeClr val="accent2"/>
+          </a:effectRef>
+          <a:fontRef idx="minor">
+            <a:schemeClr val="lt1"/>
+          </a:fontRef>
+        </p:style>
+        <p:txBody>
+          <a:bodyPr rtlCol="1" anchor="ctr"/>
+          <a:lstStyle/>
+          <a:p>
+            <a:pPr algn="ctr"/>
+            <a:r>
+              <a:rPr lang="en-US" sz="1400" dirty="0"/>
+              <a:t>No node is created. Can also use the </a:t>
+            </a:r>
+            <a:r>
+              <a:rPr lang="en-US" sz="1400" dirty="0" err="1"/>
+              <a:t>React.Fragment</a:t>
+            </a:r>
+            <a:r>
+              <a:rPr lang="en-US" sz="1400" dirty="0"/>
+              <a:t> syntax</a:t>
+            </a:r>
+            <a:endParaRPr lang="he-IL" sz="1400" dirty="0"/>
+          </a:p>
+        </p:txBody>
+      </p:sp>
+      <p:cxnSp>
+        <p:nvCxnSpPr>
+          <p:cNvPr id="8" name="Straight Arrow Connector 7">
+            <a:extLst>
+              <a:ext uri="{FF2B5EF4-FFF2-40B4-BE49-F238E27FC236}">
+                <a16:creationId xmlns:a16="http://schemas.microsoft.com/office/drawing/2014/main" id="{3E473B98-8AA5-4E03-854E-4470ABCCC0FB}"/>
+              </a:ext>
+            </a:extLst>
+          </p:cNvPr>
+          <p:cNvCxnSpPr>
+            <a:cxnSpLocks/>
+            <a:stCxn id="7" idx="1"/>
+          </p:cNvCxnSpPr>
+          <p:nvPr/>
+        </p:nvCxnSpPr>
+        <p:spPr>
+          <a:xfrm flipH="1">
+            <a:off x="3707904" y="3429000"/>
+            <a:ext cx="3492962" cy="864096"/>
+          </a:xfrm>
+          <a:prstGeom prst="straightConnector1">
+            <a:avLst/>
+          </a:prstGeom>
+          <a:ln w="19050">
+            <a:tailEnd type="triangle"/>
+          </a:ln>
+        </p:spPr>
+        <p:style>
+          <a:lnRef idx="1">
+            <a:schemeClr val="accent2"/>
+          </a:lnRef>
+          <a:fillRef idx="0">
+            <a:schemeClr val="accent2"/>
+          </a:fillRef>
+          <a:effectRef idx="0">
+            <a:schemeClr val="accent2"/>
+          </a:effectRef>
+          <a:fontRef idx="minor">
+            <a:schemeClr val="tx1"/>
+          </a:fontRef>
+        </p:style>
+      </p:cxnSp>
+    </p:spTree>
+    <p:extLst>
+      <p:ext uri="{BB962C8B-B14F-4D97-AF65-F5344CB8AC3E}">
+        <p14:creationId xmlns:p14="http://schemas.microsoft.com/office/powerpoint/2010/main" val="4224270709"/>
+      </p:ext>
+    </p:extLst>
+  </p:cSld>
+  <p:clrMapOvr>
+    <a:masterClrMapping/>
+  </p:clrMapOvr>
+</p:sld>
+</file>
+
+<file path=ppt/slides/slide36.xml><?xml version="1.0" encoding="utf-8"?>
+<p:sld xmlns:a="http://schemas.openxmlformats.org/drawingml/2006/main" xmlns:r="http://schemas.openxmlformats.org/officeDocument/2006/relationships" xmlns:p="http://schemas.openxmlformats.org/presentationml/2006/main">
+  <p:cSld>
+    <p:spTree>
+      <p:nvGrpSpPr>
+        <p:cNvPr id="1" name=""/>
+        <p:cNvGrpSpPr/>
+        <p:nvPr/>
+      </p:nvGrpSpPr>
+      <p:grpSpPr>
+        <a:xfrm>
+          <a:off x="0" y="0"/>
+          <a:ext cx="0" cy="0"/>
+          <a:chOff x="0" y="0"/>
+          <a:chExt cx="0" cy="0"/>
+        </a:xfrm>
+      </p:grpSpPr>
+      <p:sp>
+        <p:nvSpPr>
+          <p:cNvPr id="2" name="Title 1">
+            <a:extLst>
+              <a:ext uri="{FF2B5EF4-FFF2-40B4-BE49-F238E27FC236}">
+                <a16:creationId xmlns:a16="http://schemas.microsoft.com/office/drawing/2014/main" id="{7BEF1122-6219-40A8-B5FA-17E05B888D1B}"/>
+              </a:ext>
+            </a:extLst>
+          </p:cNvPr>
+          <p:cNvSpPr>
+            <a:spLocks noGrp="1"/>
+          </p:cNvSpPr>
+          <p:nvPr>
+            <p:ph type="title"/>
+          </p:nvPr>
+        </p:nvSpPr>
+        <p:spPr/>
+        <p:txBody>
+          <a:bodyPr/>
+          <a:lstStyle/>
+          <a:p>
+            <a:r>
+              <a:rPr lang="en-US" dirty="0"/>
+              <a:t>Higher Order Component</a:t>
+            </a:r>
+            <a:endParaRPr lang="he-IL" dirty="0"/>
+          </a:p>
+        </p:txBody>
+      </p:sp>
+      <p:sp>
+        <p:nvSpPr>
+          <p:cNvPr id="3" name="Footer Placeholder 2">
+            <a:extLst>
+              <a:ext uri="{FF2B5EF4-FFF2-40B4-BE49-F238E27FC236}">
+                <a16:creationId xmlns:a16="http://schemas.microsoft.com/office/drawing/2014/main" id="{ADA9CCA6-6AFC-48E2-B298-A1721C81F127}"/>
+              </a:ext>
+            </a:extLst>
+          </p:cNvPr>
+          <p:cNvSpPr>
+            <a:spLocks noGrp="1"/>
+          </p:cNvSpPr>
+          <p:nvPr>
+            <p:ph type="ftr" sz="quarter" idx="11"/>
+          </p:nvPr>
+        </p:nvSpPr>
+        <p:spPr/>
+        <p:txBody>
+          <a:bodyPr/>
+          <a:lstStyle/>
+          <a:p>
+            <a:r>
+              <a:rPr lang="en-US"/>
+              <a:t>© 2018 Ori Calvo</a:t>
+            </a:r>
+            <a:endParaRPr lang="en-US" dirty="0"/>
+          </a:p>
+        </p:txBody>
+      </p:sp>
+      <p:sp>
+        <p:nvSpPr>
+          <p:cNvPr id="4" name="Slide Number Placeholder 3">
+            <a:extLst>
+              <a:ext uri="{FF2B5EF4-FFF2-40B4-BE49-F238E27FC236}">
+                <a16:creationId xmlns:a16="http://schemas.microsoft.com/office/drawing/2014/main" id="{96454933-E486-4FF2-96B1-14037EE2F274}"/>
+              </a:ext>
+            </a:extLst>
+          </p:cNvPr>
+          <p:cNvSpPr>
+            <a:spLocks noGrp="1"/>
+          </p:cNvSpPr>
+          <p:nvPr>
+            <p:ph type="sldNum" sz="quarter" idx="12"/>
+          </p:nvPr>
+        </p:nvSpPr>
+        <p:spPr/>
+        <p:txBody>
+          <a:bodyPr>
+            <a:normAutofit fontScale="85000" lnSpcReduction="20000"/>
+          </a:bodyPr>
+          <a:lstStyle/>
+          <a:p>
+            <a:fld id="{87B78B44-2135-4DB2-B732-E7D5FFF77B6A}" type="slidenum">
+              <a:rPr lang="en-US" smtClean="0"/>
+              <a:pPr/>
+              <a:t>36</a:t>
+            </a:fld>
+            <a:endParaRPr lang="en-US"/>
+          </a:p>
+        </p:txBody>
+      </p:sp>
+      <p:sp>
+        <p:nvSpPr>
+          <p:cNvPr id="5" name="Content Placeholder 4">
+            <a:extLst>
+              <a:ext uri="{FF2B5EF4-FFF2-40B4-BE49-F238E27FC236}">
+                <a16:creationId xmlns:a16="http://schemas.microsoft.com/office/drawing/2014/main" id="{BFFE8AF5-D9CB-4A34-B12E-C89D4B9BC933}"/>
+              </a:ext>
+            </a:extLst>
+          </p:cNvPr>
+          <p:cNvSpPr>
+            <a:spLocks noGrp="1"/>
+          </p:cNvSpPr>
+          <p:nvPr>
+            <p:ph sz="quarter" idx="1"/>
+          </p:nvPr>
+        </p:nvSpPr>
+        <p:spPr/>
+        <p:txBody>
+          <a:bodyPr/>
+          <a:lstStyle/>
+          <a:p>
+            <a:r>
+              <a:rPr lang="en-US" dirty="0"/>
+              <a:t>A.K.A HOC</a:t>
+            </a:r>
+          </a:p>
+          <a:p>
+            <a:r>
+              <a:rPr lang="en-US" dirty="0"/>
+              <a:t>A function that takes a component and returns a new one</a:t>
+            </a:r>
+            <a:endParaRPr lang="he-IL" dirty="0"/>
+          </a:p>
+        </p:txBody>
+      </p:sp>
+      <p:sp>
+        <p:nvSpPr>
+          <p:cNvPr id="6" name="Rectangle 5">
+            <a:extLst>
+              <a:ext uri="{FF2B5EF4-FFF2-40B4-BE49-F238E27FC236}">
+                <a16:creationId xmlns:a16="http://schemas.microsoft.com/office/drawing/2014/main" id="{EC4D87E3-CAF4-406A-823D-EC4DB6DCC914}"/>
+              </a:ext>
+            </a:extLst>
+          </p:cNvPr>
+          <p:cNvSpPr/>
+          <p:nvPr/>
+        </p:nvSpPr>
+        <p:spPr>
+          <a:xfrm>
+            <a:off x="1907704" y="3527890"/>
+            <a:ext cx="5328592" cy="2554545"/>
+          </a:xfrm>
+          <a:prstGeom prst="rect">
+            <a:avLst/>
+          </a:prstGeom>
+          <a:solidFill>
+            <a:schemeClr val="accent1">
+              <a:lumMod val="40000"/>
+              <a:lumOff val="60000"/>
+            </a:schemeClr>
+          </a:solidFill>
+        </p:spPr>
+        <p:txBody>
+          <a:bodyPr wrap="square">
+            <a:spAutoFit/>
+          </a:bodyPr>
+          <a:lstStyle/>
+          <a:p>
+            <a:r>
+              <a:rPr lang="en-US" sz="1600" b="1" dirty="0">
+                <a:solidFill>
+                  <a:srgbClr val="000080"/>
+                </a:solidFill>
+                <a:latin typeface="Calibri" panose="020F0502020204030204" pitchFamily="34" charset="0"/>
+                <a:ea typeface="Calibri" panose="020F0502020204030204" pitchFamily="34" charset="0"/>
+                <a:cs typeface="Arial" panose="020B0604020202020204" pitchFamily="34" charset="0"/>
+              </a:rPr>
+              <a:t>export const </a:t>
+            </a:r>
+            <a:r>
+              <a:rPr lang="en-US" sz="1600" dirty="0" err="1">
+                <a:solidFill>
+                  <a:srgbClr val="458383"/>
+                </a:solidFill>
+                <a:latin typeface="Calibri" panose="020F0502020204030204" pitchFamily="34" charset="0"/>
+                <a:ea typeface="Calibri" panose="020F0502020204030204" pitchFamily="34" charset="0"/>
+                <a:cs typeface="Arial" panose="020B0604020202020204" pitchFamily="34" charset="0"/>
+              </a:rPr>
+              <a:t>appStore</a:t>
+            </a:r>
+            <a:r>
+              <a:rPr lang="en-US" sz="1600" dirty="0">
+                <a:solidFill>
+                  <a:srgbClr val="000000"/>
+                </a:solidFill>
+                <a:latin typeface="Calibri" panose="020F0502020204030204" pitchFamily="34" charset="0"/>
+                <a:ea typeface="Calibri" panose="020F0502020204030204" pitchFamily="34" charset="0"/>
+                <a:cs typeface="Arial" panose="020B0604020202020204" pitchFamily="34" charset="0"/>
+              </a:rPr>
+              <a:t>: AppStore = {</a:t>
+            </a:r>
+            <a:br>
+              <a:rPr lang="en-US" sz="1600" dirty="0">
+                <a:solidFill>
+                  <a:srgbClr val="000000"/>
+                </a:solidFill>
+                <a:latin typeface="Calibri" panose="020F0502020204030204" pitchFamily="34" charset="0"/>
+                <a:ea typeface="Calibri" panose="020F0502020204030204" pitchFamily="34" charset="0"/>
+                <a:cs typeface="Arial" panose="020B0604020202020204" pitchFamily="34" charset="0"/>
+              </a:rPr>
+            </a:br>
+            <a:r>
+              <a:rPr lang="en-US" sz="1600" dirty="0">
+                <a:solidFill>
+                  <a:srgbClr val="000000"/>
+                </a:solidFill>
+                <a:latin typeface="Calibri" panose="020F0502020204030204" pitchFamily="34" charset="0"/>
+                <a:ea typeface="Calibri" panose="020F0502020204030204" pitchFamily="34" charset="0"/>
+                <a:cs typeface="Arial" panose="020B0604020202020204" pitchFamily="34" charset="0"/>
+              </a:rPr>
+              <a:t>    </a:t>
+            </a:r>
+            <a:r>
+              <a:rPr lang="en-US" sz="1600" b="1" dirty="0">
+                <a:solidFill>
+                  <a:srgbClr val="660E7A"/>
+                </a:solidFill>
+                <a:latin typeface="Calibri" panose="020F0502020204030204" pitchFamily="34" charset="0"/>
+                <a:ea typeface="Calibri" panose="020F0502020204030204" pitchFamily="34" charset="0"/>
+                <a:cs typeface="Arial" panose="020B0604020202020204" pitchFamily="34" charset="0"/>
+              </a:rPr>
+              <a:t>user</a:t>
+            </a:r>
+            <a:r>
+              <a:rPr lang="en-US" sz="1600" dirty="0">
+                <a:solidFill>
+                  <a:srgbClr val="000000"/>
+                </a:solidFill>
+                <a:latin typeface="Calibri" panose="020F0502020204030204" pitchFamily="34" charset="0"/>
+                <a:ea typeface="Calibri" panose="020F0502020204030204" pitchFamily="34" charset="0"/>
+                <a:cs typeface="Arial" panose="020B0604020202020204" pitchFamily="34" charset="0"/>
+              </a:rPr>
+              <a:t>: {</a:t>
+            </a:r>
+            <a:br>
+              <a:rPr lang="en-US" sz="1600" dirty="0">
+                <a:solidFill>
+                  <a:srgbClr val="000000"/>
+                </a:solidFill>
+                <a:latin typeface="Calibri" panose="020F0502020204030204" pitchFamily="34" charset="0"/>
+                <a:ea typeface="Calibri" panose="020F0502020204030204" pitchFamily="34" charset="0"/>
+                <a:cs typeface="Arial" panose="020B0604020202020204" pitchFamily="34" charset="0"/>
+              </a:rPr>
+            </a:br>
+            <a:r>
+              <a:rPr lang="en-US" sz="1600" dirty="0">
+                <a:solidFill>
+                  <a:srgbClr val="000000"/>
+                </a:solidFill>
+                <a:latin typeface="Calibri" panose="020F0502020204030204" pitchFamily="34" charset="0"/>
+                <a:ea typeface="Calibri" panose="020F0502020204030204" pitchFamily="34" charset="0"/>
+                <a:cs typeface="Arial" panose="020B0604020202020204" pitchFamily="34" charset="0"/>
+              </a:rPr>
+              <a:t>        </a:t>
+            </a:r>
+            <a:r>
+              <a:rPr lang="en-US" sz="1600" b="1" dirty="0">
+                <a:solidFill>
+                  <a:srgbClr val="660E7A"/>
+                </a:solidFill>
+                <a:latin typeface="Calibri" panose="020F0502020204030204" pitchFamily="34" charset="0"/>
+                <a:ea typeface="Calibri" panose="020F0502020204030204" pitchFamily="34" charset="0"/>
+                <a:cs typeface="Arial" panose="020B0604020202020204" pitchFamily="34" charset="0"/>
+              </a:rPr>
+              <a:t>id</a:t>
+            </a:r>
+            <a:r>
+              <a:rPr lang="en-US" sz="1600" dirty="0">
+                <a:solidFill>
+                  <a:srgbClr val="000000"/>
+                </a:solidFill>
+                <a:latin typeface="Calibri" panose="020F0502020204030204" pitchFamily="34" charset="0"/>
+                <a:ea typeface="Calibri" panose="020F0502020204030204" pitchFamily="34" charset="0"/>
+                <a:cs typeface="Arial" panose="020B0604020202020204" pitchFamily="34" charset="0"/>
+              </a:rPr>
+              <a:t>:</a:t>
+            </a:r>
+            <a:r>
+              <a:rPr lang="en-US" sz="1600" dirty="0">
+                <a:solidFill>
+                  <a:srgbClr val="0000FF"/>
+                </a:solidFill>
+                <a:latin typeface="Calibri" panose="020F0502020204030204" pitchFamily="34" charset="0"/>
+                <a:ea typeface="Calibri" panose="020F0502020204030204" pitchFamily="34" charset="0"/>
+                <a:cs typeface="Arial" panose="020B0604020202020204" pitchFamily="34" charset="0"/>
+              </a:rPr>
+              <a:t>1</a:t>
+            </a:r>
+            <a:r>
+              <a:rPr lang="en-US" sz="1600" dirty="0">
+                <a:solidFill>
+                  <a:srgbClr val="000000"/>
+                </a:solidFill>
+                <a:latin typeface="Calibri" panose="020F0502020204030204" pitchFamily="34" charset="0"/>
+                <a:ea typeface="Calibri" panose="020F0502020204030204" pitchFamily="34" charset="0"/>
+                <a:cs typeface="Arial" panose="020B0604020202020204" pitchFamily="34" charset="0"/>
+              </a:rPr>
+              <a:t>,</a:t>
+            </a:r>
+            <a:br>
+              <a:rPr lang="en-US" sz="1600" dirty="0">
+                <a:solidFill>
+                  <a:srgbClr val="000000"/>
+                </a:solidFill>
+                <a:latin typeface="Calibri" panose="020F0502020204030204" pitchFamily="34" charset="0"/>
+                <a:ea typeface="Calibri" panose="020F0502020204030204" pitchFamily="34" charset="0"/>
+                <a:cs typeface="Arial" panose="020B0604020202020204" pitchFamily="34" charset="0"/>
+              </a:rPr>
+            </a:br>
+            <a:r>
+              <a:rPr lang="en-US" sz="1600" dirty="0">
+                <a:solidFill>
+                  <a:srgbClr val="000000"/>
+                </a:solidFill>
+                <a:latin typeface="Calibri" panose="020F0502020204030204" pitchFamily="34" charset="0"/>
+                <a:ea typeface="Calibri" panose="020F0502020204030204" pitchFamily="34" charset="0"/>
+                <a:cs typeface="Arial" panose="020B0604020202020204" pitchFamily="34" charset="0"/>
+              </a:rPr>
+              <a:t>        </a:t>
+            </a:r>
+            <a:r>
+              <a:rPr lang="en-US" sz="1600" b="1" dirty="0" err="1">
+                <a:solidFill>
+                  <a:srgbClr val="660E7A"/>
+                </a:solidFill>
+                <a:latin typeface="Calibri" panose="020F0502020204030204" pitchFamily="34" charset="0"/>
+                <a:ea typeface="Calibri" panose="020F0502020204030204" pitchFamily="34" charset="0"/>
+                <a:cs typeface="Arial" panose="020B0604020202020204" pitchFamily="34" charset="0"/>
+              </a:rPr>
+              <a:t>name</a:t>
+            </a:r>
+            <a:r>
+              <a:rPr lang="en-US" sz="1600" dirty="0" err="1">
+                <a:solidFill>
+                  <a:srgbClr val="000000"/>
+                </a:solidFill>
+                <a:latin typeface="Calibri" panose="020F0502020204030204" pitchFamily="34" charset="0"/>
+                <a:ea typeface="Calibri" panose="020F0502020204030204" pitchFamily="34" charset="0"/>
+                <a:cs typeface="Arial" panose="020B0604020202020204" pitchFamily="34" charset="0"/>
+              </a:rPr>
+              <a:t>:</a:t>
+            </a:r>
+            <a:r>
+              <a:rPr lang="en-US" sz="1600" b="1" dirty="0" err="1">
+                <a:solidFill>
+                  <a:srgbClr val="008000"/>
+                </a:solidFill>
+                <a:latin typeface="Calibri" panose="020F0502020204030204" pitchFamily="34" charset="0"/>
+                <a:ea typeface="Calibri" panose="020F0502020204030204" pitchFamily="34" charset="0"/>
+                <a:cs typeface="Arial" panose="020B0604020202020204" pitchFamily="34" charset="0"/>
+              </a:rPr>
+              <a:t>"Ori</a:t>
+            </a:r>
+            <a:r>
+              <a:rPr lang="en-US" sz="1600" b="1" dirty="0">
+                <a:solidFill>
+                  <a:srgbClr val="008000"/>
+                </a:solidFill>
+                <a:latin typeface="Calibri" panose="020F0502020204030204" pitchFamily="34" charset="0"/>
+                <a:ea typeface="Calibri" panose="020F0502020204030204" pitchFamily="34" charset="0"/>
+                <a:cs typeface="Arial" panose="020B0604020202020204" pitchFamily="34" charset="0"/>
+              </a:rPr>
+              <a:t>"</a:t>
+            </a:r>
+            <a:r>
+              <a:rPr lang="en-US" sz="1600" dirty="0">
+                <a:solidFill>
+                  <a:srgbClr val="000000"/>
+                </a:solidFill>
+                <a:latin typeface="Calibri" panose="020F0502020204030204" pitchFamily="34" charset="0"/>
+                <a:ea typeface="Calibri" panose="020F0502020204030204" pitchFamily="34" charset="0"/>
+                <a:cs typeface="Arial" panose="020B0604020202020204" pitchFamily="34" charset="0"/>
+              </a:rPr>
+              <a:t>,</a:t>
+            </a:r>
+            <a:br>
+              <a:rPr lang="en-US" sz="1600" dirty="0">
+                <a:solidFill>
+                  <a:srgbClr val="000000"/>
+                </a:solidFill>
+                <a:latin typeface="Calibri" panose="020F0502020204030204" pitchFamily="34" charset="0"/>
+                <a:ea typeface="Calibri" panose="020F0502020204030204" pitchFamily="34" charset="0"/>
+                <a:cs typeface="Arial" panose="020B0604020202020204" pitchFamily="34" charset="0"/>
+              </a:rPr>
+            </a:br>
+            <a:r>
+              <a:rPr lang="en-US" sz="1600" dirty="0">
+                <a:solidFill>
+                  <a:srgbClr val="000000"/>
+                </a:solidFill>
+                <a:latin typeface="Calibri" panose="020F0502020204030204" pitchFamily="34" charset="0"/>
+                <a:ea typeface="Calibri" panose="020F0502020204030204" pitchFamily="34" charset="0"/>
+                <a:cs typeface="Arial" panose="020B0604020202020204" pitchFamily="34" charset="0"/>
+              </a:rPr>
+              <a:t>    }</a:t>
+            </a:r>
+            <a:br>
+              <a:rPr lang="en-US" sz="1600" dirty="0">
+                <a:solidFill>
+                  <a:srgbClr val="000000"/>
+                </a:solidFill>
+                <a:latin typeface="Calibri" panose="020F0502020204030204" pitchFamily="34" charset="0"/>
+                <a:ea typeface="Calibri" panose="020F0502020204030204" pitchFamily="34" charset="0"/>
+                <a:cs typeface="Arial" panose="020B0604020202020204" pitchFamily="34" charset="0"/>
+              </a:rPr>
+            </a:br>
+            <a:r>
+              <a:rPr lang="en-US" sz="1600" dirty="0">
+                <a:solidFill>
+                  <a:srgbClr val="000000"/>
+                </a:solidFill>
+                <a:latin typeface="Calibri" panose="020F0502020204030204" pitchFamily="34" charset="0"/>
+                <a:ea typeface="Calibri" panose="020F0502020204030204" pitchFamily="34" charset="0"/>
+                <a:cs typeface="Arial" panose="020B0604020202020204" pitchFamily="34" charset="0"/>
+              </a:rPr>
+              <a:t>}</a:t>
+            </a:r>
+            <a:br>
+              <a:rPr lang="en-US" sz="1600" dirty="0">
+                <a:solidFill>
+                  <a:srgbClr val="000000"/>
+                </a:solidFill>
+                <a:latin typeface="Calibri" panose="020F0502020204030204" pitchFamily="34" charset="0"/>
+                <a:ea typeface="Calibri" panose="020F0502020204030204" pitchFamily="34" charset="0"/>
+                <a:cs typeface="Arial" panose="020B0604020202020204" pitchFamily="34" charset="0"/>
+              </a:rPr>
+            </a:br>
+            <a:br>
+              <a:rPr lang="en-US" sz="1600" dirty="0">
+                <a:solidFill>
+                  <a:srgbClr val="000000"/>
+                </a:solidFill>
+                <a:latin typeface="Calibri" panose="020F0502020204030204" pitchFamily="34" charset="0"/>
+                <a:ea typeface="Calibri" panose="020F0502020204030204" pitchFamily="34" charset="0"/>
+                <a:cs typeface="Arial" panose="020B0604020202020204" pitchFamily="34" charset="0"/>
+              </a:rPr>
+            </a:br>
+            <a:r>
+              <a:rPr lang="en-US" sz="1600" b="1" dirty="0">
+                <a:solidFill>
+                  <a:srgbClr val="000080"/>
+                </a:solidFill>
+                <a:latin typeface="Calibri" panose="020F0502020204030204" pitchFamily="34" charset="0"/>
+                <a:ea typeface="Calibri" panose="020F0502020204030204" pitchFamily="34" charset="0"/>
+                <a:cs typeface="Arial" panose="020B0604020202020204" pitchFamily="34" charset="0"/>
+              </a:rPr>
+              <a:t>export function </a:t>
+            </a:r>
+            <a:r>
+              <a:rPr lang="en-US" sz="1600" i="1" dirty="0" err="1">
+                <a:solidFill>
+                  <a:srgbClr val="000000"/>
+                </a:solidFill>
+                <a:latin typeface="Calibri" panose="020F0502020204030204" pitchFamily="34" charset="0"/>
+                <a:ea typeface="Calibri" panose="020F0502020204030204" pitchFamily="34" charset="0"/>
+                <a:cs typeface="Arial" panose="020B0604020202020204" pitchFamily="34" charset="0"/>
+              </a:rPr>
+              <a:t>connectToStore</a:t>
+            </a:r>
+            <a:r>
+              <a:rPr lang="en-US" sz="1600" dirty="0">
+                <a:solidFill>
+                  <a:srgbClr val="000000"/>
+                </a:solidFill>
+                <a:latin typeface="Calibri" panose="020F0502020204030204" pitchFamily="34" charset="0"/>
+                <a:ea typeface="Calibri" panose="020F0502020204030204" pitchFamily="34" charset="0"/>
+                <a:cs typeface="Arial" panose="020B0604020202020204" pitchFamily="34" charset="0"/>
+              </a:rPr>
+              <a:t>(component: </a:t>
+            </a:r>
+            <a:r>
+              <a:rPr lang="en-US" sz="1600" b="1" dirty="0">
+                <a:solidFill>
+                  <a:srgbClr val="000080"/>
+                </a:solidFill>
+                <a:latin typeface="Calibri" panose="020F0502020204030204" pitchFamily="34" charset="0"/>
+                <a:ea typeface="Calibri" panose="020F0502020204030204" pitchFamily="34" charset="0"/>
+                <a:cs typeface="Arial" panose="020B0604020202020204" pitchFamily="34" charset="0"/>
+              </a:rPr>
+              <a:t>any</a:t>
+            </a:r>
+            <a:r>
+              <a:rPr lang="en-US" sz="1600" dirty="0">
+                <a:solidFill>
+                  <a:srgbClr val="000000"/>
+                </a:solidFill>
+                <a:latin typeface="Calibri" panose="020F0502020204030204" pitchFamily="34" charset="0"/>
+                <a:ea typeface="Calibri" panose="020F0502020204030204" pitchFamily="34" charset="0"/>
+                <a:cs typeface="Arial" panose="020B0604020202020204" pitchFamily="34" charset="0"/>
+              </a:rPr>
+              <a:t>) {</a:t>
+            </a:r>
+            <a:br>
+              <a:rPr lang="en-US" sz="1600" dirty="0">
+                <a:solidFill>
+                  <a:srgbClr val="000000"/>
+                </a:solidFill>
+                <a:latin typeface="Calibri" panose="020F0502020204030204" pitchFamily="34" charset="0"/>
+                <a:ea typeface="Calibri" panose="020F0502020204030204" pitchFamily="34" charset="0"/>
+                <a:cs typeface="Arial" panose="020B0604020202020204" pitchFamily="34" charset="0"/>
+              </a:rPr>
+            </a:br>
+            <a:r>
+              <a:rPr lang="en-US" sz="1600" dirty="0">
+                <a:solidFill>
+                  <a:srgbClr val="000000"/>
+                </a:solidFill>
+                <a:latin typeface="Calibri" panose="020F0502020204030204" pitchFamily="34" charset="0"/>
+                <a:ea typeface="Calibri" panose="020F0502020204030204" pitchFamily="34" charset="0"/>
+                <a:cs typeface="Arial" panose="020B0604020202020204" pitchFamily="34" charset="0"/>
+              </a:rPr>
+              <a:t>    </a:t>
+            </a:r>
+            <a:r>
+              <a:rPr lang="en-US" sz="1600" b="1" dirty="0">
+                <a:solidFill>
+                  <a:srgbClr val="000080"/>
+                </a:solidFill>
+                <a:latin typeface="Calibri" panose="020F0502020204030204" pitchFamily="34" charset="0"/>
+                <a:ea typeface="Calibri" panose="020F0502020204030204" pitchFamily="34" charset="0"/>
+                <a:cs typeface="Arial" panose="020B0604020202020204" pitchFamily="34" charset="0"/>
+              </a:rPr>
+              <a:t>return </a:t>
+            </a:r>
+            <a:r>
+              <a:rPr lang="en-US" sz="1600" dirty="0">
+                <a:solidFill>
+                  <a:srgbClr val="000000"/>
+                </a:solidFill>
+                <a:latin typeface="Calibri" panose="020F0502020204030204" pitchFamily="34" charset="0"/>
+                <a:ea typeface="Calibri" panose="020F0502020204030204" pitchFamily="34" charset="0"/>
+                <a:cs typeface="Arial" panose="020B0604020202020204" pitchFamily="34" charset="0"/>
+              </a:rPr>
+              <a:t>() =&gt; </a:t>
+            </a:r>
+            <a:r>
+              <a:rPr lang="en-US" sz="1600" dirty="0" err="1">
+                <a:solidFill>
+                  <a:srgbClr val="000000"/>
+                </a:solidFill>
+                <a:latin typeface="Calibri" panose="020F0502020204030204" pitchFamily="34" charset="0"/>
+                <a:ea typeface="Calibri" panose="020F0502020204030204" pitchFamily="34" charset="0"/>
+                <a:cs typeface="Arial" panose="020B0604020202020204" pitchFamily="34" charset="0"/>
+              </a:rPr>
+              <a:t>React.</a:t>
+            </a:r>
+            <a:r>
+              <a:rPr lang="en-US" sz="1600" i="1" dirty="0" err="1">
+                <a:solidFill>
+                  <a:srgbClr val="000000"/>
+                </a:solidFill>
+                <a:latin typeface="Calibri" panose="020F0502020204030204" pitchFamily="34" charset="0"/>
+                <a:ea typeface="Calibri" panose="020F0502020204030204" pitchFamily="34" charset="0"/>
+                <a:cs typeface="Arial" panose="020B0604020202020204" pitchFamily="34" charset="0"/>
+              </a:rPr>
+              <a:t>createElement</a:t>
+            </a:r>
+            <a:r>
+              <a:rPr lang="en-US" sz="1600" dirty="0">
+                <a:solidFill>
+                  <a:srgbClr val="000000"/>
+                </a:solidFill>
+                <a:latin typeface="Calibri" panose="020F0502020204030204" pitchFamily="34" charset="0"/>
+                <a:ea typeface="Calibri" panose="020F0502020204030204" pitchFamily="34" charset="0"/>
+                <a:cs typeface="Arial" panose="020B0604020202020204" pitchFamily="34" charset="0"/>
+              </a:rPr>
+              <a:t>(component, </a:t>
+            </a:r>
+            <a:r>
+              <a:rPr lang="en-US" sz="1600" dirty="0" err="1">
+                <a:solidFill>
+                  <a:srgbClr val="458383"/>
+                </a:solidFill>
+                <a:latin typeface="Calibri" panose="020F0502020204030204" pitchFamily="34" charset="0"/>
+                <a:ea typeface="Calibri" panose="020F0502020204030204" pitchFamily="34" charset="0"/>
+                <a:cs typeface="Arial" panose="020B0604020202020204" pitchFamily="34" charset="0"/>
+              </a:rPr>
+              <a:t>appStore</a:t>
+            </a:r>
+            <a:r>
+              <a:rPr lang="en-US" sz="1600" dirty="0">
+                <a:solidFill>
+                  <a:srgbClr val="000000"/>
+                </a:solidFill>
+                <a:latin typeface="Calibri" panose="020F0502020204030204" pitchFamily="34" charset="0"/>
+                <a:ea typeface="Calibri" panose="020F0502020204030204" pitchFamily="34" charset="0"/>
+                <a:cs typeface="Arial" panose="020B0604020202020204" pitchFamily="34" charset="0"/>
+              </a:rPr>
+              <a:t>);</a:t>
+            </a:r>
+            <a:br>
+              <a:rPr lang="en-US" sz="1600" dirty="0">
+                <a:solidFill>
+                  <a:srgbClr val="000000"/>
+                </a:solidFill>
+                <a:latin typeface="Calibri" panose="020F0502020204030204" pitchFamily="34" charset="0"/>
+                <a:ea typeface="Calibri" panose="020F0502020204030204" pitchFamily="34" charset="0"/>
+                <a:cs typeface="Arial" panose="020B0604020202020204" pitchFamily="34" charset="0"/>
+              </a:rPr>
+            </a:br>
+            <a:r>
+              <a:rPr lang="en-US" sz="1600" dirty="0">
+                <a:solidFill>
+                  <a:srgbClr val="000000"/>
+                </a:solidFill>
+                <a:latin typeface="Calibri" panose="020F0502020204030204" pitchFamily="34" charset="0"/>
+                <a:ea typeface="Calibri" panose="020F0502020204030204" pitchFamily="34" charset="0"/>
+                <a:cs typeface="Arial" panose="020B0604020202020204" pitchFamily="34" charset="0"/>
+              </a:rPr>
+              <a:t>}</a:t>
+            </a:r>
+            <a:endParaRPr lang="he-IL" sz="1600" dirty="0"/>
+          </a:p>
+        </p:txBody>
+      </p:sp>
+    </p:spTree>
+    <p:extLst>
+      <p:ext uri="{BB962C8B-B14F-4D97-AF65-F5344CB8AC3E}">
+        <p14:creationId xmlns:p14="http://schemas.microsoft.com/office/powerpoint/2010/main" val="1721250518"/>
+      </p:ext>
+    </p:extLst>
+  </p:cSld>
+  <p:clrMapOvr>
+    <a:masterClrMapping/>
+  </p:clrMapOvr>
+</p:sld>
+</file>
+
+<file path=ppt/slides/slide37.xml><?xml version="1.0" encoding="utf-8"?>
+<p:sld xmlns:a="http://schemas.openxmlformats.org/drawingml/2006/main" xmlns:r="http://schemas.openxmlformats.org/officeDocument/2006/relationships" xmlns:p="http://schemas.openxmlformats.org/presentationml/2006/main">
+  <p:cSld>
+    <p:spTree>
+      <p:nvGrpSpPr>
+        <p:cNvPr id="1" name=""/>
+        <p:cNvGrpSpPr/>
+        <p:nvPr/>
+      </p:nvGrpSpPr>
+      <p:grpSpPr>
+        <a:xfrm>
+          <a:off x="0" y="0"/>
+          <a:ext cx="0" cy="0"/>
+          <a:chOff x="0" y="0"/>
+          <a:chExt cx="0" cy="0"/>
+        </a:xfrm>
+      </p:grpSpPr>
+      <p:sp>
+        <p:nvSpPr>
+          <p:cNvPr id="2" name="Title 1">
+            <a:extLst>
+              <a:ext uri="{FF2B5EF4-FFF2-40B4-BE49-F238E27FC236}">
+                <a16:creationId xmlns:a16="http://schemas.microsoft.com/office/drawing/2014/main" id="{17AD4D02-CC44-43BD-A419-31A915CC0DD2}"/>
+              </a:ext>
+            </a:extLst>
+          </p:cNvPr>
+          <p:cNvSpPr>
+            <a:spLocks noGrp="1"/>
+          </p:cNvSpPr>
+          <p:nvPr>
+            <p:ph type="title"/>
+          </p:nvPr>
+        </p:nvSpPr>
+        <p:spPr/>
+        <p:txBody>
+          <a:bodyPr/>
+          <a:lstStyle/>
+          <a:p>
+            <a:r>
+              <a:rPr lang="en-US" dirty="0"/>
+              <a:t>Portal</a:t>
+            </a:r>
+            <a:endParaRPr lang="he-IL" dirty="0"/>
+          </a:p>
+        </p:txBody>
+      </p:sp>
+      <p:sp>
+        <p:nvSpPr>
+          <p:cNvPr id="3" name="Footer Placeholder 2">
+            <a:extLst>
+              <a:ext uri="{FF2B5EF4-FFF2-40B4-BE49-F238E27FC236}">
+                <a16:creationId xmlns:a16="http://schemas.microsoft.com/office/drawing/2014/main" id="{B1306EE4-B0D4-4F06-B79E-020B6DE76B52}"/>
+              </a:ext>
+            </a:extLst>
+          </p:cNvPr>
+          <p:cNvSpPr>
+            <a:spLocks noGrp="1"/>
+          </p:cNvSpPr>
+          <p:nvPr>
+            <p:ph type="ftr" sz="quarter" idx="11"/>
+          </p:nvPr>
+        </p:nvSpPr>
+        <p:spPr/>
+        <p:txBody>
+          <a:bodyPr/>
+          <a:lstStyle/>
+          <a:p>
+            <a:r>
+              <a:rPr lang="en-US"/>
+              <a:t>© 2018 Ori Calvo</a:t>
+            </a:r>
+            <a:endParaRPr lang="en-US" dirty="0"/>
+          </a:p>
+        </p:txBody>
+      </p:sp>
+      <p:sp>
+        <p:nvSpPr>
+          <p:cNvPr id="4" name="Slide Number Placeholder 3">
+            <a:extLst>
+              <a:ext uri="{FF2B5EF4-FFF2-40B4-BE49-F238E27FC236}">
+                <a16:creationId xmlns:a16="http://schemas.microsoft.com/office/drawing/2014/main" id="{BE7244A5-ACB9-46E1-B8CC-A1F6094DBEC2}"/>
+              </a:ext>
+            </a:extLst>
+          </p:cNvPr>
+          <p:cNvSpPr>
+            <a:spLocks noGrp="1"/>
+          </p:cNvSpPr>
+          <p:nvPr>
+            <p:ph type="sldNum" sz="quarter" idx="12"/>
+          </p:nvPr>
+        </p:nvSpPr>
+        <p:spPr/>
+        <p:txBody>
+          <a:bodyPr>
+            <a:normAutofit fontScale="85000" lnSpcReduction="20000"/>
+          </a:bodyPr>
+          <a:lstStyle/>
+          <a:p>
+            <a:fld id="{87B78B44-2135-4DB2-B732-E7D5FFF77B6A}" type="slidenum">
+              <a:rPr lang="en-US" smtClean="0"/>
+              <a:pPr/>
+              <a:t>37</a:t>
+            </a:fld>
+            <a:endParaRPr lang="en-US"/>
+          </a:p>
+        </p:txBody>
+      </p:sp>
+      <p:sp>
+        <p:nvSpPr>
+          <p:cNvPr id="5" name="Content Placeholder 4">
+            <a:extLst>
+              <a:ext uri="{FF2B5EF4-FFF2-40B4-BE49-F238E27FC236}">
+                <a16:creationId xmlns:a16="http://schemas.microsoft.com/office/drawing/2014/main" id="{4B29C05B-4F3A-4329-8C59-052F4A67B4AF}"/>
+              </a:ext>
+            </a:extLst>
+          </p:cNvPr>
+          <p:cNvSpPr>
+            <a:spLocks noGrp="1"/>
+          </p:cNvSpPr>
+          <p:nvPr>
+            <p:ph sz="quarter" idx="1"/>
+          </p:nvPr>
+        </p:nvSpPr>
+        <p:spPr/>
+        <p:txBody>
+          <a:bodyPr/>
+          <a:lstStyle/>
+          <a:p>
+            <a:r>
+              <a:rPr lang="en-US" dirty="0"/>
+              <a:t>Allows a component to render any where inside the DOM</a:t>
+            </a:r>
+            <a:endParaRPr lang="he-IL" dirty="0"/>
+          </a:p>
+        </p:txBody>
+      </p:sp>
+      <p:sp>
+        <p:nvSpPr>
+          <p:cNvPr id="6" name="Rectangle 5">
+            <a:extLst>
+              <a:ext uri="{FF2B5EF4-FFF2-40B4-BE49-F238E27FC236}">
+                <a16:creationId xmlns:a16="http://schemas.microsoft.com/office/drawing/2014/main" id="{3AF3A227-65EF-4423-9663-85311F91C819}"/>
+              </a:ext>
+            </a:extLst>
+          </p:cNvPr>
+          <p:cNvSpPr/>
+          <p:nvPr/>
+        </p:nvSpPr>
+        <p:spPr>
+          <a:xfrm>
+            <a:off x="2704922" y="2708920"/>
+            <a:ext cx="3968852" cy="3631763"/>
+          </a:xfrm>
+          <a:prstGeom prst="rect">
+            <a:avLst/>
+          </a:prstGeom>
+          <a:solidFill>
+            <a:schemeClr val="accent1">
+              <a:lumMod val="40000"/>
+              <a:lumOff val="60000"/>
+            </a:schemeClr>
+          </a:solidFill>
+        </p:spPr>
+        <p:txBody>
+          <a:bodyPr wrap="square">
+            <a:spAutoFit/>
+          </a:bodyPr>
+          <a:lstStyle/>
+          <a:p>
+            <a:r>
+              <a:rPr lang="en-US" sz="1000" b="1" dirty="0">
+                <a:solidFill>
+                  <a:srgbClr val="000080"/>
+                </a:solidFill>
+                <a:latin typeface="Calibri" panose="020F0502020204030204" pitchFamily="34" charset="0"/>
+                <a:ea typeface="Calibri" panose="020F0502020204030204" pitchFamily="34" charset="0"/>
+                <a:cs typeface="Arial" panose="020B0604020202020204" pitchFamily="34" charset="0"/>
+              </a:rPr>
+              <a:t>export class </a:t>
+            </a:r>
+            <a:r>
+              <a:rPr lang="en-US" sz="1000" dirty="0">
+                <a:solidFill>
+                  <a:srgbClr val="000000"/>
+                </a:solidFill>
+                <a:latin typeface="Calibri" panose="020F0502020204030204" pitchFamily="34" charset="0"/>
+                <a:ea typeface="Calibri" panose="020F0502020204030204" pitchFamily="34" charset="0"/>
+                <a:cs typeface="Arial" panose="020B0604020202020204" pitchFamily="34" charset="0"/>
+              </a:rPr>
+              <a:t>Modal </a:t>
+            </a:r>
+            <a:r>
+              <a:rPr lang="en-US" sz="1000" b="1" dirty="0">
+                <a:solidFill>
+                  <a:srgbClr val="000080"/>
+                </a:solidFill>
+                <a:latin typeface="Calibri" panose="020F0502020204030204" pitchFamily="34" charset="0"/>
+                <a:ea typeface="Calibri" panose="020F0502020204030204" pitchFamily="34" charset="0"/>
+                <a:cs typeface="Arial" panose="020B0604020202020204" pitchFamily="34" charset="0"/>
+              </a:rPr>
+              <a:t>extends </a:t>
+            </a:r>
+            <a:r>
+              <a:rPr lang="en-US" sz="1000" dirty="0" err="1">
+                <a:solidFill>
+                  <a:srgbClr val="000000"/>
+                </a:solidFill>
+                <a:latin typeface="Calibri" panose="020F0502020204030204" pitchFamily="34" charset="0"/>
+                <a:ea typeface="Calibri" panose="020F0502020204030204" pitchFamily="34" charset="0"/>
+                <a:cs typeface="Arial" panose="020B0604020202020204" pitchFamily="34" charset="0"/>
+              </a:rPr>
+              <a:t>React.Component</a:t>
+            </a:r>
+            <a:r>
+              <a:rPr lang="en-US" sz="1000" dirty="0">
+                <a:solidFill>
+                  <a:srgbClr val="000000"/>
+                </a:solidFill>
+                <a:latin typeface="Calibri" panose="020F0502020204030204" pitchFamily="34" charset="0"/>
+                <a:ea typeface="Calibri" panose="020F0502020204030204" pitchFamily="34" charset="0"/>
+                <a:cs typeface="Arial" panose="020B0604020202020204" pitchFamily="34" charset="0"/>
+              </a:rPr>
+              <a:t> {</a:t>
+            </a:r>
+            <a:br>
+              <a:rPr lang="en-US" sz="1000" dirty="0">
+                <a:solidFill>
+                  <a:srgbClr val="000000"/>
+                </a:solidFill>
+                <a:latin typeface="Calibri" panose="020F0502020204030204" pitchFamily="34" charset="0"/>
+                <a:ea typeface="Calibri" panose="020F0502020204030204" pitchFamily="34" charset="0"/>
+                <a:cs typeface="Arial" panose="020B0604020202020204" pitchFamily="34" charset="0"/>
+              </a:rPr>
+            </a:br>
+            <a:r>
+              <a:rPr lang="en-US" sz="1000" dirty="0">
+                <a:solidFill>
+                  <a:srgbClr val="000000"/>
+                </a:solidFill>
+                <a:latin typeface="Calibri" panose="020F0502020204030204" pitchFamily="34" charset="0"/>
+                <a:ea typeface="Calibri" panose="020F0502020204030204" pitchFamily="34" charset="0"/>
+                <a:cs typeface="Arial" panose="020B0604020202020204" pitchFamily="34" charset="0"/>
+              </a:rPr>
+              <a:t>    </a:t>
+            </a:r>
+            <a:r>
+              <a:rPr lang="en-US" sz="1000" b="1" dirty="0">
+                <a:solidFill>
+                  <a:srgbClr val="660E7A"/>
+                </a:solidFill>
+                <a:latin typeface="Calibri" panose="020F0502020204030204" pitchFamily="34" charset="0"/>
+                <a:ea typeface="Calibri" panose="020F0502020204030204" pitchFamily="34" charset="0"/>
+                <a:cs typeface="Arial" panose="020B0604020202020204" pitchFamily="34" charset="0"/>
+              </a:rPr>
+              <a:t>el</a:t>
+            </a:r>
+            <a:r>
+              <a:rPr lang="en-US" sz="1000" dirty="0">
+                <a:solidFill>
+                  <a:srgbClr val="000000"/>
+                </a:solidFill>
+                <a:latin typeface="Calibri" panose="020F0502020204030204" pitchFamily="34" charset="0"/>
+                <a:ea typeface="Calibri" panose="020F0502020204030204" pitchFamily="34" charset="0"/>
+                <a:cs typeface="Arial" panose="020B0604020202020204" pitchFamily="34" charset="0"/>
+              </a:rPr>
+              <a:t>: </a:t>
+            </a:r>
+            <a:r>
+              <a:rPr lang="en-US" sz="1000" dirty="0" err="1">
+                <a:solidFill>
+                  <a:srgbClr val="000000"/>
+                </a:solidFill>
+                <a:latin typeface="Calibri" panose="020F0502020204030204" pitchFamily="34" charset="0"/>
+                <a:ea typeface="Calibri" panose="020F0502020204030204" pitchFamily="34" charset="0"/>
+                <a:cs typeface="Arial" panose="020B0604020202020204" pitchFamily="34" charset="0"/>
+              </a:rPr>
+              <a:t>HTMLElement</a:t>
+            </a:r>
+            <a:r>
+              <a:rPr lang="en-US" sz="1000" dirty="0">
+                <a:solidFill>
+                  <a:srgbClr val="000000"/>
+                </a:solidFill>
+                <a:latin typeface="Calibri" panose="020F0502020204030204" pitchFamily="34" charset="0"/>
+                <a:ea typeface="Calibri" panose="020F0502020204030204" pitchFamily="34" charset="0"/>
+                <a:cs typeface="Arial" panose="020B0604020202020204" pitchFamily="34" charset="0"/>
+              </a:rPr>
+              <a:t>;</a:t>
+            </a:r>
+            <a:br>
+              <a:rPr lang="en-US" sz="1000" dirty="0">
+                <a:solidFill>
+                  <a:srgbClr val="000000"/>
+                </a:solidFill>
+                <a:latin typeface="Calibri" panose="020F0502020204030204" pitchFamily="34" charset="0"/>
+                <a:ea typeface="Calibri" panose="020F0502020204030204" pitchFamily="34" charset="0"/>
+                <a:cs typeface="Arial" panose="020B0604020202020204" pitchFamily="34" charset="0"/>
+              </a:rPr>
+            </a:br>
+            <a:r>
+              <a:rPr lang="en-US" sz="1000" dirty="0">
+                <a:solidFill>
+                  <a:srgbClr val="000000"/>
+                </a:solidFill>
+                <a:latin typeface="Calibri" panose="020F0502020204030204" pitchFamily="34" charset="0"/>
+                <a:ea typeface="Calibri" panose="020F0502020204030204" pitchFamily="34" charset="0"/>
+                <a:cs typeface="Arial" panose="020B0604020202020204" pitchFamily="34" charset="0"/>
+              </a:rPr>
+              <a:t>    </a:t>
+            </a:r>
+            <a:r>
+              <a:rPr lang="en-US" sz="1000" b="1" dirty="0">
+                <a:solidFill>
+                  <a:srgbClr val="660E7A"/>
+                </a:solidFill>
+                <a:latin typeface="Calibri" panose="020F0502020204030204" pitchFamily="34" charset="0"/>
+                <a:ea typeface="Calibri" panose="020F0502020204030204" pitchFamily="34" charset="0"/>
+                <a:cs typeface="Arial" panose="020B0604020202020204" pitchFamily="34" charset="0"/>
+              </a:rPr>
+              <a:t>root</a:t>
+            </a:r>
+            <a:r>
+              <a:rPr lang="en-US" sz="1000" dirty="0">
+                <a:solidFill>
+                  <a:srgbClr val="000000"/>
+                </a:solidFill>
+                <a:latin typeface="Calibri" panose="020F0502020204030204" pitchFamily="34" charset="0"/>
+                <a:ea typeface="Calibri" panose="020F0502020204030204" pitchFamily="34" charset="0"/>
+                <a:cs typeface="Arial" panose="020B0604020202020204" pitchFamily="34" charset="0"/>
+              </a:rPr>
+              <a:t>: </a:t>
+            </a:r>
+            <a:r>
+              <a:rPr lang="en-US" sz="1000" dirty="0" err="1">
+                <a:solidFill>
+                  <a:srgbClr val="000000"/>
+                </a:solidFill>
+                <a:latin typeface="Calibri" panose="020F0502020204030204" pitchFamily="34" charset="0"/>
+                <a:ea typeface="Calibri" panose="020F0502020204030204" pitchFamily="34" charset="0"/>
+                <a:cs typeface="Arial" panose="020B0604020202020204" pitchFamily="34" charset="0"/>
+              </a:rPr>
+              <a:t>HTMLElement</a:t>
+            </a:r>
+            <a:r>
+              <a:rPr lang="en-US" sz="1000" dirty="0">
+                <a:solidFill>
+                  <a:srgbClr val="000000"/>
+                </a:solidFill>
+                <a:latin typeface="Calibri" panose="020F0502020204030204" pitchFamily="34" charset="0"/>
+                <a:ea typeface="Calibri" panose="020F0502020204030204" pitchFamily="34" charset="0"/>
+                <a:cs typeface="Arial" panose="020B0604020202020204" pitchFamily="34" charset="0"/>
+              </a:rPr>
+              <a:t>;</a:t>
+            </a:r>
+            <a:br>
+              <a:rPr lang="en-US" sz="1000" dirty="0">
+                <a:solidFill>
+                  <a:srgbClr val="000000"/>
+                </a:solidFill>
+                <a:latin typeface="Calibri" panose="020F0502020204030204" pitchFamily="34" charset="0"/>
+                <a:ea typeface="Calibri" panose="020F0502020204030204" pitchFamily="34" charset="0"/>
+                <a:cs typeface="Arial" panose="020B0604020202020204" pitchFamily="34" charset="0"/>
+              </a:rPr>
+            </a:br>
+            <a:br>
+              <a:rPr lang="en-US" sz="1000" dirty="0">
+                <a:solidFill>
+                  <a:srgbClr val="000000"/>
+                </a:solidFill>
+                <a:latin typeface="Calibri" panose="020F0502020204030204" pitchFamily="34" charset="0"/>
+                <a:ea typeface="Calibri" panose="020F0502020204030204" pitchFamily="34" charset="0"/>
+                <a:cs typeface="Arial" panose="020B0604020202020204" pitchFamily="34" charset="0"/>
+              </a:rPr>
+            </a:br>
+            <a:r>
+              <a:rPr lang="en-US" sz="1000" dirty="0">
+                <a:solidFill>
+                  <a:srgbClr val="000000"/>
+                </a:solidFill>
+                <a:latin typeface="Calibri" panose="020F0502020204030204" pitchFamily="34" charset="0"/>
+                <a:ea typeface="Calibri" panose="020F0502020204030204" pitchFamily="34" charset="0"/>
+                <a:cs typeface="Arial" panose="020B0604020202020204" pitchFamily="34" charset="0"/>
+              </a:rPr>
+              <a:t>    </a:t>
+            </a:r>
+            <a:r>
+              <a:rPr lang="en-US" sz="1000" b="1" dirty="0">
+                <a:solidFill>
+                  <a:srgbClr val="000080"/>
+                </a:solidFill>
+                <a:latin typeface="Calibri" panose="020F0502020204030204" pitchFamily="34" charset="0"/>
+                <a:ea typeface="Calibri" panose="020F0502020204030204" pitchFamily="34" charset="0"/>
+                <a:cs typeface="Arial" panose="020B0604020202020204" pitchFamily="34" charset="0"/>
+              </a:rPr>
+              <a:t>constructor</a:t>
+            </a:r>
+            <a:r>
+              <a:rPr lang="en-US" sz="1000" dirty="0">
+                <a:solidFill>
+                  <a:srgbClr val="000000"/>
+                </a:solidFill>
+                <a:latin typeface="Calibri" panose="020F0502020204030204" pitchFamily="34" charset="0"/>
+                <a:ea typeface="Calibri" panose="020F0502020204030204" pitchFamily="34" charset="0"/>
+                <a:cs typeface="Arial" panose="020B0604020202020204" pitchFamily="34" charset="0"/>
+              </a:rPr>
+              <a:t>(props) {</a:t>
+            </a:r>
+            <a:br>
+              <a:rPr lang="en-US" sz="1000" dirty="0">
+                <a:solidFill>
+                  <a:srgbClr val="000000"/>
+                </a:solidFill>
+                <a:latin typeface="Calibri" panose="020F0502020204030204" pitchFamily="34" charset="0"/>
+                <a:ea typeface="Calibri" panose="020F0502020204030204" pitchFamily="34" charset="0"/>
+                <a:cs typeface="Arial" panose="020B0604020202020204" pitchFamily="34" charset="0"/>
+              </a:rPr>
+            </a:br>
+            <a:r>
+              <a:rPr lang="en-US" sz="1000" dirty="0">
+                <a:solidFill>
+                  <a:srgbClr val="000000"/>
+                </a:solidFill>
+                <a:latin typeface="Calibri" panose="020F0502020204030204" pitchFamily="34" charset="0"/>
+                <a:ea typeface="Calibri" panose="020F0502020204030204" pitchFamily="34" charset="0"/>
+                <a:cs typeface="Arial" panose="020B0604020202020204" pitchFamily="34" charset="0"/>
+              </a:rPr>
+              <a:t>        </a:t>
+            </a:r>
+            <a:r>
+              <a:rPr lang="en-US" sz="1000" b="1" dirty="0">
+                <a:solidFill>
+                  <a:srgbClr val="000080"/>
+                </a:solidFill>
+                <a:latin typeface="Calibri" panose="020F0502020204030204" pitchFamily="34" charset="0"/>
+                <a:ea typeface="Calibri" panose="020F0502020204030204" pitchFamily="34" charset="0"/>
+                <a:cs typeface="Arial" panose="020B0604020202020204" pitchFamily="34" charset="0"/>
+              </a:rPr>
+              <a:t>super</a:t>
+            </a:r>
+            <a:r>
+              <a:rPr lang="en-US" sz="1000" dirty="0">
+                <a:solidFill>
+                  <a:srgbClr val="000000"/>
+                </a:solidFill>
+                <a:latin typeface="Calibri" panose="020F0502020204030204" pitchFamily="34" charset="0"/>
+                <a:ea typeface="Calibri" panose="020F0502020204030204" pitchFamily="34" charset="0"/>
+                <a:cs typeface="Arial" panose="020B0604020202020204" pitchFamily="34" charset="0"/>
+              </a:rPr>
+              <a:t>(props);</a:t>
+            </a:r>
+            <a:br>
+              <a:rPr lang="en-US" sz="1000" dirty="0">
+                <a:solidFill>
+                  <a:srgbClr val="000000"/>
+                </a:solidFill>
+                <a:latin typeface="Calibri" panose="020F0502020204030204" pitchFamily="34" charset="0"/>
+                <a:ea typeface="Calibri" panose="020F0502020204030204" pitchFamily="34" charset="0"/>
+                <a:cs typeface="Arial" panose="020B0604020202020204" pitchFamily="34" charset="0"/>
+              </a:rPr>
+            </a:br>
+            <a:br>
+              <a:rPr lang="en-US" sz="1000" dirty="0">
+                <a:solidFill>
+                  <a:srgbClr val="000000"/>
+                </a:solidFill>
+                <a:latin typeface="Calibri" panose="020F0502020204030204" pitchFamily="34" charset="0"/>
+                <a:ea typeface="Calibri" panose="020F0502020204030204" pitchFamily="34" charset="0"/>
+                <a:cs typeface="Arial" panose="020B0604020202020204" pitchFamily="34" charset="0"/>
+              </a:rPr>
+            </a:br>
+            <a:r>
+              <a:rPr lang="en-US" sz="1000" dirty="0">
+                <a:solidFill>
+                  <a:srgbClr val="000000"/>
+                </a:solidFill>
+                <a:latin typeface="Calibri" panose="020F0502020204030204" pitchFamily="34" charset="0"/>
+                <a:ea typeface="Calibri" panose="020F0502020204030204" pitchFamily="34" charset="0"/>
+                <a:cs typeface="Arial" panose="020B0604020202020204" pitchFamily="34" charset="0"/>
+              </a:rPr>
+              <a:t>        </a:t>
+            </a:r>
+            <a:r>
+              <a:rPr lang="en-US" sz="1000" b="1" dirty="0" err="1">
+                <a:solidFill>
+                  <a:srgbClr val="000080"/>
+                </a:solidFill>
+                <a:latin typeface="Calibri" panose="020F0502020204030204" pitchFamily="34" charset="0"/>
+                <a:ea typeface="Calibri" panose="020F0502020204030204" pitchFamily="34" charset="0"/>
+                <a:cs typeface="Arial" panose="020B0604020202020204" pitchFamily="34" charset="0"/>
+              </a:rPr>
+              <a:t>this</a:t>
+            </a:r>
+            <a:r>
+              <a:rPr lang="en-US" sz="1000" dirty="0" err="1">
+                <a:solidFill>
+                  <a:srgbClr val="000000"/>
+                </a:solidFill>
+                <a:latin typeface="Calibri" panose="020F0502020204030204" pitchFamily="34" charset="0"/>
+                <a:ea typeface="Calibri" panose="020F0502020204030204" pitchFamily="34" charset="0"/>
+                <a:cs typeface="Arial" panose="020B0604020202020204" pitchFamily="34" charset="0"/>
+              </a:rPr>
+              <a:t>.</a:t>
+            </a:r>
+            <a:r>
+              <a:rPr lang="en-US" sz="1000" b="1" dirty="0" err="1">
+                <a:solidFill>
+                  <a:srgbClr val="660E7A"/>
+                </a:solidFill>
+                <a:latin typeface="Calibri" panose="020F0502020204030204" pitchFamily="34" charset="0"/>
+                <a:ea typeface="Calibri" panose="020F0502020204030204" pitchFamily="34" charset="0"/>
+                <a:cs typeface="Arial" panose="020B0604020202020204" pitchFamily="34" charset="0"/>
+              </a:rPr>
+              <a:t>root</a:t>
+            </a:r>
+            <a:r>
+              <a:rPr lang="en-US" sz="1000" b="1" dirty="0">
+                <a:solidFill>
+                  <a:srgbClr val="660E7A"/>
+                </a:solidFill>
+                <a:latin typeface="Calibri" panose="020F0502020204030204" pitchFamily="34" charset="0"/>
+                <a:ea typeface="Calibri" panose="020F0502020204030204" pitchFamily="34" charset="0"/>
+                <a:cs typeface="Arial" panose="020B0604020202020204" pitchFamily="34" charset="0"/>
+              </a:rPr>
+              <a:t> </a:t>
+            </a:r>
+            <a:r>
+              <a:rPr lang="en-US" sz="1000" dirty="0">
+                <a:solidFill>
+                  <a:srgbClr val="000000"/>
+                </a:solidFill>
+                <a:latin typeface="Calibri" panose="020F0502020204030204" pitchFamily="34" charset="0"/>
+                <a:ea typeface="Calibri" panose="020F0502020204030204" pitchFamily="34" charset="0"/>
+                <a:cs typeface="Arial" panose="020B0604020202020204" pitchFamily="34" charset="0"/>
+              </a:rPr>
+              <a:t>= </a:t>
+            </a:r>
+            <a:r>
+              <a:rPr lang="en-US" sz="1000" b="1" i="1" dirty="0" err="1">
+                <a:solidFill>
+                  <a:srgbClr val="660E7A"/>
+                </a:solidFill>
+                <a:latin typeface="Calibri" panose="020F0502020204030204" pitchFamily="34" charset="0"/>
+                <a:ea typeface="Calibri" panose="020F0502020204030204" pitchFamily="34" charset="0"/>
+                <a:cs typeface="Arial" panose="020B0604020202020204" pitchFamily="34" charset="0"/>
+              </a:rPr>
+              <a:t>document</a:t>
+            </a:r>
+            <a:r>
+              <a:rPr lang="en-US" sz="1000" dirty="0" err="1">
+                <a:solidFill>
+                  <a:srgbClr val="000000"/>
+                </a:solidFill>
+                <a:latin typeface="Calibri" panose="020F0502020204030204" pitchFamily="34" charset="0"/>
+                <a:ea typeface="Calibri" panose="020F0502020204030204" pitchFamily="34" charset="0"/>
+                <a:cs typeface="Arial" panose="020B0604020202020204" pitchFamily="34" charset="0"/>
+              </a:rPr>
+              <a:t>.</a:t>
+            </a:r>
+            <a:r>
+              <a:rPr lang="en-US" sz="1000" dirty="0" err="1">
+                <a:solidFill>
+                  <a:srgbClr val="7A7A43"/>
+                </a:solidFill>
+                <a:latin typeface="Calibri" panose="020F0502020204030204" pitchFamily="34" charset="0"/>
+                <a:ea typeface="Calibri" panose="020F0502020204030204" pitchFamily="34" charset="0"/>
+                <a:cs typeface="Arial" panose="020B0604020202020204" pitchFamily="34" charset="0"/>
+              </a:rPr>
+              <a:t>querySelector</a:t>
+            </a:r>
+            <a:r>
+              <a:rPr lang="en-US" sz="1000" dirty="0">
+                <a:solidFill>
+                  <a:srgbClr val="000000"/>
+                </a:solidFill>
+                <a:latin typeface="Calibri" panose="020F0502020204030204" pitchFamily="34" charset="0"/>
+                <a:ea typeface="Calibri" panose="020F0502020204030204" pitchFamily="34" charset="0"/>
+                <a:cs typeface="Arial" panose="020B0604020202020204" pitchFamily="34" charset="0"/>
+              </a:rPr>
+              <a:t>(</a:t>
+            </a:r>
+            <a:r>
+              <a:rPr lang="en-US" sz="1000" b="1" dirty="0">
+                <a:solidFill>
+                  <a:srgbClr val="008000"/>
+                </a:solidFill>
+                <a:latin typeface="Calibri" panose="020F0502020204030204" pitchFamily="34" charset="0"/>
+                <a:ea typeface="Calibri" panose="020F0502020204030204" pitchFamily="34" charset="0"/>
+                <a:cs typeface="Arial" panose="020B0604020202020204" pitchFamily="34" charset="0"/>
+              </a:rPr>
+              <a:t>"body"</a:t>
+            </a:r>
+            <a:r>
+              <a:rPr lang="en-US" sz="1000" dirty="0">
+                <a:solidFill>
+                  <a:srgbClr val="000000"/>
+                </a:solidFill>
+                <a:latin typeface="Calibri" panose="020F0502020204030204" pitchFamily="34" charset="0"/>
+                <a:ea typeface="Calibri" panose="020F0502020204030204" pitchFamily="34" charset="0"/>
+                <a:cs typeface="Arial" panose="020B0604020202020204" pitchFamily="34" charset="0"/>
+              </a:rPr>
+              <a:t>);</a:t>
+            </a:r>
+            <a:br>
+              <a:rPr lang="en-US" sz="1000" dirty="0">
+                <a:solidFill>
+                  <a:srgbClr val="000000"/>
+                </a:solidFill>
+                <a:latin typeface="Calibri" panose="020F0502020204030204" pitchFamily="34" charset="0"/>
+                <a:ea typeface="Calibri" panose="020F0502020204030204" pitchFamily="34" charset="0"/>
+                <a:cs typeface="Arial" panose="020B0604020202020204" pitchFamily="34" charset="0"/>
+              </a:rPr>
+            </a:br>
+            <a:r>
+              <a:rPr lang="en-US" sz="1000" dirty="0">
+                <a:solidFill>
+                  <a:srgbClr val="000000"/>
+                </a:solidFill>
+                <a:latin typeface="Calibri" panose="020F0502020204030204" pitchFamily="34" charset="0"/>
+                <a:ea typeface="Calibri" panose="020F0502020204030204" pitchFamily="34" charset="0"/>
+                <a:cs typeface="Arial" panose="020B0604020202020204" pitchFamily="34" charset="0"/>
+              </a:rPr>
+              <a:t>        </a:t>
+            </a:r>
+            <a:r>
+              <a:rPr lang="en-US" sz="1000" b="1" dirty="0" err="1">
+                <a:solidFill>
+                  <a:srgbClr val="000080"/>
+                </a:solidFill>
+                <a:latin typeface="Calibri" panose="020F0502020204030204" pitchFamily="34" charset="0"/>
+                <a:ea typeface="Calibri" panose="020F0502020204030204" pitchFamily="34" charset="0"/>
+                <a:cs typeface="Arial" panose="020B0604020202020204" pitchFamily="34" charset="0"/>
+              </a:rPr>
+              <a:t>this</a:t>
+            </a:r>
+            <a:r>
+              <a:rPr lang="en-US" sz="1000" dirty="0" err="1">
+                <a:solidFill>
+                  <a:srgbClr val="000000"/>
+                </a:solidFill>
+                <a:latin typeface="Calibri" panose="020F0502020204030204" pitchFamily="34" charset="0"/>
+                <a:ea typeface="Calibri" panose="020F0502020204030204" pitchFamily="34" charset="0"/>
+                <a:cs typeface="Arial" panose="020B0604020202020204" pitchFamily="34" charset="0"/>
+              </a:rPr>
+              <a:t>.</a:t>
+            </a:r>
+            <a:r>
+              <a:rPr lang="en-US" sz="1000" b="1" dirty="0" err="1">
+                <a:solidFill>
+                  <a:srgbClr val="660E7A"/>
+                </a:solidFill>
+                <a:latin typeface="Calibri" panose="020F0502020204030204" pitchFamily="34" charset="0"/>
+                <a:ea typeface="Calibri" panose="020F0502020204030204" pitchFamily="34" charset="0"/>
+                <a:cs typeface="Arial" panose="020B0604020202020204" pitchFamily="34" charset="0"/>
+              </a:rPr>
+              <a:t>el</a:t>
+            </a:r>
+            <a:r>
+              <a:rPr lang="en-US" sz="1000" b="1" dirty="0">
+                <a:solidFill>
+                  <a:srgbClr val="660E7A"/>
+                </a:solidFill>
+                <a:latin typeface="Calibri" panose="020F0502020204030204" pitchFamily="34" charset="0"/>
+                <a:ea typeface="Calibri" panose="020F0502020204030204" pitchFamily="34" charset="0"/>
+                <a:cs typeface="Arial" panose="020B0604020202020204" pitchFamily="34" charset="0"/>
+              </a:rPr>
+              <a:t> </a:t>
+            </a:r>
+            <a:r>
+              <a:rPr lang="en-US" sz="1000" dirty="0">
+                <a:solidFill>
+                  <a:srgbClr val="000000"/>
+                </a:solidFill>
+                <a:latin typeface="Calibri" panose="020F0502020204030204" pitchFamily="34" charset="0"/>
+                <a:ea typeface="Calibri" panose="020F0502020204030204" pitchFamily="34" charset="0"/>
+                <a:cs typeface="Arial" panose="020B0604020202020204" pitchFamily="34" charset="0"/>
+              </a:rPr>
+              <a:t>= </a:t>
+            </a:r>
+            <a:r>
+              <a:rPr lang="en-US" sz="1000" b="1" i="1" dirty="0" err="1">
+                <a:solidFill>
+                  <a:srgbClr val="660E7A"/>
+                </a:solidFill>
+                <a:latin typeface="Calibri" panose="020F0502020204030204" pitchFamily="34" charset="0"/>
+                <a:ea typeface="Calibri" panose="020F0502020204030204" pitchFamily="34" charset="0"/>
+                <a:cs typeface="Arial" panose="020B0604020202020204" pitchFamily="34" charset="0"/>
+              </a:rPr>
+              <a:t>document</a:t>
+            </a:r>
+            <a:r>
+              <a:rPr lang="en-US" sz="1000" dirty="0" err="1">
+                <a:solidFill>
+                  <a:srgbClr val="000000"/>
+                </a:solidFill>
+                <a:latin typeface="Calibri" panose="020F0502020204030204" pitchFamily="34" charset="0"/>
+                <a:ea typeface="Calibri" panose="020F0502020204030204" pitchFamily="34" charset="0"/>
+                <a:cs typeface="Arial" panose="020B0604020202020204" pitchFamily="34" charset="0"/>
+              </a:rPr>
+              <a:t>.</a:t>
+            </a:r>
+            <a:r>
+              <a:rPr lang="en-US" sz="1000" dirty="0" err="1">
+                <a:solidFill>
+                  <a:srgbClr val="7A7A43"/>
+                </a:solidFill>
+                <a:latin typeface="Calibri" panose="020F0502020204030204" pitchFamily="34" charset="0"/>
+                <a:ea typeface="Calibri" panose="020F0502020204030204" pitchFamily="34" charset="0"/>
+                <a:cs typeface="Arial" panose="020B0604020202020204" pitchFamily="34" charset="0"/>
+              </a:rPr>
+              <a:t>createElement</a:t>
+            </a:r>
+            <a:r>
+              <a:rPr lang="en-US" sz="1000" dirty="0">
+                <a:solidFill>
+                  <a:srgbClr val="000000"/>
+                </a:solidFill>
+                <a:latin typeface="Calibri" panose="020F0502020204030204" pitchFamily="34" charset="0"/>
+                <a:ea typeface="Calibri" panose="020F0502020204030204" pitchFamily="34" charset="0"/>
+                <a:cs typeface="Arial" panose="020B0604020202020204" pitchFamily="34" charset="0"/>
+              </a:rPr>
+              <a:t>(</a:t>
+            </a:r>
+            <a:r>
+              <a:rPr lang="en-US" sz="1000" b="1" dirty="0">
+                <a:solidFill>
+                  <a:srgbClr val="008000"/>
+                </a:solidFill>
+                <a:latin typeface="Calibri" panose="020F0502020204030204" pitchFamily="34" charset="0"/>
+                <a:ea typeface="Calibri" panose="020F0502020204030204" pitchFamily="34" charset="0"/>
+                <a:cs typeface="Arial" panose="020B0604020202020204" pitchFamily="34" charset="0"/>
+              </a:rPr>
+              <a:t>'div'</a:t>
+            </a:r>
+            <a:r>
+              <a:rPr lang="en-US" sz="1000" dirty="0">
+                <a:solidFill>
+                  <a:srgbClr val="000000"/>
+                </a:solidFill>
+                <a:latin typeface="Calibri" panose="020F0502020204030204" pitchFamily="34" charset="0"/>
+                <a:ea typeface="Calibri" panose="020F0502020204030204" pitchFamily="34" charset="0"/>
+                <a:cs typeface="Arial" panose="020B0604020202020204" pitchFamily="34" charset="0"/>
+              </a:rPr>
+              <a:t>);</a:t>
+            </a:r>
+            <a:br>
+              <a:rPr lang="en-US" sz="1000" dirty="0">
+                <a:solidFill>
+                  <a:srgbClr val="000000"/>
+                </a:solidFill>
+                <a:latin typeface="Calibri" panose="020F0502020204030204" pitchFamily="34" charset="0"/>
+                <a:ea typeface="Calibri" panose="020F0502020204030204" pitchFamily="34" charset="0"/>
+                <a:cs typeface="Arial" panose="020B0604020202020204" pitchFamily="34" charset="0"/>
+              </a:rPr>
+            </a:br>
+            <a:r>
+              <a:rPr lang="en-US" sz="1000" dirty="0">
+                <a:solidFill>
+                  <a:srgbClr val="000000"/>
+                </a:solidFill>
+                <a:latin typeface="Calibri" panose="020F0502020204030204" pitchFamily="34" charset="0"/>
+                <a:ea typeface="Calibri" panose="020F0502020204030204" pitchFamily="34" charset="0"/>
+                <a:cs typeface="Arial" panose="020B0604020202020204" pitchFamily="34" charset="0"/>
+              </a:rPr>
+              <a:t>    }</a:t>
+            </a:r>
+            <a:br>
+              <a:rPr lang="en-US" sz="1000" dirty="0">
+                <a:solidFill>
+                  <a:srgbClr val="000000"/>
+                </a:solidFill>
+                <a:latin typeface="Calibri" panose="020F0502020204030204" pitchFamily="34" charset="0"/>
+                <a:ea typeface="Calibri" panose="020F0502020204030204" pitchFamily="34" charset="0"/>
+                <a:cs typeface="Arial" panose="020B0604020202020204" pitchFamily="34" charset="0"/>
+              </a:rPr>
+            </a:br>
+            <a:br>
+              <a:rPr lang="en-US" sz="1000" dirty="0">
+                <a:solidFill>
+                  <a:srgbClr val="000000"/>
+                </a:solidFill>
+                <a:latin typeface="Calibri" panose="020F0502020204030204" pitchFamily="34" charset="0"/>
+                <a:ea typeface="Calibri" panose="020F0502020204030204" pitchFamily="34" charset="0"/>
+                <a:cs typeface="Arial" panose="020B0604020202020204" pitchFamily="34" charset="0"/>
+              </a:rPr>
+            </a:br>
+            <a:r>
+              <a:rPr lang="en-US" sz="1000" dirty="0">
+                <a:solidFill>
+                  <a:srgbClr val="000000"/>
+                </a:solidFill>
+                <a:latin typeface="Calibri" panose="020F0502020204030204" pitchFamily="34" charset="0"/>
+                <a:ea typeface="Calibri" panose="020F0502020204030204" pitchFamily="34" charset="0"/>
+                <a:cs typeface="Arial" panose="020B0604020202020204" pitchFamily="34" charset="0"/>
+              </a:rPr>
+              <a:t>    </a:t>
+            </a:r>
+            <a:r>
+              <a:rPr lang="en-US" sz="1000" dirty="0" err="1">
+                <a:solidFill>
+                  <a:srgbClr val="7A7A43"/>
+                </a:solidFill>
+                <a:latin typeface="Calibri" panose="020F0502020204030204" pitchFamily="34" charset="0"/>
+                <a:ea typeface="Calibri" panose="020F0502020204030204" pitchFamily="34" charset="0"/>
+                <a:cs typeface="Arial" panose="020B0604020202020204" pitchFamily="34" charset="0"/>
+              </a:rPr>
+              <a:t>componentDidMount</a:t>
+            </a:r>
+            <a:r>
+              <a:rPr lang="en-US" sz="1000" dirty="0">
+                <a:solidFill>
+                  <a:srgbClr val="000000"/>
+                </a:solidFill>
+                <a:latin typeface="Calibri" panose="020F0502020204030204" pitchFamily="34" charset="0"/>
+                <a:ea typeface="Calibri" panose="020F0502020204030204" pitchFamily="34" charset="0"/>
+                <a:cs typeface="Arial" panose="020B0604020202020204" pitchFamily="34" charset="0"/>
+              </a:rPr>
+              <a:t>() {</a:t>
+            </a:r>
+            <a:br>
+              <a:rPr lang="en-US" sz="1000" dirty="0">
+                <a:solidFill>
+                  <a:srgbClr val="000000"/>
+                </a:solidFill>
+                <a:latin typeface="Calibri" panose="020F0502020204030204" pitchFamily="34" charset="0"/>
+                <a:ea typeface="Calibri" panose="020F0502020204030204" pitchFamily="34" charset="0"/>
+                <a:cs typeface="Arial" panose="020B0604020202020204" pitchFamily="34" charset="0"/>
+              </a:rPr>
+            </a:br>
+            <a:r>
+              <a:rPr lang="en-US" sz="1000" dirty="0">
+                <a:solidFill>
+                  <a:srgbClr val="000000"/>
+                </a:solidFill>
+                <a:latin typeface="Calibri" panose="020F0502020204030204" pitchFamily="34" charset="0"/>
+                <a:ea typeface="Calibri" panose="020F0502020204030204" pitchFamily="34" charset="0"/>
+                <a:cs typeface="Arial" panose="020B0604020202020204" pitchFamily="34" charset="0"/>
+              </a:rPr>
+              <a:t>        </a:t>
+            </a:r>
+            <a:r>
+              <a:rPr lang="en-US" sz="1000" b="1" dirty="0" err="1">
+                <a:solidFill>
+                  <a:srgbClr val="000080"/>
+                </a:solidFill>
+                <a:latin typeface="Calibri" panose="020F0502020204030204" pitchFamily="34" charset="0"/>
+                <a:ea typeface="Calibri" panose="020F0502020204030204" pitchFamily="34" charset="0"/>
+                <a:cs typeface="Arial" panose="020B0604020202020204" pitchFamily="34" charset="0"/>
+              </a:rPr>
+              <a:t>this</a:t>
+            </a:r>
+            <a:r>
+              <a:rPr lang="en-US" sz="1000" dirty="0" err="1">
+                <a:solidFill>
+                  <a:srgbClr val="000000"/>
+                </a:solidFill>
+                <a:latin typeface="Calibri" panose="020F0502020204030204" pitchFamily="34" charset="0"/>
+                <a:ea typeface="Calibri" panose="020F0502020204030204" pitchFamily="34" charset="0"/>
+                <a:cs typeface="Arial" panose="020B0604020202020204" pitchFamily="34" charset="0"/>
+              </a:rPr>
+              <a:t>.</a:t>
+            </a:r>
+            <a:r>
+              <a:rPr lang="en-US" sz="1000" b="1" dirty="0" err="1">
+                <a:solidFill>
+                  <a:srgbClr val="660E7A"/>
+                </a:solidFill>
+                <a:latin typeface="Calibri" panose="020F0502020204030204" pitchFamily="34" charset="0"/>
+                <a:ea typeface="Calibri" panose="020F0502020204030204" pitchFamily="34" charset="0"/>
+                <a:cs typeface="Arial" panose="020B0604020202020204" pitchFamily="34" charset="0"/>
+              </a:rPr>
+              <a:t>root</a:t>
+            </a:r>
+            <a:r>
+              <a:rPr lang="en-US" sz="1000" dirty="0" err="1">
+                <a:solidFill>
+                  <a:srgbClr val="000000"/>
+                </a:solidFill>
+                <a:latin typeface="Calibri" panose="020F0502020204030204" pitchFamily="34" charset="0"/>
+                <a:ea typeface="Calibri" panose="020F0502020204030204" pitchFamily="34" charset="0"/>
+                <a:cs typeface="Arial" panose="020B0604020202020204" pitchFamily="34" charset="0"/>
+              </a:rPr>
+              <a:t>.</a:t>
+            </a:r>
+            <a:r>
+              <a:rPr lang="en-US" sz="1000" dirty="0" err="1">
+                <a:solidFill>
+                  <a:srgbClr val="7A7A43"/>
+                </a:solidFill>
+                <a:latin typeface="Calibri" panose="020F0502020204030204" pitchFamily="34" charset="0"/>
+                <a:ea typeface="Calibri" panose="020F0502020204030204" pitchFamily="34" charset="0"/>
+                <a:cs typeface="Arial" panose="020B0604020202020204" pitchFamily="34" charset="0"/>
+              </a:rPr>
+              <a:t>appendChild</a:t>
+            </a:r>
+            <a:r>
+              <a:rPr lang="en-US" sz="1000" dirty="0">
+                <a:solidFill>
+                  <a:srgbClr val="000000"/>
+                </a:solidFill>
+                <a:latin typeface="Calibri" panose="020F0502020204030204" pitchFamily="34" charset="0"/>
+                <a:ea typeface="Calibri" panose="020F0502020204030204" pitchFamily="34" charset="0"/>
+                <a:cs typeface="Arial" panose="020B0604020202020204" pitchFamily="34" charset="0"/>
+              </a:rPr>
+              <a:t>(</a:t>
+            </a:r>
+            <a:r>
+              <a:rPr lang="en-US" sz="1000" b="1" dirty="0" err="1">
+                <a:solidFill>
+                  <a:srgbClr val="000080"/>
+                </a:solidFill>
+                <a:latin typeface="Calibri" panose="020F0502020204030204" pitchFamily="34" charset="0"/>
+                <a:ea typeface="Calibri" panose="020F0502020204030204" pitchFamily="34" charset="0"/>
+                <a:cs typeface="Arial" panose="020B0604020202020204" pitchFamily="34" charset="0"/>
+              </a:rPr>
+              <a:t>this</a:t>
+            </a:r>
+            <a:r>
+              <a:rPr lang="en-US" sz="1000" dirty="0" err="1">
+                <a:solidFill>
+                  <a:srgbClr val="000000"/>
+                </a:solidFill>
+                <a:latin typeface="Calibri" panose="020F0502020204030204" pitchFamily="34" charset="0"/>
+                <a:ea typeface="Calibri" panose="020F0502020204030204" pitchFamily="34" charset="0"/>
+                <a:cs typeface="Arial" panose="020B0604020202020204" pitchFamily="34" charset="0"/>
+              </a:rPr>
+              <a:t>.</a:t>
+            </a:r>
+            <a:r>
+              <a:rPr lang="en-US" sz="1000" b="1" dirty="0" err="1">
+                <a:solidFill>
+                  <a:srgbClr val="660E7A"/>
+                </a:solidFill>
+                <a:latin typeface="Calibri" panose="020F0502020204030204" pitchFamily="34" charset="0"/>
+                <a:ea typeface="Calibri" panose="020F0502020204030204" pitchFamily="34" charset="0"/>
+                <a:cs typeface="Arial" panose="020B0604020202020204" pitchFamily="34" charset="0"/>
+              </a:rPr>
+              <a:t>el</a:t>
+            </a:r>
+            <a:r>
+              <a:rPr lang="en-US" sz="1000" dirty="0">
+                <a:solidFill>
+                  <a:srgbClr val="000000"/>
+                </a:solidFill>
+                <a:latin typeface="Calibri" panose="020F0502020204030204" pitchFamily="34" charset="0"/>
+                <a:ea typeface="Calibri" panose="020F0502020204030204" pitchFamily="34" charset="0"/>
+                <a:cs typeface="Arial" panose="020B0604020202020204" pitchFamily="34" charset="0"/>
+              </a:rPr>
+              <a:t>);</a:t>
+            </a:r>
+            <a:br>
+              <a:rPr lang="en-US" sz="1000" dirty="0">
+                <a:solidFill>
+                  <a:srgbClr val="000000"/>
+                </a:solidFill>
+                <a:latin typeface="Calibri" panose="020F0502020204030204" pitchFamily="34" charset="0"/>
+                <a:ea typeface="Calibri" panose="020F0502020204030204" pitchFamily="34" charset="0"/>
+                <a:cs typeface="Arial" panose="020B0604020202020204" pitchFamily="34" charset="0"/>
+              </a:rPr>
+            </a:br>
+            <a:r>
+              <a:rPr lang="en-US" sz="1000" dirty="0">
+                <a:solidFill>
+                  <a:srgbClr val="000000"/>
+                </a:solidFill>
+                <a:latin typeface="Calibri" panose="020F0502020204030204" pitchFamily="34" charset="0"/>
+                <a:ea typeface="Calibri" panose="020F0502020204030204" pitchFamily="34" charset="0"/>
+                <a:cs typeface="Arial" panose="020B0604020202020204" pitchFamily="34" charset="0"/>
+              </a:rPr>
+              <a:t>    }</a:t>
+            </a:r>
+            <a:br>
+              <a:rPr lang="en-US" sz="1000" dirty="0">
+                <a:solidFill>
+                  <a:srgbClr val="000000"/>
+                </a:solidFill>
+                <a:latin typeface="Calibri" panose="020F0502020204030204" pitchFamily="34" charset="0"/>
+                <a:ea typeface="Calibri" panose="020F0502020204030204" pitchFamily="34" charset="0"/>
+                <a:cs typeface="Arial" panose="020B0604020202020204" pitchFamily="34" charset="0"/>
+              </a:rPr>
+            </a:br>
+            <a:br>
+              <a:rPr lang="en-US" sz="1000" dirty="0">
+                <a:solidFill>
+                  <a:srgbClr val="000000"/>
+                </a:solidFill>
+                <a:latin typeface="Calibri" panose="020F0502020204030204" pitchFamily="34" charset="0"/>
+                <a:ea typeface="Calibri" panose="020F0502020204030204" pitchFamily="34" charset="0"/>
+                <a:cs typeface="Arial" panose="020B0604020202020204" pitchFamily="34" charset="0"/>
+              </a:rPr>
+            </a:br>
+            <a:r>
+              <a:rPr lang="en-US" sz="1000" dirty="0">
+                <a:solidFill>
+                  <a:srgbClr val="000000"/>
+                </a:solidFill>
+                <a:latin typeface="Calibri" panose="020F0502020204030204" pitchFamily="34" charset="0"/>
+                <a:ea typeface="Calibri" panose="020F0502020204030204" pitchFamily="34" charset="0"/>
+                <a:cs typeface="Arial" panose="020B0604020202020204" pitchFamily="34" charset="0"/>
+              </a:rPr>
+              <a:t>    </a:t>
+            </a:r>
+            <a:r>
+              <a:rPr lang="en-US" sz="1000" dirty="0" err="1">
+                <a:solidFill>
+                  <a:srgbClr val="7A7A43"/>
+                </a:solidFill>
+                <a:latin typeface="Calibri" panose="020F0502020204030204" pitchFamily="34" charset="0"/>
+                <a:ea typeface="Calibri" panose="020F0502020204030204" pitchFamily="34" charset="0"/>
+                <a:cs typeface="Arial" panose="020B0604020202020204" pitchFamily="34" charset="0"/>
+              </a:rPr>
+              <a:t>componentWillUnmount</a:t>
+            </a:r>
+            <a:r>
+              <a:rPr lang="en-US" sz="1000" dirty="0">
+                <a:solidFill>
+                  <a:srgbClr val="000000"/>
+                </a:solidFill>
+                <a:latin typeface="Calibri" panose="020F0502020204030204" pitchFamily="34" charset="0"/>
+                <a:ea typeface="Calibri" panose="020F0502020204030204" pitchFamily="34" charset="0"/>
+                <a:cs typeface="Arial" panose="020B0604020202020204" pitchFamily="34" charset="0"/>
+              </a:rPr>
+              <a:t>() {</a:t>
+            </a:r>
+            <a:br>
+              <a:rPr lang="en-US" sz="1000" dirty="0">
+                <a:solidFill>
+                  <a:srgbClr val="000000"/>
+                </a:solidFill>
+                <a:latin typeface="Calibri" panose="020F0502020204030204" pitchFamily="34" charset="0"/>
+                <a:ea typeface="Calibri" panose="020F0502020204030204" pitchFamily="34" charset="0"/>
+                <a:cs typeface="Arial" panose="020B0604020202020204" pitchFamily="34" charset="0"/>
+              </a:rPr>
+            </a:br>
+            <a:r>
+              <a:rPr lang="en-US" sz="1000" dirty="0">
+                <a:solidFill>
+                  <a:srgbClr val="000000"/>
+                </a:solidFill>
+                <a:latin typeface="Calibri" panose="020F0502020204030204" pitchFamily="34" charset="0"/>
+                <a:ea typeface="Calibri" panose="020F0502020204030204" pitchFamily="34" charset="0"/>
+                <a:cs typeface="Arial" panose="020B0604020202020204" pitchFamily="34" charset="0"/>
+              </a:rPr>
+              <a:t>        </a:t>
+            </a:r>
+            <a:r>
+              <a:rPr lang="en-US" sz="1000" b="1" dirty="0" err="1">
+                <a:solidFill>
+                  <a:srgbClr val="000080"/>
+                </a:solidFill>
+                <a:latin typeface="Calibri" panose="020F0502020204030204" pitchFamily="34" charset="0"/>
+                <a:ea typeface="Calibri" panose="020F0502020204030204" pitchFamily="34" charset="0"/>
+                <a:cs typeface="Arial" panose="020B0604020202020204" pitchFamily="34" charset="0"/>
+              </a:rPr>
+              <a:t>this</a:t>
+            </a:r>
+            <a:r>
+              <a:rPr lang="en-US" sz="1000" dirty="0" err="1">
+                <a:solidFill>
+                  <a:srgbClr val="000000"/>
+                </a:solidFill>
+                <a:latin typeface="Calibri" panose="020F0502020204030204" pitchFamily="34" charset="0"/>
+                <a:ea typeface="Calibri" panose="020F0502020204030204" pitchFamily="34" charset="0"/>
+                <a:cs typeface="Arial" panose="020B0604020202020204" pitchFamily="34" charset="0"/>
+              </a:rPr>
+              <a:t>.</a:t>
+            </a:r>
+            <a:r>
+              <a:rPr lang="en-US" sz="1000" b="1" dirty="0" err="1">
+                <a:solidFill>
+                  <a:srgbClr val="660E7A"/>
+                </a:solidFill>
+                <a:latin typeface="Calibri" panose="020F0502020204030204" pitchFamily="34" charset="0"/>
+                <a:ea typeface="Calibri" panose="020F0502020204030204" pitchFamily="34" charset="0"/>
+                <a:cs typeface="Arial" panose="020B0604020202020204" pitchFamily="34" charset="0"/>
+              </a:rPr>
+              <a:t>root</a:t>
+            </a:r>
+            <a:r>
+              <a:rPr lang="en-US" sz="1000" dirty="0" err="1">
+                <a:solidFill>
+                  <a:srgbClr val="000000"/>
+                </a:solidFill>
+                <a:latin typeface="Calibri" panose="020F0502020204030204" pitchFamily="34" charset="0"/>
+                <a:ea typeface="Calibri" panose="020F0502020204030204" pitchFamily="34" charset="0"/>
+                <a:cs typeface="Arial" panose="020B0604020202020204" pitchFamily="34" charset="0"/>
+              </a:rPr>
+              <a:t>.</a:t>
+            </a:r>
+            <a:r>
+              <a:rPr lang="en-US" sz="1000" dirty="0" err="1">
+                <a:solidFill>
+                  <a:srgbClr val="7A7A43"/>
+                </a:solidFill>
+                <a:latin typeface="Calibri" panose="020F0502020204030204" pitchFamily="34" charset="0"/>
+                <a:ea typeface="Calibri" panose="020F0502020204030204" pitchFamily="34" charset="0"/>
+                <a:cs typeface="Arial" panose="020B0604020202020204" pitchFamily="34" charset="0"/>
+              </a:rPr>
+              <a:t>removeChild</a:t>
+            </a:r>
+            <a:r>
+              <a:rPr lang="en-US" sz="1000" dirty="0">
+                <a:solidFill>
+                  <a:srgbClr val="000000"/>
+                </a:solidFill>
+                <a:latin typeface="Calibri" panose="020F0502020204030204" pitchFamily="34" charset="0"/>
+                <a:ea typeface="Calibri" panose="020F0502020204030204" pitchFamily="34" charset="0"/>
+                <a:cs typeface="Arial" panose="020B0604020202020204" pitchFamily="34" charset="0"/>
+              </a:rPr>
+              <a:t>(</a:t>
+            </a:r>
+            <a:r>
+              <a:rPr lang="en-US" sz="1000" b="1" dirty="0" err="1">
+                <a:solidFill>
+                  <a:srgbClr val="000080"/>
+                </a:solidFill>
+                <a:latin typeface="Calibri" panose="020F0502020204030204" pitchFamily="34" charset="0"/>
+                <a:ea typeface="Calibri" panose="020F0502020204030204" pitchFamily="34" charset="0"/>
+                <a:cs typeface="Arial" panose="020B0604020202020204" pitchFamily="34" charset="0"/>
+              </a:rPr>
+              <a:t>this</a:t>
+            </a:r>
+            <a:r>
+              <a:rPr lang="en-US" sz="1000" dirty="0" err="1">
+                <a:solidFill>
+                  <a:srgbClr val="000000"/>
+                </a:solidFill>
+                <a:latin typeface="Calibri" panose="020F0502020204030204" pitchFamily="34" charset="0"/>
+                <a:ea typeface="Calibri" panose="020F0502020204030204" pitchFamily="34" charset="0"/>
+                <a:cs typeface="Arial" panose="020B0604020202020204" pitchFamily="34" charset="0"/>
+              </a:rPr>
+              <a:t>.</a:t>
+            </a:r>
+            <a:r>
+              <a:rPr lang="en-US" sz="1000" b="1" dirty="0" err="1">
+                <a:solidFill>
+                  <a:srgbClr val="660E7A"/>
+                </a:solidFill>
+                <a:latin typeface="Calibri" panose="020F0502020204030204" pitchFamily="34" charset="0"/>
+                <a:ea typeface="Calibri" panose="020F0502020204030204" pitchFamily="34" charset="0"/>
+                <a:cs typeface="Arial" panose="020B0604020202020204" pitchFamily="34" charset="0"/>
+              </a:rPr>
+              <a:t>el</a:t>
+            </a:r>
+            <a:r>
+              <a:rPr lang="en-US" sz="1000" dirty="0">
+                <a:solidFill>
+                  <a:srgbClr val="000000"/>
+                </a:solidFill>
+                <a:latin typeface="Calibri" panose="020F0502020204030204" pitchFamily="34" charset="0"/>
+                <a:ea typeface="Calibri" panose="020F0502020204030204" pitchFamily="34" charset="0"/>
+                <a:cs typeface="Arial" panose="020B0604020202020204" pitchFamily="34" charset="0"/>
+              </a:rPr>
+              <a:t>);</a:t>
+            </a:r>
+            <a:br>
+              <a:rPr lang="en-US" sz="1000" dirty="0">
+                <a:solidFill>
+                  <a:srgbClr val="000000"/>
+                </a:solidFill>
+                <a:latin typeface="Calibri" panose="020F0502020204030204" pitchFamily="34" charset="0"/>
+                <a:ea typeface="Calibri" panose="020F0502020204030204" pitchFamily="34" charset="0"/>
+                <a:cs typeface="Arial" panose="020B0604020202020204" pitchFamily="34" charset="0"/>
+              </a:rPr>
+            </a:br>
+            <a:r>
+              <a:rPr lang="en-US" sz="1000" dirty="0">
+                <a:solidFill>
+                  <a:srgbClr val="000000"/>
+                </a:solidFill>
+                <a:latin typeface="Calibri" panose="020F0502020204030204" pitchFamily="34" charset="0"/>
+                <a:ea typeface="Calibri" panose="020F0502020204030204" pitchFamily="34" charset="0"/>
+                <a:cs typeface="Arial" panose="020B0604020202020204" pitchFamily="34" charset="0"/>
+              </a:rPr>
+              <a:t>    }</a:t>
+            </a:r>
+            <a:br>
+              <a:rPr lang="en-US" sz="1000" dirty="0">
+                <a:solidFill>
+                  <a:srgbClr val="000000"/>
+                </a:solidFill>
+                <a:latin typeface="Calibri" panose="020F0502020204030204" pitchFamily="34" charset="0"/>
+                <a:ea typeface="Calibri" panose="020F0502020204030204" pitchFamily="34" charset="0"/>
+                <a:cs typeface="Arial" panose="020B0604020202020204" pitchFamily="34" charset="0"/>
+              </a:rPr>
+            </a:br>
+            <a:br>
+              <a:rPr lang="en-US" sz="1000" dirty="0">
+                <a:solidFill>
+                  <a:srgbClr val="000000"/>
+                </a:solidFill>
+                <a:latin typeface="Calibri" panose="020F0502020204030204" pitchFamily="34" charset="0"/>
+                <a:ea typeface="Calibri" panose="020F0502020204030204" pitchFamily="34" charset="0"/>
+                <a:cs typeface="Arial" panose="020B0604020202020204" pitchFamily="34" charset="0"/>
+              </a:rPr>
+            </a:br>
+            <a:r>
+              <a:rPr lang="en-US" sz="1000" dirty="0">
+                <a:solidFill>
+                  <a:srgbClr val="000000"/>
+                </a:solidFill>
+                <a:latin typeface="Calibri" panose="020F0502020204030204" pitchFamily="34" charset="0"/>
+                <a:ea typeface="Calibri" panose="020F0502020204030204" pitchFamily="34" charset="0"/>
+                <a:cs typeface="Arial" panose="020B0604020202020204" pitchFamily="34" charset="0"/>
+              </a:rPr>
+              <a:t>    </a:t>
+            </a:r>
+            <a:r>
+              <a:rPr lang="en-US" sz="1000" dirty="0">
+                <a:solidFill>
+                  <a:srgbClr val="7A7A43"/>
+                </a:solidFill>
+                <a:latin typeface="Calibri" panose="020F0502020204030204" pitchFamily="34" charset="0"/>
+                <a:ea typeface="Calibri" panose="020F0502020204030204" pitchFamily="34" charset="0"/>
+                <a:cs typeface="Arial" panose="020B0604020202020204" pitchFamily="34" charset="0"/>
+              </a:rPr>
+              <a:t>render</a:t>
+            </a:r>
+            <a:r>
+              <a:rPr lang="en-US" sz="1000" dirty="0">
+                <a:solidFill>
+                  <a:srgbClr val="000000"/>
+                </a:solidFill>
+                <a:latin typeface="Calibri" panose="020F0502020204030204" pitchFamily="34" charset="0"/>
+                <a:ea typeface="Calibri" panose="020F0502020204030204" pitchFamily="34" charset="0"/>
+                <a:cs typeface="Arial" panose="020B0604020202020204" pitchFamily="34" charset="0"/>
+              </a:rPr>
+              <a:t>() {</a:t>
+            </a:r>
+            <a:br>
+              <a:rPr lang="en-US" sz="1000" dirty="0">
+                <a:solidFill>
+                  <a:srgbClr val="000000"/>
+                </a:solidFill>
+                <a:latin typeface="Calibri" panose="020F0502020204030204" pitchFamily="34" charset="0"/>
+                <a:ea typeface="Calibri" panose="020F0502020204030204" pitchFamily="34" charset="0"/>
+                <a:cs typeface="Arial" panose="020B0604020202020204" pitchFamily="34" charset="0"/>
+              </a:rPr>
+            </a:br>
+            <a:r>
+              <a:rPr lang="en-US" sz="1000" dirty="0">
+                <a:solidFill>
+                  <a:srgbClr val="000000"/>
+                </a:solidFill>
+                <a:latin typeface="Calibri" panose="020F0502020204030204" pitchFamily="34" charset="0"/>
+                <a:ea typeface="Calibri" panose="020F0502020204030204" pitchFamily="34" charset="0"/>
+                <a:cs typeface="Arial" panose="020B0604020202020204" pitchFamily="34" charset="0"/>
+              </a:rPr>
+              <a:t>        </a:t>
+            </a:r>
+            <a:r>
+              <a:rPr lang="en-US" sz="1000" b="1" dirty="0">
+                <a:solidFill>
+                  <a:srgbClr val="000080"/>
+                </a:solidFill>
+                <a:latin typeface="Calibri" panose="020F0502020204030204" pitchFamily="34" charset="0"/>
+                <a:ea typeface="Calibri" panose="020F0502020204030204" pitchFamily="34" charset="0"/>
+                <a:cs typeface="Arial" panose="020B0604020202020204" pitchFamily="34" charset="0"/>
+              </a:rPr>
+              <a:t>return </a:t>
+            </a:r>
+            <a:r>
+              <a:rPr lang="en-US" sz="1000" dirty="0" err="1">
+                <a:solidFill>
+                  <a:srgbClr val="000000"/>
+                </a:solidFill>
+                <a:latin typeface="Calibri" panose="020F0502020204030204" pitchFamily="34" charset="0"/>
+                <a:ea typeface="Calibri" panose="020F0502020204030204" pitchFamily="34" charset="0"/>
+                <a:cs typeface="Arial" panose="020B0604020202020204" pitchFamily="34" charset="0"/>
+              </a:rPr>
+              <a:t>ReactDOM.</a:t>
+            </a:r>
+            <a:r>
+              <a:rPr lang="en-US" sz="1000" i="1" dirty="0" err="1">
+                <a:solidFill>
+                  <a:srgbClr val="000000"/>
+                </a:solidFill>
+                <a:latin typeface="Calibri" panose="020F0502020204030204" pitchFamily="34" charset="0"/>
+                <a:ea typeface="Calibri" panose="020F0502020204030204" pitchFamily="34" charset="0"/>
+                <a:cs typeface="Arial" panose="020B0604020202020204" pitchFamily="34" charset="0"/>
+              </a:rPr>
+              <a:t>createPortal</a:t>
+            </a:r>
+            <a:r>
+              <a:rPr lang="en-US" sz="1000" dirty="0">
+                <a:solidFill>
+                  <a:srgbClr val="000000"/>
+                </a:solidFill>
+                <a:latin typeface="Calibri" panose="020F0502020204030204" pitchFamily="34" charset="0"/>
+                <a:ea typeface="Calibri" panose="020F0502020204030204" pitchFamily="34" charset="0"/>
+                <a:cs typeface="Arial" panose="020B0604020202020204" pitchFamily="34" charset="0"/>
+              </a:rPr>
+              <a:t>(</a:t>
+            </a:r>
+            <a:r>
+              <a:rPr lang="en-US" sz="1000" b="1" dirty="0" err="1">
+                <a:solidFill>
+                  <a:srgbClr val="000080"/>
+                </a:solidFill>
+                <a:latin typeface="Calibri" panose="020F0502020204030204" pitchFamily="34" charset="0"/>
+                <a:ea typeface="Calibri" panose="020F0502020204030204" pitchFamily="34" charset="0"/>
+                <a:cs typeface="Arial" panose="020B0604020202020204" pitchFamily="34" charset="0"/>
+              </a:rPr>
+              <a:t>this</a:t>
+            </a:r>
+            <a:r>
+              <a:rPr lang="en-US" sz="1000" dirty="0" err="1">
+                <a:solidFill>
+                  <a:srgbClr val="000000"/>
+                </a:solidFill>
+                <a:latin typeface="Calibri" panose="020F0502020204030204" pitchFamily="34" charset="0"/>
+                <a:ea typeface="Calibri" panose="020F0502020204030204" pitchFamily="34" charset="0"/>
+                <a:cs typeface="Arial" panose="020B0604020202020204" pitchFamily="34" charset="0"/>
+              </a:rPr>
+              <a:t>.</a:t>
+            </a:r>
+            <a:r>
+              <a:rPr lang="en-US" sz="1000" b="1" dirty="0" err="1">
+                <a:solidFill>
+                  <a:srgbClr val="660E7A"/>
+                </a:solidFill>
+                <a:latin typeface="Calibri" panose="020F0502020204030204" pitchFamily="34" charset="0"/>
+                <a:ea typeface="Calibri" panose="020F0502020204030204" pitchFamily="34" charset="0"/>
+                <a:cs typeface="Arial" panose="020B0604020202020204" pitchFamily="34" charset="0"/>
+              </a:rPr>
+              <a:t>props</a:t>
+            </a:r>
+            <a:r>
+              <a:rPr lang="en-US" sz="1000" dirty="0" err="1">
+                <a:solidFill>
+                  <a:srgbClr val="000000"/>
+                </a:solidFill>
+                <a:latin typeface="Calibri" panose="020F0502020204030204" pitchFamily="34" charset="0"/>
+                <a:ea typeface="Calibri" panose="020F0502020204030204" pitchFamily="34" charset="0"/>
+                <a:cs typeface="Arial" panose="020B0604020202020204" pitchFamily="34" charset="0"/>
+              </a:rPr>
+              <a:t>.</a:t>
+            </a:r>
+            <a:r>
+              <a:rPr lang="en-US" sz="1000" b="1" dirty="0" err="1">
+                <a:solidFill>
+                  <a:srgbClr val="660E7A"/>
+                </a:solidFill>
+                <a:latin typeface="Calibri" panose="020F0502020204030204" pitchFamily="34" charset="0"/>
+                <a:ea typeface="Calibri" panose="020F0502020204030204" pitchFamily="34" charset="0"/>
+                <a:cs typeface="Arial" panose="020B0604020202020204" pitchFamily="34" charset="0"/>
+              </a:rPr>
+              <a:t>children</a:t>
+            </a:r>
+            <a:r>
+              <a:rPr lang="en-US" sz="1000" dirty="0">
+                <a:solidFill>
+                  <a:srgbClr val="000000"/>
+                </a:solidFill>
+                <a:latin typeface="Calibri" panose="020F0502020204030204" pitchFamily="34" charset="0"/>
+                <a:ea typeface="Calibri" panose="020F0502020204030204" pitchFamily="34" charset="0"/>
+                <a:cs typeface="Arial" panose="020B0604020202020204" pitchFamily="34" charset="0"/>
+              </a:rPr>
+              <a:t>, </a:t>
+            </a:r>
+            <a:r>
+              <a:rPr lang="en-US" sz="1000" b="1" dirty="0" err="1">
+                <a:solidFill>
+                  <a:srgbClr val="000080"/>
+                </a:solidFill>
+                <a:latin typeface="Calibri" panose="020F0502020204030204" pitchFamily="34" charset="0"/>
+                <a:ea typeface="Calibri" panose="020F0502020204030204" pitchFamily="34" charset="0"/>
+                <a:cs typeface="Arial" panose="020B0604020202020204" pitchFamily="34" charset="0"/>
+              </a:rPr>
+              <a:t>this</a:t>
+            </a:r>
+            <a:r>
+              <a:rPr lang="en-US" sz="1000" dirty="0" err="1">
+                <a:solidFill>
+                  <a:srgbClr val="000000"/>
+                </a:solidFill>
+                <a:latin typeface="Calibri" panose="020F0502020204030204" pitchFamily="34" charset="0"/>
+                <a:ea typeface="Calibri" panose="020F0502020204030204" pitchFamily="34" charset="0"/>
+                <a:cs typeface="Arial" panose="020B0604020202020204" pitchFamily="34" charset="0"/>
+              </a:rPr>
+              <a:t>.</a:t>
+            </a:r>
+            <a:r>
+              <a:rPr lang="en-US" sz="1000" b="1" dirty="0" err="1">
+                <a:solidFill>
+                  <a:srgbClr val="660E7A"/>
+                </a:solidFill>
+                <a:latin typeface="Calibri" panose="020F0502020204030204" pitchFamily="34" charset="0"/>
+                <a:ea typeface="Calibri" panose="020F0502020204030204" pitchFamily="34" charset="0"/>
+                <a:cs typeface="Arial" panose="020B0604020202020204" pitchFamily="34" charset="0"/>
+              </a:rPr>
+              <a:t>el</a:t>
+            </a:r>
+            <a:r>
+              <a:rPr lang="en-US" sz="1000" dirty="0">
+                <a:solidFill>
+                  <a:srgbClr val="000000"/>
+                </a:solidFill>
+                <a:latin typeface="Calibri" panose="020F0502020204030204" pitchFamily="34" charset="0"/>
+                <a:ea typeface="Calibri" panose="020F0502020204030204" pitchFamily="34" charset="0"/>
+                <a:cs typeface="Arial" panose="020B0604020202020204" pitchFamily="34" charset="0"/>
+              </a:rPr>
+              <a:t>);</a:t>
+            </a:r>
+            <a:br>
+              <a:rPr lang="en-US" sz="1000" dirty="0">
+                <a:solidFill>
+                  <a:srgbClr val="000000"/>
+                </a:solidFill>
+                <a:latin typeface="Calibri" panose="020F0502020204030204" pitchFamily="34" charset="0"/>
+                <a:ea typeface="Calibri" panose="020F0502020204030204" pitchFamily="34" charset="0"/>
+                <a:cs typeface="Arial" panose="020B0604020202020204" pitchFamily="34" charset="0"/>
+              </a:rPr>
+            </a:br>
+            <a:r>
+              <a:rPr lang="en-US" sz="1000" dirty="0">
+                <a:solidFill>
+                  <a:srgbClr val="000000"/>
+                </a:solidFill>
+                <a:latin typeface="Calibri" panose="020F0502020204030204" pitchFamily="34" charset="0"/>
+                <a:ea typeface="Calibri" panose="020F0502020204030204" pitchFamily="34" charset="0"/>
+                <a:cs typeface="Arial" panose="020B0604020202020204" pitchFamily="34" charset="0"/>
+              </a:rPr>
+              <a:t>    }</a:t>
+            </a:r>
+            <a:br>
+              <a:rPr lang="en-US" sz="1000" dirty="0">
+                <a:solidFill>
+                  <a:srgbClr val="000000"/>
+                </a:solidFill>
+                <a:latin typeface="Calibri" panose="020F0502020204030204" pitchFamily="34" charset="0"/>
+                <a:ea typeface="Calibri" panose="020F0502020204030204" pitchFamily="34" charset="0"/>
+                <a:cs typeface="Arial" panose="020B0604020202020204" pitchFamily="34" charset="0"/>
+              </a:rPr>
+            </a:br>
+            <a:r>
+              <a:rPr lang="en-US" sz="1000" dirty="0">
+                <a:solidFill>
+                  <a:srgbClr val="000000"/>
+                </a:solidFill>
+                <a:latin typeface="Calibri" panose="020F0502020204030204" pitchFamily="34" charset="0"/>
+                <a:ea typeface="Calibri" panose="020F0502020204030204" pitchFamily="34" charset="0"/>
+                <a:cs typeface="Arial" panose="020B0604020202020204" pitchFamily="34" charset="0"/>
+              </a:rPr>
+              <a:t>}</a:t>
+            </a:r>
+            <a:endParaRPr lang="he-IL" sz="1000" dirty="0"/>
+          </a:p>
+        </p:txBody>
+      </p:sp>
+    </p:spTree>
+    <p:extLst>
+      <p:ext uri="{BB962C8B-B14F-4D97-AF65-F5344CB8AC3E}">
+        <p14:creationId xmlns:p14="http://schemas.microsoft.com/office/powerpoint/2010/main" val="2354031753"/>
+      </p:ext>
+    </p:extLst>
+  </p:cSld>
+  <p:clrMapOvr>
+    <a:masterClrMapping/>
+  </p:clrMapOvr>
+</p:sld>
+</file>
+
+<file path=ppt/slides/slide38.xml><?xml version="1.0" encoding="utf-8"?>
+<p:sld xmlns:a="http://schemas.openxmlformats.org/drawingml/2006/main" xmlns:r="http://schemas.openxmlformats.org/officeDocument/2006/relationships" xmlns:p="http://schemas.openxmlformats.org/presentationml/2006/main">
+  <p:cSld>
+    <p:spTree>
+      <p:nvGrpSpPr>
+        <p:cNvPr id="1" name=""/>
+        <p:cNvGrpSpPr/>
+        <p:nvPr/>
+      </p:nvGrpSpPr>
+      <p:grpSpPr>
+        <a:xfrm>
+          <a:off x="0" y="0"/>
+          <a:ext cx="0" cy="0"/>
+          <a:chOff x="0" y="0"/>
+          <a:chExt cx="0" cy="0"/>
+        </a:xfrm>
+      </p:grpSpPr>
+      <p:sp>
+        <p:nvSpPr>
+          <p:cNvPr id="2" name="Title 1">
+            <a:extLst>
+              <a:ext uri="{FF2B5EF4-FFF2-40B4-BE49-F238E27FC236}">
                 <a16:creationId xmlns:a16="http://schemas.microsoft.com/office/drawing/2014/main" id="{C77B57C4-38D7-4ADC-84BC-9E157BAF220E}"/>
               </a:ext>
             </a:extLst>
@@ -27764,7 +35179,7 @@
             <a:fld id="{87B78B44-2135-4DB2-B732-E7D5FFF77B6A}" type="slidenum">
               <a:rPr lang="en-US" smtClean="0"/>
               <a:pPr/>
-              <a:t>30</a:t>
+              <a:t>38</a:t>
             </a:fld>
             <a:endParaRPr lang="en-US"/>
           </a:p>
